--- a/研究问题思考.pptx
+++ b/研究问题思考.pptx
@@ -2,12 +2,27 @@
 <file path=ppt/presentation.xml><?xml version="1.0" encoding="utf-8"?>
 <p:presentation xmlns:a="http://schemas.openxmlformats.org/drawingml/2006/main" xmlns:r="http://schemas.openxmlformats.org/officeDocument/2006/relationships" xmlns:p="http://schemas.openxmlformats.org/presentationml/2006/main" saveSubsetFonts="1">
   <p:sldMasterIdLst>
-    <p:sldMasterId id="2147483648" r:id="rId1"/>
+    <p:sldMasterId id="2147483660" r:id="rId1"/>
   </p:sldMasterIdLst>
+  <p:notesMasterIdLst>
+    <p:notesMasterId r:id="rId17"/>
+  </p:notesMasterIdLst>
   <p:sldIdLst>
     <p:sldId id="256" r:id="rId2"/>
-    <p:sldId id="257" r:id="rId3"/>
-    <p:sldId id="258" r:id="rId4"/>
+    <p:sldId id="264" r:id="rId3"/>
+    <p:sldId id="265" r:id="rId4"/>
+    <p:sldId id="273" r:id="rId5"/>
+    <p:sldId id="270" r:id="rId6"/>
+    <p:sldId id="259" r:id="rId7"/>
+    <p:sldId id="257" r:id="rId8"/>
+    <p:sldId id="267" r:id="rId9"/>
+    <p:sldId id="275" r:id="rId10"/>
+    <p:sldId id="276" r:id="rId11"/>
+    <p:sldId id="272" r:id="rId12"/>
+    <p:sldId id="261" r:id="rId13"/>
+    <p:sldId id="268" r:id="rId14"/>
+    <p:sldId id="262" r:id="rId15"/>
+    <p:sldId id="274" r:id="rId16"/>
   </p:sldIdLst>
   <p:sldSz cx="12192000" cy="6858000"/>
   <p:notesSz cx="6858000" cy="9144000"/>
@@ -15,7 +30,7 @@
     <a:defPPr>
       <a:defRPr lang="en-US"/>
     </a:defPPr>
-    <a:lvl1pPr marL="0" algn="l" defTabSz="914400" rtl="0" eaLnBrk="1" latinLnBrk="0" hangingPunct="1">
+    <a:lvl1pPr marL="0" algn="l" defTabSz="457200" rtl="0" eaLnBrk="1" latinLnBrk="0" hangingPunct="1">
       <a:defRPr sz="1800" kern="1200">
         <a:solidFill>
           <a:schemeClr val="tx1"/>
@@ -25,7 +40,7 @@
         <a:cs typeface="+mn-cs"/>
       </a:defRPr>
     </a:lvl1pPr>
-    <a:lvl2pPr marL="457200" algn="l" defTabSz="914400" rtl="0" eaLnBrk="1" latinLnBrk="0" hangingPunct="1">
+    <a:lvl2pPr marL="457200" algn="l" defTabSz="457200" rtl="0" eaLnBrk="1" latinLnBrk="0" hangingPunct="1">
       <a:defRPr sz="1800" kern="1200">
         <a:solidFill>
           <a:schemeClr val="tx1"/>
@@ -35,7 +50,7 @@
         <a:cs typeface="+mn-cs"/>
       </a:defRPr>
     </a:lvl2pPr>
-    <a:lvl3pPr marL="914400" algn="l" defTabSz="914400" rtl="0" eaLnBrk="1" latinLnBrk="0" hangingPunct="1">
+    <a:lvl3pPr marL="914400" algn="l" defTabSz="457200" rtl="0" eaLnBrk="1" latinLnBrk="0" hangingPunct="1">
       <a:defRPr sz="1800" kern="1200">
         <a:solidFill>
           <a:schemeClr val="tx1"/>
@@ -45,7 +60,7 @@
         <a:cs typeface="+mn-cs"/>
       </a:defRPr>
     </a:lvl3pPr>
-    <a:lvl4pPr marL="1371600" algn="l" defTabSz="914400" rtl="0" eaLnBrk="1" latinLnBrk="0" hangingPunct="1">
+    <a:lvl4pPr marL="1371600" algn="l" defTabSz="457200" rtl="0" eaLnBrk="1" latinLnBrk="0" hangingPunct="1">
       <a:defRPr sz="1800" kern="1200">
         <a:solidFill>
           <a:schemeClr val="tx1"/>
@@ -55,7 +70,7 @@
         <a:cs typeface="+mn-cs"/>
       </a:defRPr>
     </a:lvl4pPr>
-    <a:lvl5pPr marL="1828800" algn="l" defTabSz="914400" rtl="0" eaLnBrk="1" latinLnBrk="0" hangingPunct="1">
+    <a:lvl5pPr marL="1828800" algn="l" defTabSz="457200" rtl="0" eaLnBrk="1" latinLnBrk="0" hangingPunct="1">
       <a:defRPr sz="1800" kern="1200">
         <a:solidFill>
           <a:schemeClr val="tx1"/>
@@ -65,7 +80,7 @@
         <a:cs typeface="+mn-cs"/>
       </a:defRPr>
     </a:lvl5pPr>
-    <a:lvl6pPr marL="2286000" algn="l" defTabSz="914400" rtl="0" eaLnBrk="1" latinLnBrk="0" hangingPunct="1">
+    <a:lvl6pPr marL="2286000" algn="l" defTabSz="457200" rtl="0" eaLnBrk="1" latinLnBrk="0" hangingPunct="1">
       <a:defRPr sz="1800" kern="1200">
         <a:solidFill>
           <a:schemeClr val="tx1"/>
@@ -75,7 +90,7 @@
         <a:cs typeface="+mn-cs"/>
       </a:defRPr>
     </a:lvl6pPr>
-    <a:lvl7pPr marL="2743200" algn="l" defTabSz="914400" rtl="0" eaLnBrk="1" latinLnBrk="0" hangingPunct="1">
+    <a:lvl7pPr marL="2743200" algn="l" defTabSz="457200" rtl="0" eaLnBrk="1" latinLnBrk="0" hangingPunct="1">
       <a:defRPr sz="1800" kern="1200">
         <a:solidFill>
           <a:schemeClr val="tx1"/>
@@ -85,7 +100,7 @@
         <a:cs typeface="+mn-cs"/>
       </a:defRPr>
     </a:lvl7pPr>
-    <a:lvl8pPr marL="3200400" algn="l" defTabSz="914400" rtl="0" eaLnBrk="1" latinLnBrk="0" hangingPunct="1">
+    <a:lvl8pPr marL="3200400" algn="l" defTabSz="457200" rtl="0" eaLnBrk="1" latinLnBrk="0" hangingPunct="1">
       <a:defRPr sz="1800" kern="1200">
         <a:solidFill>
           <a:schemeClr val="tx1"/>
@@ -95,7 +110,7 @@
         <a:cs typeface="+mn-cs"/>
       </a:defRPr>
     </a:lvl8pPr>
-    <a:lvl9pPr marL="3657600" algn="l" defTabSz="914400" rtl="0" eaLnBrk="1" latinLnBrk="0" hangingPunct="1">
+    <a:lvl9pPr marL="3657600" algn="l" defTabSz="457200" rtl="0" eaLnBrk="1" latinLnBrk="0" hangingPunct="1">
       <a:defRPr sz="1800" kern="1200">
         <a:solidFill>
           <a:schemeClr val="tx1"/>
@@ -106,12 +121,22 @@
       </a:defRPr>
     </a:lvl9pPr>
   </p:defaultTextStyle>
+  <p:extLst>
+    <p:ext uri="{EFAFB233-063F-42B5-8137-9DF3F51BA10A}">
+      <p15:sldGuideLst xmlns:p15="http://schemas.microsoft.com/office/powerpoint/2012/main"/>
+    </p:ext>
+  </p:extLst>
 </p:presentation>
 </file>
 
-<file path=ppt/slideLayouts/slideLayout1.xml><?xml version="1.0" encoding="utf-8"?>
-<p:sldLayout xmlns:a="http://schemas.openxmlformats.org/drawingml/2006/main" xmlns:r="http://schemas.openxmlformats.org/officeDocument/2006/relationships" xmlns:p="http://schemas.openxmlformats.org/presentationml/2006/main" type="title" preserve="1">
-  <p:cSld name="Title Slide">
+<file path=ppt/notesMasters/notesMaster1.xml><?xml version="1.0" encoding="utf-8"?>
+<p:notesMaster xmlns:a="http://schemas.openxmlformats.org/drawingml/2006/main" xmlns:r="http://schemas.openxmlformats.org/officeDocument/2006/relationships" xmlns:p="http://schemas.openxmlformats.org/presentationml/2006/main">
+  <p:cSld>
+    <p:bg>
+      <p:bgRef idx="1001">
+        <a:schemeClr val="bg1"/>
+      </p:bgRef>
+    </p:bg>
     <p:spTree>
       <p:nvGrpSpPr>
         <p:cNvPr id="1" name=""/>
@@ -128,31 +153,605 @@
       </p:grpSpPr>
       <p:sp>
         <p:nvSpPr>
-          <p:cNvPr id="2" name="Title 1">
-            <a:extLst>
-              <a:ext uri="{FF2B5EF4-FFF2-40B4-BE49-F238E27FC236}">
-                <a16:creationId xmlns:a16="http://schemas.microsoft.com/office/drawing/2014/main" id="{7C6D8AC8-52AA-4346-9B29-306465F2D4D4}"/>
-              </a:ext>
-            </a:extLst>
-          </p:cNvPr>
-          <p:cNvSpPr>
-            <a:spLocks noGrp="1"/>
-          </p:cNvSpPr>
-          <p:nvPr>
-            <p:ph type="ctrTitle"/>
+          <p:cNvPr id="2" name="Header Placeholder 1"/>
+          <p:cNvSpPr>
+            <a:spLocks noGrp="1"/>
+          </p:cNvSpPr>
+          <p:nvPr>
+            <p:ph type="hdr" sz="quarter"/>
           </p:nvPr>
         </p:nvSpPr>
         <p:spPr>
           <a:xfrm>
-            <a:off x="1524000" y="1122363"/>
-            <a:ext cx="9144000" cy="2387600"/>
+            <a:off x="0" y="0"/>
+            <a:ext cx="2971800" cy="458788"/>
+          </a:xfrm>
+          <a:prstGeom prst="rect">
+            <a:avLst/>
+          </a:prstGeom>
+        </p:spPr>
+        <p:txBody>
+          <a:bodyPr vert="horz" lIns="91440" tIns="45720" rIns="91440" bIns="45720" rtlCol="0"/>
+          <a:lstStyle>
+            <a:lvl1pPr algn="l">
+              <a:defRPr sz="1200"/>
+            </a:lvl1pPr>
+          </a:lstStyle>
+          <a:p>
+            <a:endParaRPr lang="en-US"/>
+          </a:p>
+        </p:txBody>
+      </p:sp>
+      <p:sp>
+        <p:nvSpPr>
+          <p:cNvPr id="3" name="Date Placeholder 2"/>
+          <p:cNvSpPr>
+            <a:spLocks noGrp="1"/>
+          </p:cNvSpPr>
+          <p:nvPr>
+            <p:ph type="dt" idx="1"/>
+          </p:nvPr>
+        </p:nvSpPr>
+        <p:spPr>
+          <a:xfrm>
+            <a:off x="3884613" y="0"/>
+            <a:ext cx="2971800" cy="458788"/>
+          </a:xfrm>
+          <a:prstGeom prst="rect">
+            <a:avLst/>
+          </a:prstGeom>
+        </p:spPr>
+        <p:txBody>
+          <a:bodyPr vert="horz" lIns="91440" tIns="45720" rIns="91440" bIns="45720" rtlCol="0"/>
+          <a:lstStyle>
+            <a:lvl1pPr algn="r">
+              <a:defRPr sz="1200"/>
+            </a:lvl1pPr>
+          </a:lstStyle>
+          <a:p>
+            <a:fld id="{C6BFA17B-EDB6-4149-9BFD-DC79505AA6DE}" type="datetimeFigureOut">
+              <a:rPr lang="en-US" smtClean="0"/>
+              <a:t>3/2/2024</a:t>
+            </a:fld>
+            <a:endParaRPr lang="en-US"/>
+          </a:p>
+        </p:txBody>
+      </p:sp>
+      <p:sp>
+        <p:nvSpPr>
+          <p:cNvPr id="4" name="Slide Image Placeholder 3"/>
+          <p:cNvSpPr>
+            <a:spLocks noGrp="1" noRot="1" noChangeAspect="1"/>
+          </p:cNvSpPr>
+          <p:nvPr>
+            <p:ph type="sldImg" idx="2"/>
+          </p:nvPr>
+        </p:nvSpPr>
+        <p:spPr>
+          <a:xfrm>
+            <a:off x="685800" y="1143000"/>
+            <a:ext cx="5486400" cy="3086100"/>
+          </a:xfrm>
+          <a:prstGeom prst="rect">
+            <a:avLst/>
+          </a:prstGeom>
+          <a:noFill/>
+          <a:ln w="12700">
+            <a:solidFill>
+              <a:prstClr val="black"/>
+            </a:solidFill>
+          </a:ln>
+        </p:spPr>
+        <p:txBody>
+          <a:bodyPr vert="horz" lIns="91440" tIns="45720" rIns="91440" bIns="45720" rtlCol="0" anchor="ctr"/>
+          <a:lstStyle/>
+          <a:p>
+            <a:endParaRPr lang="en-US"/>
+          </a:p>
+        </p:txBody>
+      </p:sp>
+      <p:sp>
+        <p:nvSpPr>
+          <p:cNvPr id="5" name="Notes Placeholder 4"/>
+          <p:cNvSpPr>
+            <a:spLocks noGrp="1"/>
+          </p:cNvSpPr>
+          <p:nvPr>
+            <p:ph type="body" sz="quarter" idx="3"/>
+          </p:nvPr>
+        </p:nvSpPr>
+        <p:spPr>
+          <a:xfrm>
+            <a:off x="685800" y="4400550"/>
+            <a:ext cx="5486400" cy="3600450"/>
+          </a:xfrm>
+          <a:prstGeom prst="rect">
+            <a:avLst/>
+          </a:prstGeom>
+        </p:spPr>
+        <p:txBody>
+          <a:bodyPr vert="horz" lIns="91440" tIns="45720" rIns="91440" bIns="45720" rtlCol="0"/>
+          <a:lstStyle/>
+          <a:p>
+            <a:pPr lvl="0"/>
+            <a:r>
+              <a:rPr lang="en-US"/>
+              <a:t>Click to edit Master text styles</a:t>
+            </a:r>
+          </a:p>
+          <a:p>
+            <a:pPr lvl="1"/>
+            <a:r>
+              <a:rPr lang="en-US"/>
+              <a:t>Second level</a:t>
+            </a:r>
+          </a:p>
+          <a:p>
+            <a:pPr lvl="2"/>
+            <a:r>
+              <a:rPr lang="en-US"/>
+              <a:t>Third level</a:t>
+            </a:r>
+          </a:p>
+          <a:p>
+            <a:pPr lvl="3"/>
+            <a:r>
+              <a:rPr lang="en-US"/>
+              <a:t>Fourth level</a:t>
+            </a:r>
+          </a:p>
+          <a:p>
+            <a:pPr lvl="4"/>
+            <a:r>
+              <a:rPr lang="en-US"/>
+              <a:t>Fifth level</a:t>
+            </a:r>
+          </a:p>
+        </p:txBody>
+      </p:sp>
+      <p:sp>
+        <p:nvSpPr>
+          <p:cNvPr id="6" name="Footer Placeholder 5"/>
+          <p:cNvSpPr>
+            <a:spLocks noGrp="1"/>
+          </p:cNvSpPr>
+          <p:nvPr>
+            <p:ph type="ftr" sz="quarter" idx="4"/>
+          </p:nvPr>
+        </p:nvSpPr>
+        <p:spPr>
+          <a:xfrm>
+            <a:off x="0" y="8685213"/>
+            <a:ext cx="2971800" cy="458787"/>
+          </a:xfrm>
+          <a:prstGeom prst="rect">
+            <a:avLst/>
+          </a:prstGeom>
+        </p:spPr>
+        <p:txBody>
+          <a:bodyPr vert="horz" lIns="91440" tIns="45720" rIns="91440" bIns="45720" rtlCol="0" anchor="b"/>
+          <a:lstStyle>
+            <a:lvl1pPr algn="l">
+              <a:defRPr sz="1200"/>
+            </a:lvl1pPr>
+          </a:lstStyle>
+          <a:p>
+            <a:endParaRPr lang="en-US"/>
+          </a:p>
+        </p:txBody>
+      </p:sp>
+      <p:sp>
+        <p:nvSpPr>
+          <p:cNvPr id="7" name="Slide Number Placeholder 6"/>
+          <p:cNvSpPr>
+            <a:spLocks noGrp="1"/>
+          </p:cNvSpPr>
+          <p:nvPr>
+            <p:ph type="sldNum" sz="quarter" idx="5"/>
+          </p:nvPr>
+        </p:nvSpPr>
+        <p:spPr>
+          <a:xfrm>
+            <a:off x="3884613" y="8685213"/>
+            <a:ext cx="2971800" cy="458787"/>
+          </a:xfrm>
+          <a:prstGeom prst="rect">
+            <a:avLst/>
+          </a:prstGeom>
+        </p:spPr>
+        <p:txBody>
+          <a:bodyPr vert="horz" lIns="91440" tIns="45720" rIns="91440" bIns="45720" rtlCol="0" anchor="b"/>
+          <a:lstStyle>
+            <a:lvl1pPr algn="r">
+              <a:defRPr sz="1200"/>
+            </a:lvl1pPr>
+          </a:lstStyle>
+          <a:p>
+            <a:fld id="{BF10363A-F6FB-4FB0-9649-F70A4A96C819}" type="slidenum">
+              <a:rPr lang="en-US" smtClean="0"/>
+              <a:t>‹#›</a:t>
+            </a:fld>
+            <a:endParaRPr lang="en-US"/>
+          </a:p>
+        </p:txBody>
+      </p:sp>
+    </p:spTree>
+    <p:extLst>
+      <p:ext uri="{BB962C8B-B14F-4D97-AF65-F5344CB8AC3E}">
+        <p14:creationId xmlns:p14="http://schemas.microsoft.com/office/powerpoint/2010/main" val="2430817667"/>
+      </p:ext>
+    </p:extLst>
+  </p:cSld>
+  <p:clrMap bg1="lt1" tx1="dk1" bg2="lt2" tx2="dk2" accent1="accent1" accent2="accent2" accent3="accent3" accent4="accent4" accent5="accent5" accent6="accent6" hlink="hlink" folHlink="folHlink"/>
+  <p:notesStyle>
+    <a:lvl1pPr marL="0" algn="l" defTabSz="914400" rtl="0" eaLnBrk="1" latinLnBrk="0" hangingPunct="1">
+      <a:defRPr sz="1200" kern="1200">
+        <a:solidFill>
+          <a:schemeClr val="tx1"/>
+        </a:solidFill>
+        <a:latin typeface="+mn-lt"/>
+        <a:ea typeface="+mn-ea"/>
+        <a:cs typeface="+mn-cs"/>
+      </a:defRPr>
+    </a:lvl1pPr>
+    <a:lvl2pPr marL="457200" algn="l" defTabSz="914400" rtl="0" eaLnBrk="1" latinLnBrk="0" hangingPunct="1">
+      <a:defRPr sz="1200" kern="1200">
+        <a:solidFill>
+          <a:schemeClr val="tx1"/>
+        </a:solidFill>
+        <a:latin typeface="+mn-lt"/>
+        <a:ea typeface="+mn-ea"/>
+        <a:cs typeface="+mn-cs"/>
+      </a:defRPr>
+    </a:lvl2pPr>
+    <a:lvl3pPr marL="914400" algn="l" defTabSz="914400" rtl="0" eaLnBrk="1" latinLnBrk="0" hangingPunct="1">
+      <a:defRPr sz="1200" kern="1200">
+        <a:solidFill>
+          <a:schemeClr val="tx1"/>
+        </a:solidFill>
+        <a:latin typeface="+mn-lt"/>
+        <a:ea typeface="+mn-ea"/>
+        <a:cs typeface="+mn-cs"/>
+      </a:defRPr>
+    </a:lvl3pPr>
+    <a:lvl4pPr marL="1371600" algn="l" defTabSz="914400" rtl="0" eaLnBrk="1" latinLnBrk="0" hangingPunct="1">
+      <a:defRPr sz="1200" kern="1200">
+        <a:solidFill>
+          <a:schemeClr val="tx1"/>
+        </a:solidFill>
+        <a:latin typeface="+mn-lt"/>
+        <a:ea typeface="+mn-ea"/>
+        <a:cs typeface="+mn-cs"/>
+      </a:defRPr>
+    </a:lvl4pPr>
+    <a:lvl5pPr marL="1828800" algn="l" defTabSz="914400" rtl="0" eaLnBrk="1" latinLnBrk="0" hangingPunct="1">
+      <a:defRPr sz="1200" kern="1200">
+        <a:solidFill>
+          <a:schemeClr val="tx1"/>
+        </a:solidFill>
+        <a:latin typeface="+mn-lt"/>
+        <a:ea typeface="+mn-ea"/>
+        <a:cs typeface="+mn-cs"/>
+      </a:defRPr>
+    </a:lvl5pPr>
+    <a:lvl6pPr marL="2286000" algn="l" defTabSz="914400" rtl="0" eaLnBrk="1" latinLnBrk="0" hangingPunct="1">
+      <a:defRPr sz="1200" kern="1200">
+        <a:solidFill>
+          <a:schemeClr val="tx1"/>
+        </a:solidFill>
+        <a:latin typeface="+mn-lt"/>
+        <a:ea typeface="+mn-ea"/>
+        <a:cs typeface="+mn-cs"/>
+      </a:defRPr>
+    </a:lvl6pPr>
+    <a:lvl7pPr marL="2743200" algn="l" defTabSz="914400" rtl="0" eaLnBrk="1" latinLnBrk="0" hangingPunct="1">
+      <a:defRPr sz="1200" kern="1200">
+        <a:solidFill>
+          <a:schemeClr val="tx1"/>
+        </a:solidFill>
+        <a:latin typeface="+mn-lt"/>
+        <a:ea typeface="+mn-ea"/>
+        <a:cs typeface="+mn-cs"/>
+      </a:defRPr>
+    </a:lvl7pPr>
+    <a:lvl8pPr marL="3200400" algn="l" defTabSz="914400" rtl="0" eaLnBrk="1" latinLnBrk="0" hangingPunct="1">
+      <a:defRPr sz="1200" kern="1200">
+        <a:solidFill>
+          <a:schemeClr val="tx1"/>
+        </a:solidFill>
+        <a:latin typeface="+mn-lt"/>
+        <a:ea typeface="+mn-ea"/>
+        <a:cs typeface="+mn-cs"/>
+      </a:defRPr>
+    </a:lvl8pPr>
+    <a:lvl9pPr marL="3657600" algn="l" defTabSz="914400" rtl="0" eaLnBrk="1" latinLnBrk="0" hangingPunct="1">
+      <a:defRPr sz="1200" kern="1200">
+        <a:solidFill>
+          <a:schemeClr val="tx1"/>
+        </a:solidFill>
+        <a:latin typeface="+mn-lt"/>
+        <a:ea typeface="+mn-ea"/>
+        <a:cs typeface="+mn-cs"/>
+      </a:defRPr>
+    </a:lvl9pPr>
+  </p:notesStyle>
+</p:notesMaster>
+</file>
+
+<file path=ppt/notesSlides/notesSlide1.xml><?xml version="1.0" encoding="utf-8"?>
+<p:notes xmlns:a="http://schemas.openxmlformats.org/drawingml/2006/main" xmlns:r="http://schemas.openxmlformats.org/officeDocument/2006/relationships" xmlns:p="http://schemas.openxmlformats.org/presentationml/2006/main">
+  <p:cSld>
+    <p:spTree>
+      <p:nvGrpSpPr>
+        <p:cNvPr id="1" name=""/>
+        <p:cNvGrpSpPr/>
+        <p:nvPr/>
+      </p:nvGrpSpPr>
+      <p:grpSpPr>
+        <a:xfrm>
+          <a:off x="0" y="0"/>
+          <a:ext cx="0" cy="0"/>
+          <a:chOff x="0" y="0"/>
+          <a:chExt cx="0" cy="0"/>
+        </a:xfrm>
+      </p:grpSpPr>
+      <p:sp>
+        <p:nvSpPr>
+          <p:cNvPr id="2" name="Slide Image Placeholder 1"/>
+          <p:cNvSpPr>
+            <a:spLocks noGrp="1" noRot="1" noChangeAspect="1"/>
+          </p:cNvSpPr>
+          <p:nvPr>
+            <p:ph type="sldImg"/>
+          </p:nvPr>
+        </p:nvSpPr>
+        <p:spPr/>
+      </p:sp>
+      <p:sp>
+        <p:nvSpPr>
+          <p:cNvPr id="3" name="Notes Placeholder 2"/>
+          <p:cNvSpPr>
+            <a:spLocks noGrp="1"/>
+          </p:cNvSpPr>
+          <p:nvPr>
+            <p:ph type="body" idx="1"/>
+          </p:nvPr>
+        </p:nvSpPr>
+        <p:spPr/>
+        <p:txBody>
+          <a:bodyPr/>
+          <a:lstStyle/>
+          <a:p>
+            <a:pPr marL="0" marR="0" lvl="0" indent="0" algn="l" defTabSz="914400" rtl="0" eaLnBrk="1" fontAlgn="auto" latinLnBrk="0" hangingPunct="1">
+              <a:lnSpc>
+                <a:spcPct val="100000"/>
+              </a:lnSpc>
+              <a:spcBef>
+                <a:spcPts val="0"/>
+              </a:spcBef>
+              <a:spcAft>
+                <a:spcPts val="0"/>
+              </a:spcAft>
+              <a:buClrTx/>
+              <a:buSzTx/>
+              <a:buFontTx/>
+              <a:buNone/>
+              <a:tabLst/>
+              <a:defRPr/>
+            </a:pPr>
+            <a:r>
+              <a:rPr lang="zh-CN" altLang="en-US" dirty="0"/>
+              <a:t>目标：</a:t>
+            </a:r>
+            <a:r>
+              <a:rPr lang="en-US" altLang="zh-CN" strike="noStrike" dirty="0"/>
+              <a:t>PKI</a:t>
+            </a:r>
+            <a:r>
+              <a:rPr lang="zh-CN" altLang="en-US" strike="noStrike" dirty="0"/>
+              <a:t>（</a:t>
+            </a:r>
+            <a:r>
+              <a:rPr lang="en-US" altLang="zh-CN" strike="noStrike" dirty="0"/>
+              <a:t>CA</a:t>
+            </a:r>
+            <a:r>
+              <a:rPr lang="zh-CN" altLang="en-US" strike="noStrike" dirty="0"/>
+              <a:t>）、网站、</a:t>
+            </a:r>
+            <a:r>
+              <a:rPr lang="zh-CN" altLang="en-US" strike="noStrike" dirty="0">
+                <a:solidFill>
+                  <a:srgbClr val="FF0000"/>
+                </a:solidFill>
+              </a:rPr>
+              <a:t>用户</a:t>
+            </a:r>
+            <a:endParaRPr lang="en-US" altLang="zh-CN" strike="noStrike" dirty="0">
+              <a:solidFill>
+                <a:srgbClr val="FF0000"/>
+              </a:solidFill>
+            </a:endParaRPr>
+          </a:p>
+        </p:txBody>
+      </p:sp>
+      <p:sp>
+        <p:nvSpPr>
+          <p:cNvPr id="4" name="Slide Number Placeholder 3"/>
+          <p:cNvSpPr>
+            <a:spLocks noGrp="1"/>
+          </p:cNvSpPr>
+          <p:nvPr>
+            <p:ph type="sldNum" sz="quarter" idx="5"/>
+          </p:nvPr>
+        </p:nvSpPr>
+        <p:spPr/>
+        <p:txBody>
+          <a:bodyPr/>
+          <a:lstStyle/>
+          <a:p>
+            <a:fld id="{BF10363A-F6FB-4FB0-9649-F70A4A96C819}" type="slidenum">
+              <a:rPr lang="en-US" smtClean="0"/>
+              <a:t>7</a:t>
+            </a:fld>
+            <a:endParaRPr lang="en-US"/>
+          </a:p>
+        </p:txBody>
+      </p:sp>
+    </p:spTree>
+    <p:extLst>
+      <p:ext uri="{BB962C8B-B14F-4D97-AF65-F5344CB8AC3E}">
+        <p14:creationId xmlns:p14="http://schemas.microsoft.com/office/powerpoint/2010/main" val="870985163"/>
+      </p:ext>
+    </p:extLst>
+  </p:cSld>
+  <p:clrMapOvr>
+    <a:masterClrMapping/>
+  </p:clrMapOvr>
+</p:notes>
+</file>
+
+<file path=ppt/notesSlides/notesSlide2.xml><?xml version="1.0" encoding="utf-8"?>
+<p:notes xmlns:a="http://schemas.openxmlformats.org/drawingml/2006/main" xmlns:r="http://schemas.openxmlformats.org/officeDocument/2006/relationships" xmlns:p="http://schemas.openxmlformats.org/presentationml/2006/main">
+  <p:cSld>
+    <p:spTree>
+      <p:nvGrpSpPr>
+        <p:cNvPr id="1" name=""/>
+        <p:cNvGrpSpPr/>
+        <p:nvPr/>
+      </p:nvGrpSpPr>
+      <p:grpSpPr>
+        <a:xfrm>
+          <a:off x="0" y="0"/>
+          <a:ext cx="0" cy="0"/>
+          <a:chOff x="0" y="0"/>
+          <a:chExt cx="0" cy="0"/>
+        </a:xfrm>
+      </p:grpSpPr>
+      <p:sp>
+        <p:nvSpPr>
+          <p:cNvPr id="2" name="Slide Image Placeholder 1"/>
+          <p:cNvSpPr>
+            <a:spLocks noGrp="1" noRot="1" noChangeAspect="1"/>
+          </p:cNvSpPr>
+          <p:nvPr>
+            <p:ph type="sldImg"/>
+          </p:nvPr>
+        </p:nvSpPr>
+        <p:spPr/>
+      </p:sp>
+      <p:sp>
+        <p:nvSpPr>
+          <p:cNvPr id="3" name="Notes Placeholder 2"/>
+          <p:cNvSpPr>
+            <a:spLocks noGrp="1"/>
+          </p:cNvSpPr>
+          <p:nvPr>
+            <p:ph type="body" idx="1"/>
+          </p:nvPr>
+        </p:nvSpPr>
+        <p:spPr/>
+        <p:txBody>
+          <a:bodyPr/>
+          <a:lstStyle/>
+          <a:p>
+            <a:endParaRPr lang="en-US" dirty="0"/>
+          </a:p>
+        </p:txBody>
+      </p:sp>
+      <p:sp>
+        <p:nvSpPr>
+          <p:cNvPr id="4" name="Slide Number Placeholder 3"/>
+          <p:cNvSpPr>
+            <a:spLocks noGrp="1"/>
+          </p:cNvSpPr>
+          <p:nvPr>
+            <p:ph type="sldNum" sz="quarter" idx="5"/>
+          </p:nvPr>
+        </p:nvSpPr>
+        <p:spPr/>
+        <p:txBody>
+          <a:bodyPr/>
+          <a:lstStyle/>
+          <a:p>
+            <a:fld id="{BF10363A-F6FB-4FB0-9649-F70A4A96C819}" type="slidenum">
+              <a:rPr lang="en-US" smtClean="0"/>
+              <a:t>13</a:t>
+            </a:fld>
+            <a:endParaRPr lang="en-US"/>
+          </a:p>
+        </p:txBody>
+      </p:sp>
+    </p:spTree>
+    <p:extLst>
+      <p:ext uri="{BB962C8B-B14F-4D97-AF65-F5344CB8AC3E}">
+        <p14:creationId xmlns:p14="http://schemas.microsoft.com/office/powerpoint/2010/main" val="201754013"/>
+      </p:ext>
+    </p:extLst>
+  </p:cSld>
+  <p:clrMapOvr>
+    <a:masterClrMapping/>
+  </p:clrMapOvr>
+</p:notes>
+</file>
+
+<file path=ppt/slideLayouts/slideLayout1.xml><?xml version="1.0" encoding="utf-8"?>
+<p:sldLayout xmlns:a="http://schemas.openxmlformats.org/drawingml/2006/main" xmlns:r="http://schemas.openxmlformats.org/officeDocument/2006/relationships" xmlns:p="http://schemas.openxmlformats.org/presentationml/2006/main" showMasterSp="0" type="title" preserve="1">
+  <p:cSld name="Title Slide">
+    <p:bg>
+      <p:bgPr>
+        <a:solidFill>
+          <a:schemeClr val="bg2">
+            <a:lumMod val="75000"/>
+          </a:schemeClr>
+        </a:solidFill>
+        <a:effectLst/>
+      </p:bgPr>
+    </p:bg>
+    <p:spTree>
+      <p:nvGrpSpPr>
+        <p:cNvPr id="1" name=""/>
+        <p:cNvGrpSpPr/>
+        <p:nvPr/>
+      </p:nvGrpSpPr>
+      <p:grpSpPr>
+        <a:xfrm>
+          <a:off x="0" y="0"/>
+          <a:ext cx="0" cy="0"/>
+          <a:chOff x="0" y="0"/>
+          <a:chExt cx="0" cy="0"/>
+        </a:xfrm>
+      </p:grpSpPr>
+      <p:sp>
+        <p:nvSpPr>
+          <p:cNvPr id="2" name="Title 1"/>
+          <p:cNvSpPr>
+            <a:spLocks noGrp="1"/>
+          </p:cNvSpPr>
+          <p:nvPr>
+            <p:ph type="ctrTitle"/>
+          </p:nvPr>
+        </p:nvSpPr>
+        <p:spPr>
+          <a:xfrm>
+            <a:off x="1261872" y="758952"/>
+            <a:ext cx="9418320" cy="4041648"/>
           </a:xfrm>
         </p:spPr>
         <p:txBody>
-          <a:bodyPr anchor="b"/>
+          <a:bodyPr anchor="b">
+            <a:normAutofit/>
+          </a:bodyPr>
           <a:lstStyle>
-            <a:lvl1pPr algn="ctr">
-              <a:defRPr sz="6000"/>
+            <a:lvl1pPr algn="l">
+              <a:lnSpc>
+                <a:spcPct val="85000"/>
+              </a:lnSpc>
+              <a:defRPr sz="7200" baseline="0">
+                <a:solidFill>
+                  <a:schemeClr val="tx1"/>
+                </a:solidFill>
+              </a:defRPr>
             </a:lvl1pPr>
           </a:lstStyle>
           <a:p>
@@ -160,18 +759,13 @@
               <a:rPr lang="en-US"/>
               <a:t>Click to edit Master title style</a:t>
             </a:r>
-          </a:p>
-        </p:txBody>
-      </p:sp>
-      <p:sp>
-        <p:nvSpPr>
-          <p:cNvPr id="3" name="Subtitle 2">
-            <a:extLst>
-              <a:ext uri="{FF2B5EF4-FFF2-40B4-BE49-F238E27FC236}">
-                <a16:creationId xmlns:a16="http://schemas.microsoft.com/office/drawing/2014/main" id="{CACF3774-3265-40F5-A8A2-168CF8A3ACE7}"/>
-              </a:ext>
-            </a:extLst>
-          </p:cNvPr>
+            <a:endParaRPr lang="en-US" dirty="0"/>
+          </a:p>
+        </p:txBody>
+      </p:sp>
+      <p:sp>
+        <p:nvSpPr>
+          <p:cNvPr id="3" name="Subtitle 2"/>
           <p:cNvSpPr>
             <a:spLocks noGrp="1"/>
           </p:cNvSpPr>
@@ -181,48 +775,56 @@
         </p:nvSpPr>
         <p:spPr>
           <a:xfrm>
-            <a:off x="1524000" y="3602038"/>
-            <a:ext cx="9144000" cy="1655762"/>
+            <a:off x="1261872" y="4800600"/>
+            <a:ext cx="9418320" cy="1691640"/>
           </a:xfrm>
         </p:spPr>
         <p:txBody>
-          <a:bodyPr/>
+          <a:bodyPr>
+            <a:normAutofit/>
+          </a:bodyPr>
           <a:lstStyle>
-            <a:lvl1pPr marL="0" indent="0" algn="ctr">
+            <a:lvl1pPr marL="0" indent="0" algn="l">
               <a:buNone/>
-              <a:defRPr sz="2400"/>
+              <a:defRPr sz="2200" baseline="0">
+                <a:solidFill>
+                  <a:schemeClr val="tx1">
+                    <a:lumMod val="75000"/>
+                  </a:schemeClr>
+                </a:solidFill>
+              </a:defRPr>
             </a:lvl1pPr>
             <a:lvl2pPr marL="457200" indent="0" algn="ctr">
               <a:buNone/>
-              <a:defRPr sz="2000"/>
+              <a:defRPr sz="2200"/>
             </a:lvl2pPr>
             <a:lvl3pPr marL="914400" indent="0" algn="ctr">
               <a:buNone/>
-              <a:defRPr sz="1800"/>
+              <a:defRPr sz="2200"/>
             </a:lvl3pPr>
             <a:lvl4pPr marL="1371600" indent="0" algn="ctr">
               <a:buNone/>
-              <a:defRPr sz="1600"/>
+              <a:defRPr sz="2000"/>
             </a:lvl4pPr>
             <a:lvl5pPr marL="1828800" indent="0" algn="ctr">
               <a:buNone/>
-              <a:defRPr sz="1600"/>
+              <a:defRPr sz="2000"/>
             </a:lvl5pPr>
             <a:lvl6pPr marL="2286000" indent="0" algn="ctr">
               <a:buNone/>
-              <a:defRPr sz="1600"/>
+              <a:defRPr sz="2000"/>
             </a:lvl6pPr>
             <a:lvl7pPr marL="2743200" indent="0" algn="ctr">
               <a:buNone/>
-              <a:defRPr sz="1600"/>
+              <a:defRPr sz="2000"/>
             </a:lvl7pPr>
             <a:lvl8pPr marL="3200400" indent="0" algn="ctr">
               <a:buNone/>
-              <a:defRPr sz="1600"/>
+              <a:defRPr sz="2000"/>
             </a:lvl8pPr>
             <a:lvl9pPr marL="3657600" indent="0" algn="ctr">
               <a:buNone/>
-              <a:defRPr sz="1600"/>
+              <a:defRPr sz="2000"/>
             </a:lvl9pPr>
           </a:lstStyle>
           <a:p>
@@ -230,18 +832,13 @@
               <a:rPr lang="en-US"/>
               <a:t>Click to edit Master subtitle style</a:t>
             </a:r>
-          </a:p>
-        </p:txBody>
-      </p:sp>
-      <p:sp>
-        <p:nvSpPr>
-          <p:cNvPr id="4" name="Date Placeholder 3">
-            <a:extLst>
-              <a:ext uri="{FF2B5EF4-FFF2-40B4-BE49-F238E27FC236}">
-                <a16:creationId xmlns:a16="http://schemas.microsoft.com/office/drawing/2014/main" id="{F799DB39-D169-4076-BD4E-A86E2821EA32}"/>
-              </a:ext>
-            </a:extLst>
-          </p:cNvPr>
+            <a:endParaRPr lang="en-US" dirty="0"/>
+          </a:p>
+        </p:txBody>
+      </p:sp>
+      <p:sp>
+        <p:nvSpPr>
+          <p:cNvPr id="4" name="Date Placeholder 3"/>
           <p:cNvSpPr>
             <a:spLocks noGrp="1"/>
           </p:cNvSpPr>
@@ -252,11 +849,21 @@
         <p:spPr/>
         <p:txBody>
           <a:bodyPr/>
-          <a:lstStyle/>
+          <a:lstStyle>
+            <a:lvl1pPr>
+              <a:defRPr>
+                <a:solidFill>
+                  <a:schemeClr val="tx1">
+                    <a:lumMod val="50000"/>
+                  </a:schemeClr>
+                </a:solidFill>
+              </a:defRPr>
+            </a:lvl1pPr>
+          </a:lstStyle>
           <a:p>
             <a:fld id="{7291F90E-9580-49D2-ADE1-D9E8A25CB8C1}" type="datetimeFigureOut">
               <a:rPr lang="en-US" smtClean="0"/>
-              <a:t>2/29/2024</a:t>
+              <a:t>3/2/2024</a:t>
             </a:fld>
             <a:endParaRPr lang="en-US"/>
           </a:p>
@@ -264,13 +871,7 @@
       </p:sp>
       <p:sp>
         <p:nvSpPr>
-          <p:cNvPr id="5" name="Footer Placeholder 4">
-            <a:extLst>
-              <a:ext uri="{FF2B5EF4-FFF2-40B4-BE49-F238E27FC236}">
-                <a16:creationId xmlns:a16="http://schemas.microsoft.com/office/drawing/2014/main" id="{AD753328-2C15-4C14-8F73-FE1CC0E84721}"/>
-              </a:ext>
-            </a:extLst>
-          </p:cNvPr>
+          <p:cNvPr id="5" name="Footer Placeholder 4"/>
           <p:cNvSpPr>
             <a:spLocks noGrp="1"/>
           </p:cNvSpPr>
@@ -281,7 +882,17 @@
         <p:spPr/>
         <p:txBody>
           <a:bodyPr/>
-          <a:lstStyle/>
+          <a:lstStyle>
+            <a:lvl1pPr>
+              <a:defRPr>
+                <a:solidFill>
+                  <a:schemeClr val="tx1">
+                    <a:lumMod val="65000"/>
+                  </a:schemeClr>
+                </a:solidFill>
+              </a:defRPr>
+            </a:lvl1pPr>
+          </a:lstStyle>
           <a:p>
             <a:endParaRPr lang="en-US"/>
           </a:p>
@@ -289,13 +900,7 @@
       </p:sp>
       <p:sp>
         <p:nvSpPr>
-          <p:cNvPr id="6" name="Slide Number Placeholder 5">
-            <a:extLst>
-              <a:ext uri="{FF2B5EF4-FFF2-40B4-BE49-F238E27FC236}">
-                <a16:creationId xmlns:a16="http://schemas.microsoft.com/office/drawing/2014/main" id="{D976B223-51E8-4286-9E6B-5824C30CB855}"/>
-              </a:ext>
-            </a:extLst>
-          </p:cNvPr>
+          <p:cNvPr id="6" name="Slide Number Placeholder 5"/>
           <p:cNvSpPr>
             <a:spLocks noGrp="1"/>
           </p:cNvSpPr>
@@ -306,7 +911,17 @@
         <p:spPr/>
         <p:txBody>
           <a:bodyPr/>
-          <a:lstStyle/>
+          <a:lstStyle>
+            <a:lvl1pPr>
+              <a:defRPr>
+                <a:solidFill>
+                  <a:schemeClr val="tx1">
+                    <a:lumMod val="65000"/>
+                  </a:schemeClr>
+                </a:solidFill>
+              </a:defRPr>
+            </a:lvl1pPr>
+          </a:lstStyle>
           <a:p>
             <a:fld id="{23151AEA-3452-4C7C-93B0-06802B7E4C88}" type="slidenum">
               <a:rPr lang="en-US" smtClean="0"/>
@@ -316,15 +931,53 @@
           </a:p>
         </p:txBody>
       </p:sp>
+      <p:sp>
+        <p:nvSpPr>
+          <p:cNvPr id="7" name="Rectangle 6"/>
+          <p:cNvSpPr/>
+          <p:nvPr/>
+        </p:nvSpPr>
+        <p:spPr>
+          <a:xfrm>
+            <a:off x="0" y="0"/>
+            <a:ext cx="457200" cy="6858000"/>
+          </a:xfrm>
+          <a:prstGeom prst="rect">
+            <a:avLst/>
+          </a:prstGeom>
+          <a:solidFill>
+            <a:schemeClr val="accent1"/>
+          </a:solidFill>
+          <a:ln>
+            <a:noFill/>
+          </a:ln>
+        </p:spPr>
+        <p:style>
+          <a:lnRef idx="2">
+            <a:schemeClr val="accent1">
+              <a:shade val="50000"/>
+            </a:schemeClr>
+          </a:lnRef>
+          <a:fillRef idx="1">
+            <a:schemeClr val="accent1"/>
+          </a:fillRef>
+          <a:effectRef idx="0">
+            <a:schemeClr val="accent1"/>
+          </a:effectRef>
+          <a:fontRef idx="minor">
+            <a:schemeClr val="lt1"/>
+          </a:fontRef>
+        </p:style>
+      </p:sp>
     </p:spTree>
     <p:extLst>
       <p:ext uri="{BB962C8B-B14F-4D97-AF65-F5344CB8AC3E}">
-        <p14:creationId xmlns:p14="http://schemas.microsoft.com/office/powerpoint/2010/main" val="2671222159"/>
+        <p14:creationId xmlns:p14="http://schemas.microsoft.com/office/powerpoint/2010/main" val="3934023737"/>
       </p:ext>
     </p:extLst>
   </p:cSld>
   <p:clrMapOvr>
-    <a:masterClrMapping/>
+    <a:overrideClrMapping bg1="dk1" tx1="lt1" bg2="dk2" tx2="lt2" accent1="accent1" accent2="accent2" accent3="accent3" accent4="accent4" accent5="accent5" accent6="accent6" hlink="hlink" folHlink="folHlink"/>
   </p:clrMapOvr>
 </p:sldLayout>
 </file>
@@ -348,13 +1001,7 @@
       </p:grpSpPr>
       <p:sp>
         <p:nvSpPr>
-          <p:cNvPr id="2" name="Title 1">
-            <a:extLst>
-              <a:ext uri="{FF2B5EF4-FFF2-40B4-BE49-F238E27FC236}">
-                <a16:creationId xmlns:a16="http://schemas.microsoft.com/office/drawing/2014/main" id="{568CC92B-1151-4823-A9A0-DEDE5C75177A}"/>
-              </a:ext>
-            </a:extLst>
-          </p:cNvPr>
+          <p:cNvPr id="2" name="Title 1"/>
           <p:cNvSpPr>
             <a:spLocks noGrp="1"/>
           </p:cNvSpPr>
@@ -371,18 +1018,13 @@
               <a:rPr lang="en-US"/>
               <a:t>Click to edit Master title style</a:t>
             </a:r>
-          </a:p>
-        </p:txBody>
-      </p:sp>
-      <p:sp>
-        <p:nvSpPr>
-          <p:cNvPr id="3" name="Vertical Text Placeholder 2">
-            <a:extLst>
-              <a:ext uri="{FF2B5EF4-FFF2-40B4-BE49-F238E27FC236}">
-                <a16:creationId xmlns:a16="http://schemas.microsoft.com/office/drawing/2014/main" id="{DCBCC219-A27D-4DC1-A78E-5F8CB2B47D8F}"/>
-              </a:ext>
-            </a:extLst>
-          </p:cNvPr>
+            <a:endParaRPr lang="en-US" dirty="0"/>
+          </a:p>
+        </p:txBody>
+      </p:sp>
+      <p:sp>
+        <p:nvSpPr>
+          <p:cNvPr id="3" name="Vertical Text Placeholder 2"/>
           <p:cNvSpPr>
             <a:spLocks noGrp="1"/>
           </p:cNvSpPr>
@@ -428,18 +1070,13 @@
               <a:rPr lang="en-US"/>
               <a:t>Fifth level</a:t>
             </a:r>
-          </a:p>
-        </p:txBody>
-      </p:sp>
-      <p:sp>
-        <p:nvSpPr>
-          <p:cNvPr id="4" name="Date Placeholder 3">
-            <a:extLst>
-              <a:ext uri="{FF2B5EF4-FFF2-40B4-BE49-F238E27FC236}">
-                <a16:creationId xmlns:a16="http://schemas.microsoft.com/office/drawing/2014/main" id="{4F87F18B-9F60-48E1-8511-3401B90C7836}"/>
-              </a:ext>
-            </a:extLst>
-          </p:cNvPr>
+            <a:endParaRPr lang="en-US" dirty="0"/>
+          </a:p>
+        </p:txBody>
+      </p:sp>
+      <p:sp>
+        <p:nvSpPr>
+          <p:cNvPr id="4" name="Date Placeholder 3"/>
           <p:cNvSpPr>
             <a:spLocks noGrp="1"/>
           </p:cNvSpPr>
@@ -454,7 +1091,7 @@
           <a:p>
             <a:fld id="{7291F90E-9580-49D2-ADE1-D9E8A25CB8C1}" type="datetimeFigureOut">
               <a:rPr lang="en-US" smtClean="0"/>
-              <a:t>2/29/2024</a:t>
+              <a:t>3/2/2024</a:t>
             </a:fld>
             <a:endParaRPr lang="en-US"/>
           </a:p>
@@ -462,13 +1099,7 @@
       </p:sp>
       <p:sp>
         <p:nvSpPr>
-          <p:cNvPr id="5" name="Footer Placeholder 4">
-            <a:extLst>
-              <a:ext uri="{FF2B5EF4-FFF2-40B4-BE49-F238E27FC236}">
-                <a16:creationId xmlns:a16="http://schemas.microsoft.com/office/drawing/2014/main" id="{0D5DB965-E7F3-4E1D-817B-87E5A34F4984}"/>
-              </a:ext>
-            </a:extLst>
-          </p:cNvPr>
+          <p:cNvPr id="5" name="Footer Placeholder 4"/>
           <p:cNvSpPr>
             <a:spLocks noGrp="1"/>
           </p:cNvSpPr>
@@ -487,13 +1118,7 @@
       </p:sp>
       <p:sp>
         <p:nvSpPr>
-          <p:cNvPr id="6" name="Slide Number Placeholder 5">
-            <a:extLst>
-              <a:ext uri="{FF2B5EF4-FFF2-40B4-BE49-F238E27FC236}">
-                <a16:creationId xmlns:a16="http://schemas.microsoft.com/office/drawing/2014/main" id="{207E41BA-9690-44C5-89CC-587311BB016F}"/>
-              </a:ext>
-            </a:extLst>
-          </p:cNvPr>
+          <p:cNvPr id="6" name="Slide Number Placeholder 5"/>
           <p:cNvSpPr>
             <a:spLocks noGrp="1"/>
           </p:cNvSpPr>
@@ -517,7 +1142,7 @@
     </p:spTree>
     <p:extLst>
       <p:ext uri="{BB962C8B-B14F-4D97-AF65-F5344CB8AC3E}">
-        <p14:creationId xmlns:p14="http://schemas.microsoft.com/office/powerpoint/2010/main" val="3402537931"/>
+        <p14:creationId xmlns:p14="http://schemas.microsoft.com/office/powerpoint/2010/main" val="1199371630"/>
       </p:ext>
     </p:extLst>
   </p:cSld>
@@ -546,13 +1171,7 @@
       </p:grpSpPr>
       <p:sp>
         <p:nvSpPr>
-          <p:cNvPr id="2" name="Vertical Title 1">
-            <a:extLst>
-              <a:ext uri="{FF2B5EF4-FFF2-40B4-BE49-F238E27FC236}">
-                <a16:creationId xmlns:a16="http://schemas.microsoft.com/office/drawing/2014/main" id="{E6F4FC31-B871-46B1-8149-D8A7A14975F7}"/>
-              </a:ext>
-            </a:extLst>
-          </p:cNvPr>
+          <p:cNvPr id="2" name="Vertical Title 1"/>
           <p:cNvSpPr>
             <a:spLocks noGrp="1"/>
           </p:cNvSpPr>
@@ -562,8 +1181,8 @@
         </p:nvSpPr>
         <p:spPr>
           <a:xfrm>
-            <a:off x="8724900" y="365125"/>
-            <a:ext cx="2628900" cy="5811838"/>
+            <a:off x="8648700" y="381000"/>
+            <a:ext cx="2476500" cy="5897562"/>
           </a:xfrm>
         </p:spPr>
         <p:txBody>
@@ -574,18 +1193,13 @@
               <a:rPr lang="en-US"/>
               <a:t>Click to edit Master title style</a:t>
             </a:r>
-          </a:p>
-        </p:txBody>
-      </p:sp>
-      <p:sp>
-        <p:nvSpPr>
-          <p:cNvPr id="3" name="Vertical Text Placeholder 2">
-            <a:extLst>
-              <a:ext uri="{FF2B5EF4-FFF2-40B4-BE49-F238E27FC236}">
-                <a16:creationId xmlns:a16="http://schemas.microsoft.com/office/drawing/2014/main" id="{B8FEA311-67EA-48A3-9FD7-313FDB59CB6A}"/>
-              </a:ext>
-            </a:extLst>
-          </p:cNvPr>
+            <a:endParaRPr lang="en-US" dirty="0"/>
+          </a:p>
+        </p:txBody>
+      </p:sp>
+      <p:sp>
+        <p:nvSpPr>
+          <p:cNvPr id="3" name="Vertical Text Placeholder 2"/>
           <p:cNvSpPr>
             <a:spLocks noGrp="1"/>
           </p:cNvSpPr>
@@ -595,8 +1209,8 @@
         </p:nvSpPr>
         <p:spPr>
           <a:xfrm>
-            <a:off x="838200" y="365125"/>
-            <a:ext cx="7734300" cy="5811838"/>
+            <a:off x="762000" y="381000"/>
+            <a:ext cx="7734300" cy="5897562"/>
           </a:xfrm>
         </p:spPr>
         <p:txBody>
@@ -636,18 +1250,13 @@
               <a:rPr lang="en-US"/>
               <a:t>Fifth level</a:t>
             </a:r>
-          </a:p>
-        </p:txBody>
-      </p:sp>
-      <p:sp>
-        <p:nvSpPr>
-          <p:cNvPr id="4" name="Date Placeholder 3">
-            <a:extLst>
-              <a:ext uri="{FF2B5EF4-FFF2-40B4-BE49-F238E27FC236}">
-                <a16:creationId xmlns:a16="http://schemas.microsoft.com/office/drawing/2014/main" id="{161301B0-27EC-4275-A312-F54783D6F534}"/>
-              </a:ext>
-            </a:extLst>
-          </p:cNvPr>
+            <a:endParaRPr lang="en-US" dirty="0"/>
+          </a:p>
+        </p:txBody>
+      </p:sp>
+      <p:sp>
+        <p:nvSpPr>
+          <p:cNvPr id="4" name="Date Placeholder 3"/>
           <p:cNvSpPr>
             <a:spLocks noGrp="1"/>
           </p:cNvSpPr>
@@ -662,7 +1271,7 @@
           <a:p>
             <a:fld id="{7291F90E-9580-49D2-ADE1-D9E8A25CB8C1}" type="datetimeFigureOut">
               <a:rPr lang="en-US" smtClean="0"/>
-              <a:t>2/29/2024</a:t>
+              <a:t>3/2/2024</a:t>
             </a:fld>
             <a:endParaRPr lang="en-US"/>
           </a:p>
@@ -670,13 +1279,7 @@
       </p:sp>
       <p:sp>
         <p:nvSpPr>
-          <p:cNvPr id="5" name="Footer Placeholder 4">
-            <a:extLst>
-              <a:ext uri="{FF2B5EF4-FFF2-40B4-BE49-F238E27FC236}">
-                <a16:creationId xmlns:a16="http://schemas.microsoft.com/office/drawing/2014/main" id="{8C2F0724-090D-49A3-A858-C33255EC63DE}"/>
-              </a:ext>
-            </a:extLst>
-          </p:cNvPr>
+          <p:cNvPr id="5" name="Footer Placeholder 4"/>
           <p:cNvSpPr>
             <a:spLocks noGrp="1"/>
           </p:cNvSpPr>
@@ -695,13 +1298,7 @@
       </p:sp>
       <p:sp>
         <p:nvSpPr>
-          <p:cNvPr id="6" name="Slide Number Placeholder 5">
-            <a:extLst>
-              <a:ext uri="{FF2B5EF4-FFF2-40B4-BE49-F238E27FC236}">
-                <a16:creationId xmlns:a16="http://schemas.microsoft.com/office/drawing/2014/main" id="{E6BDC610-9104-419E-9EA5-413047CCBACF}"/>
-              </a:ext>
-            </a:extLst>
-          </p:cNvPr>
+          <p:cNvPr id="6" name="Slide Number Placeholder 5"/>
           <p:cNvSpPr>
             <a:spLocks noGrp="1"/>
           </p:cNvSpPr>
@@ -725,7 +1322,7 @@
     </p:spTree>
     <p:extLst>
       <p:ext uri="{BB962C8B-B14F-4D97-AF65-F5344CB8AC3E}">
-        <p14:creationId xmlns:p14="http://schemas.microsoft.com/office/powerpoint/2010/main" val="451565195"/>
+        <p14:creationId xmlns:p14="http://schemas.microsoft.com/office/powerpoint/2010/main" val="3209856163"/>
       </p:ext>
     </p:extLst>
   </p:cSld>
@@ -754,13 +1351,7 @@
       </p:grpSpPr>
       <p:sp>
         <p:nvSpPr>
-          <p:cNvPr id="2" name="Title 1">
-            <a:extLst>
-              <a:ext uri="{FF2B5EF4-FFF2-40B4-BE49-F238E27FC236}">
-                <a16:creationId xmlns:a16="http://schemas.microsoft.com/office/drawing/2014/main" id="{AF37A91F-293A-42C9-8AB2-A55DF980A536}"/>
-              </a:ext>
-            </a:extLst>
-          </p:cNvPr>
+          <p:cNvPr id="2" name="Title 1"/>
           <p:cNvSpPr>
             <a:spLocks noGrp="1"/>
           </p:cNvSpPr>
@@ -777,18 +1368,13 @@
               <a:rPr lang="en-US"/>
               <a:t>Click to edit Master title style</a:t>
             </a:r>
-          </a:p>
-        </p:txBody>
-      </p:sp>
-      <p:sp>
-        <p:nvSpPr>
-          <p:cNvPr id="3" name="Content Placeholder 2">
-            <a:extLst>
-              <a:ext uri="{FF2B5EF4-FFF2-40B4-BE49-F238E27FC236}">
-                <a16:creationId xmlns:a16="http://schemas.microsoft.com/office/drawing/2014/main" id="{E3A3AFF1-CEB5-471D-8FA3-284484A2A226}"/>
-              </a:ext>
-            </a:extLst>
-          </p:cNvPr>
+            <a:endParaRPr lang="en-US" dirty="0"/>
+          </a:p>
+        </p:txBody>
+      </p:sp>
+      <p:sp>
+        <p:nvSpPr>
+          <p:cNvPr id="3" name="Content Placeholder 2"/>
           <p:cNvSpPr>
             <a:spLocks noGrp="1"/>
           </p:cNvSpPr>
@@ -834,18 +1420,13 @@
               <a:rPr lang="en-US"/>
               <a:t>Fifth level</a:t>
             </a:r>
-          </a:p>
-        </p:txBody>
-      </p:sp>
-      <p:sp>
-        <p:nvSpPr>
-          <p:cNvPr id="4" name="Date Placeholder 3">
-            <a:extLst>
-              <a:ext uri="{FF2B5EF4-FFF2-40B4-BE49-F238E27FC236}">
-                <a16:creationId xmlns:a16="http://schemas.microsoft.com/office/drawing/2014/main" id="{06B38C14-0D87-4B0F-8142-A426E2ADB4F9}"/>
-              </a:ext>
-            </a:extLst>
-          </p:cNvPr>
+            <a:endParaRPr lang="en-US" dirty="0"/>
+          </a:p>
+        </p:txBody>
+      </p:sp>
+      <p:sp>
+        <p:nvSpPr>
+          <p:cNvPr id="4" name="Date Placeholder 3"/>
           <p:cNvSpPr>
             <a:spLocks noGrp="1"/>
           </p:cNvSpPr>
@@ -860,7 +1441,7 @@
           <a:p>
             <a:fld id="{7291F90E-9580-49D2-ADE1-D9E8A25CB8C1}" type="datetimeFigureOut">
               <a:rPr lang="en-US" smtClean="0"/>
-              <a:t>2/29/2024</a:t>
+              <a:t>3/2/2024</a:t>
             </a:fld>
             <a:endParaRPr lang="en-US"/>
           </a:p>
@@ -868,13 +1449,7 @@
       </p:sp>
       <p:sp>
         <p:nvSpPr>
-          <p:cNvPr id="5" name="Footer Placeholder 4">
-            <a:extLst>
-              <a:ext uri="{FF2B5EF4-FFF2-40B4-BE49-F238E27FC236}">
-                <a16:creationId xmlns:a16="http://schemas.microsoft.com/office/drawing/2014/main" id="{83237880-B30B-49EA-9B08-A10EB9254C52}"/>
-              </a:ext>
-            </a:extLst>
-          </p:cNvPr>
+          <p:cNvPr id="5" name="Footer Placeholder 4"/>
           <p:cNvSpPr>
             <a:spLocks noGrp="1"/>
           </p:cNvSpPr>
@@ -893,13 +1468,7 @@
       </p:sp>
       <p:sp>
         <p:nvSpPr>
-          <p:cNvPr id="6" name="Slide Number Placeholder 5">
-            <a:extLst>
-              <a:ext uri="{FF2B5EF4-FFF2-40B4-BE49-F238E27FC236}">
-                <a16:creationId xmlns:a16="http://schemas.microsoft.com/office/drawing/2014/main" id="{DCF68F0B-512C-4636-A024-297028025415}"/>
-              </a:ext>
-            </a:extLst>
-          </p:cNvPr>
+          <p:cNvPr id="6" name="Slide Number Placeholder 5"/>
           <p:cNvSpPr>
             <a:spLocks noGrp="1"/>
           </p:cNvSpPr>
@@ -923,7 +1492,7 @@
     </p:spTree>
     <p:extLst>
       <p:ext uri="{BB962C8B-B14F-4D97-AF65-F5344CB8AC3E}">
-        <p14:creationId xmlns:p14="http://schemas.microsoft.com/office/powerpoint/2010/main" val="3952526159"/>
+        <p14:creationId xmlns:p14="http://schemas.microsoft.com/office/powerpoint/2010/main" val="625534307"/>
       </p:ext>
     </p:extLst>
   </p:cSld>
@@ -952,13 +1521,7 @@
       </p:grpSpPr>
       <p:sp>
         <p:nvSpPr>
-          <p:cNvPr id="2" name="Title 1">
-            <a:extLst>
-              <a:ext uri="{FF2B5EF4-FFF2-40B4-BE49-F238E27FC236}">
-                <a16:creationId xmlns:a16="http://schemas.microsoft.com/office/drawing/2014/main" id="{B57521A1-AC5C-471A-AC5F-DC41BD511FE5}"/>
-              </a:ext>
-            </a:extLst>
-          </p:cNvPr>
+          <p:cNvPr id="2" name="Title 1"/>
           <p:cNvSpPr>
             <a:spLocks noGrp="1"/>
           </p:cNvSpPr>
@@ -968,15 +1531,20 @@
         </p:nvSpPr>
         <p:spPr>
           <a:xfrm>
-            <a:off x="831850" y="1709738"/>
-            <a:ext cx="10515600" cy="2852737"/>
+            <a:off x="1261872" y="758952"/>
+            <a:ext cx="9418320" cy="4041648"/>
           </a:xfrm>
         </p:spPr>
         <p:txBody>
-          <a:bodyPr anchor="b"/>
+          <a:bodyPr anchor="b">
+            <a:normAutofit/>
+          </a:bodyPr>
           <a:lstStyle>
             <a:lvl1pPr>
-              <a:defRPr sz="6000"/>
+              <a:lnSpc>
+                <a:spcPct val="85000"/>
+              </a:lnSpc>
+              <a:defRPr sz="7200" b="0"/>
             </a:lvl1pPr>
           </a:lstStyle>
           <a:p>
@@ -984,18 +1552,13 @@
               <a:rPr lang="en-US"/>
               <a:t>Click to edit Master title style</a:t>
             </a:r>
-          </a:p>
-        </p:txBody>
-      </p:sp>
-      <p:sp>
-        <p:nvSpPr>
-          <p:cNvPr id="3" name="Text Placeholder 2">
-            <a:extLst>
-              <a:ext uri="{FF2B5EF4-FFF2-40B4-BE49-F238E27FC236}">
-                <a16:creationId xmlns:a16="http://schemas.microsoft.com/office/drawing/2014/main" id="{AE0D916C-06B0-4614-BDF6-6BAD6ECF2556}"/>
-              </a:ext>
-            </a:extLst>
-          </p:cNvPr>
+            <a:endParaRPr lang="en-US" dirty="0"/>
+          </a:p>
+        </p:txBody>
+      </p:sp>
+      <p:sp>
+        <p:nvSpPr>
+          <p:cNvPr id="3" name="Text Placeholder 2"/>
           <p:cNvSpPr>
             <a:spLocks noGrp="1"/>
           </p:cNvSpPr>
@@ -1005,26 +1568,29 @@
         </p:nvSpPr>
         <p:spPr>
           <a:xfrm>
-            <a:off x="831850" y="4589463"/>
-            <a:ext cx="10515600" cy="1500187"/>
+            <a:off x="1261872" y="4800600"/>
+            <a:ext cx="9418320" cy="1691640"/>
           </a:xfrm>
         </p:spPr>
         <p:txBody>
-          <a:bodyPr/>
+          <a:bodyPr anchor="t">
+            <a:normAutofit/>
+          </a:bodyPr>
           <a:lstStyle>
             <a:lvl1pPr marL="0" indent="0">
               <a:buNone/>
-              <a:defRPr sz="2400">
+              <a:defRPr sz="2200">
                 <a:solidFill>
                   <a:schemeClr val="tx1">
-                    <a:tint val="75000"/>
+                    <a:lumMod val="65000"/>
+                    <a:lumOff val="35000"/>
                   </a:schemeClr>
                 </a:solidFill>
               </a:defRPr>
             </a:lvl1pPr>
             <a:lvl2pPr marL="457200" indent="0">
               <a:buNone/>
-              <a:defRPr sz="2000">
+              <a:defRPr sz="1800">
                 <a:solidFill>
                   <a:schemeClr val="tx1">
                     <a:tint val="75000"/>
@@ -1034,7 +1600,7 @@
             </a:lvl2pPr>
             <a:lvl3pPr marL="914400" indent="0">
               <a:buNone/>
-              <a:defRPr sz="1800">
+              <a:defRPr sz="1600">
                 <a:solidFill>
                   <a:schemeClr val="tx1">
                     <a:tint val="75000"/>
@@ -1044,7 +1610,7 @@
             </a:lvl3pPr>
             <a:lvl4pPr marL="1371600" indent="0">
               <a:buNone/>
-              <a:defRPr sz="1600">
+              <a:defRPr sz="1400">
                 <a:solidFill>
                   <a:schemeClr val="tx1">
                     <a:tint val="75000"/>
@@ -1054,7 +1620,7 @@
             </a:lvl4pPr>
             <a:lvl5pPr marL="1828800" indent="0">
               <a:buNone/>
-              <a:defRPr sz="1600">
+              <a:defRPr sz="1400">
                 <a:solidFill>
                   <a:schemeClr val="tx1">
                     <a:tint val="75000"/>
@@ -1064,7 +1630,7 @@
             </a:lvl5pPr>
             <a:lvl6pPr marL="2286000" indent="0">
               <a:buNone/>
-              <a:defRPr sz="1600">
+              <a:defRPr sz="1400">
                 <a:solidFill>
                   <a:schemeClr val="tx1">
                     <a:tint val="75000"/>
@@ -1074,7 +1640,7 @@
             </a:lvl6pPr>
             <a:lvl7pPr marL="2743200" indent="0">
               <a:buNone/>
-              <a:defRPr sz="1600">
+              <a:defRPr sz="1400">
                 <a:solidFill>
                   <a:schemeClr val="tx1">
                     <a:tint val="75000"/>
@@ -1084,7 +1650,7 @@
             </a:lvl7pPr>
             <a:lvl8pPr marL="3200400" indent="0">
               <a:buNone/>
-              <a:defRPr sz="1600">
+              <a:defRPr sz="1400">
                 <a:solidFill>
                   <a:schemeClr val="tx1">
                     <a:tint val="75000"/>
@@ -1094,7 +1660,7 @@
             </a:lvl8pPr>
             <a:lvl9pPr marL="3657600" indent="0">
               <a:buNone/>
-              <a:defRPr sz="1600">
+              <a:defRPr sz="1400">
                 <a:solidFill>
                   <a:schemeClr val="tx1">
                     <a:tint val="75000"/>
@@ -1114,13 +1680,7 @@
       </p:sp>
       <p:sp>
         <p:nvSpPr>
-          <p:cNvPr id="4" name="Date Placeholder 3">
-            <a:extLst>
-              <a:ext uri="{FF2B5EF4-FFF2-40B4-BE49-F238E27FC236}">
-                <a16:creationId xmlns:a16="http://schemas.microsoft.com/office/drawing/2014/main" id="{93518755-2545-4E27-A9AA-2F42725D41E5}"/>
-              </a:ext>
-            </a:extLst>
-          </p:cNvPr>
+          <p:cNvPr id="4" name="Date Placeholder 3"/>
           <p:cNvSpPr>
             <a:spLocks noGrp="1"/>
           </p:cNvSpPr>
@@ -1135,7 +1695,7 @@
           <a:p>
             <a:fld id="{7291F90E-9580-49D2-ADE1-D9E8A25CB8C1}" type="datetimeFigureOut">
               <a:rPr lang="en-US" smtClean="0"/>
-              <a:t>2/29/2024</a:t>
+              <a:t>3/2/2024</a:t>
             </a:fld>
             <a:endParaRPr lang="en-US"/>
           </a:p>
@@ -1143,13 +1703,7 @@
       </p:sp>
       <p:sp>
         <p:nvSpPr>
-          <p:cNvPr id="5" name="Footer Placeholder 4">
-            <a:extLst>
-              <a:ext uri="{FF2B5EF4-FFF2-40B4-BE49-F238E27FC236}">
-                <a16:creationId xmlns:a16="http://schemas.microsoft.com/office/drawing/2014/main" id="{DB2092E6-3895-4551-9D45-5743EA06EB42}"/>
-              </a:ext>
-            </a:extLst>
-          </p:cNvPr>
+          <p:cNvPr id="5" name="Footer Placeholder 4"/>
           <p:cNvSpPr>
             <a:spLocks noGrp="1"/>
           </p:cNvSpPr>
@@ -1168,13 +1722,7 @@
       </p:sp>
       <p:sp>
         <p:nvSpPr>
-          <p:cNvPr id="6" name="Slide Number Placeholder 5">
-            <a:extLst>
-              <a:ext uri="{FF2B5EF4-FFF2-40B4-BE49-F238E27FC236}">
-                <a16:creationId xmlns:a16="http://schemas.microsoft.com/office/drawing/2014/main" id="{412DD2C1-0670-452D-B22C-7DA3AA789ABB}"/>
-              </a:ext>
-            </a:extLst>
-          </p:cNvPr>
+          <p:cNvPr id="6" name="Slide Number Placeholder 5"/>
           <p:cNvSpPr>
             <a:spLocks noGrp="1"/>
           </p:cNvSpPr>
@@ -1195,10 +1743,48 @@
           </a:p>
         </p:txBody>
       </p:sp>
+      <p:sp>
+        <p:nvSpPr>
+          <p:cNvPr id="7" name="Rectangle 6"/>
+          <p:cNvSpPr/>
+          <p:nvPr/>
+        </p:nvSpPr>
+        <p:spPr>
+          <a:xfrm>
+            <a:off x="0" y="0"/>
+            <a:ext cx="457200" cy="6858000"/>
+          </a:xfrm>
+          <a:prstGeom prst="rect">
+            <a:avLst/>
+          </a:prstGeom>
+          <a:solidFill>
+            <a:schemeClr val="accent1"/>
+          </a:solidFill>
+          <a:ln>
+            <a:noFill/>
+          </a:ln>
+        </p:spPr>
+        <p:style>
+          <a:lnRef idx="2">
+            <a:schemeClr val="accent1">
+              <a:shade val="50000"/>
+            </a:schemeClr>
+          </a:lnRef>
+          <a:fillRef idx="1">
+            <a:schemeClr val="accent1"/>
+          </a:fillRef>
+          <a:effectRef idx="0">
+            <a:schemeClr val="accent1"/>
+          </a:effectRef>
+          <a:fontRef idx="minor">
+            <a:schemeClr val="lt1"/>
+          </a:fontRef>
+        </p:style>
+      </p:sp>
     </p:spTree>
     <p:extLst>
       <p:ext uri="{BB962C8B-B14F-4D97-AF65-F5344CB8AC3E}">
-        <p14:creationId xmlns:p14="http://schemas.microsoft.com/office/powerpoint/2010/main" val="926543266"/>
+        <p14:creationId xmlns:p14="http://schemas.microsoft.com/office/powerpoint/2010/main" val="205639256"/>
       </p:ext>
     </p:extLst>
   </p:cSld>
@@ -1227,13 +1813,7 @@
       </p:grpSpPr>
       <p:sp>
         <p:nvSpPr>
-          <p:cNvPr id="2" name="Title 1">
-            <a:extLst>
-              <a:ext uri="{FF2B5EF4-FFF2-40B4-BE49-F238E27FC236}">
-                <a16:creationId xmlns:a16="http://schemas.microsoft.com/office/drawing/2014/main" id="{B9D1594A-409E-4FF8-8B67-9A6A23084D3A}"/>
-              </a:ext>
-            </a:extLst>
-          </p:cNvPr>
+          <p:cNvPr id="2" name="Title 1"/>
           <p:cNvSpPr>
             <a:spLocks noGrp="1"/>
           </p:cNvSpPr>
@@ -1250,18 +1830,13 @@
               <a:rPr lang="en-US"/>
               <a:t>Click to edit Master title style</a:t>
             </a:r>
-          </a:p>
-        </p:txBody>
-      </p:sp>
-      <p:sp>
-        <p:nvSpPr>
-          <p:cNvPr id="3" name="Content Placeholder 2">
-            <a:extLst>
-              <a:ext uri="{FF2B5EF4-FFF2-40B4-BE49-F238E27FC236}">
-                <a16:creationId xmlns:a16="http://schemas.microsoft.com/office/drawing/2014/main" id="{24178259-67F1-44CB-B8DD-DF2A5E4323F7}"/>
-              </a:ext>
-            </a:extLst>
-          </p:cNvPr>
+            <a:endParaRPr lang="en-US" dirty="0"/>
+          </a:p>
+        </p:txBody>
+      </p:sp>
+      <p:sp>
+        <p:nvSpPr>
+          <p:cNvPr id="3" name="Content Placeholder 2"/>
           <p:cNvSpPr>
             <a:spLocks noGrp="1"/>
           </p:cNvSpPr>
@@ -1271,13 +1846,41 @@
         </p:nvSpPr>
         <p:spPr>
           <a:xfrm>
-            <a:off x="838200" y="1825625"/>
-            <a:ext cx="5181600" cy="4351338"/>
+            <a:off x="1261872" y="1828800"/>
+            <a:ext cx="4480560" cy="4351337"/>
           </a:xfrm>
         </p:spPr>
         <p:txBody>
           <a:bodyPr/>
-          <a:lstStyle/>
+          <a:lstStyle>
+            <a:lvl1pPr>
+              <a:defRPr sz="1800"/>
+            </a:lvl1pPr>
+            <a:lvl2pPr>
+              <a:defRPr sz="1600"/>
+            </a:lvl2pPr>
+            <a:lvl3pPr>
+              <a:defRPr sz="1400"/>
+            </a:lvl3pPr>
+            <a:lvl4pPr>
+              <a:defRPr sz="1400"/>
+            </a:lvl4pPr>
+            <a:lvl5pPr>
+              <a:defRPr sz="1400"/>
+            </a:lvl5pPr>
+            <a:lvl6pPr>
+              <a:defRPr sz="1400"/>
+            </a:lvl6pPr>
+            <a:lvl7pPr>
+              <a:defRPr sz="1400"/>
+            </a:lvl7pPr>
+            <a:lvl8pPr>
+              <a:defRPr sz="1400"/>
+            </a:lvl8pPr>
+            <a:lvl9pPr>
+              <a:defRPr sz="1400"/>
+            </a:lvl9pPr>
+          </a:lstStyle>
           <a:p>
             <a:pPr lvl="0"/>
             <a:r>
@@ -1312,18 +1915,13 @@
               <a:rPr lang="en-US"/>
               <a:t>Fifth level</a:t>
             </a:r>
-          </a:p>
-        </p:txBody>
-      </p:sp>
-      <p:sp>
-        <p:nvSpPr>
-          <p:cNvPr id="4" name="Content Placeholder 3">
-            <a:extLst>
-              <a:ext uri="{FF2B5EF4-FFF2-40B4-BE49-F238E27FC236}">
-                <a16:creationId xmlns:a16="http://schemas.microsoft.com/office/drawing/2014/main" id="{3BD01FF8-F768-4B4F-B476-499AEFCB17CA}"/>
-              </a:ext>
-            </a:extLst>
-          </p:cNvPr>
+            <a:endParaRPr lang="en-US" dirty="0"/>
+          </a:p>
+        </p:txBody>
+      </p:sp>
+      <p:sp>
+        <p:nvSpPr>
+          <p:cNvPr id="4" name="Content Placeholder 3"/>
           <p:cNvSpPr>
             <a:spLocks noGrp="1"/>
           </p:cNvSpPr>
@@ -1333,13 +1931,41 @@
         </p:nvSpPr>
         <p:spPr>
           <a:xfrm>
-            <a:off x="6172200" y="1825625"/>
-            <a:ext cx="5181600" cy="4351338"/>
+            <a:off x="6126480" y="1828800"/>
+            <a:ext cx="4480560" cy="4351337"/>
           </a:xfrm>
         </p:spPr>
         <p:txBody>
           <a:bodyPr/>
-          <a:lstStyle/>
+          <a:lstStyle>
+            <a:lvl1pPr>
+              <a:defRPr sz="1800"/>
+            </a:lvl1pPr>
+            <a:lvl2pPr>
+              <a:defRPr sz="1600"/>
+            </a:lvl2pPr>
+            <a:lvl3pPr>
+              <a:defRPr sz="1400"/>
+            </a:lvl3pPr>
+            <a:lvl4pPr>
+              <a:defRPr sz="1400"/>
+            </a:lvl4pPr>
+            <a:lvl5pPr>
+              <a:defRPr sz="1400"/>
+            </a:lvl5pPr>
+            <a:lvl6pPr>
+              <a:defRPr sz="1400"/>
+            </a:lvl6pPr>
+            <a:lvl7pPr>
+              <a:defRPr sz="1400"/>
+            </a:lvl7pPr>
+            <a:lvl8pPr>
+              <a:defRPr sz="1400"/>
+            </a:lvl8pPr>
+            <a:lvl9pPr>
+              <a:defRPr sz="1400"/>
+            </a:lvl9pPr>
+          </a:lstStyle>
           <a:p>
             <a:pPr lvl="0"/>
             <a:r>
@@ -1374,18 +2000,13 @@
               <a:rPr lang="en-US"/>
               <a:t>Fifth level</a:t>
             </a:r>
-          </a:p>
-        </p:txBody>
-      </p:sp>
-      <p:sp>
-        <p:nvSpPr>
-          <p:cNvPr id="5" name="Date Placeholder 4">
-            <a:extLst>
-              <a:ext uri="{FF2B5EF4-FFF2-40B4-BE49-F238E27FC236}">
-                <a16:creationId xmlns:a16="http://schemas.microsoft.com/office/drawing/2014/main" id="{3D54526C-C9AA-43E2-908E-51010AF66545}"/>
-              </a:ext>
-            </a:extLst>
-          </p:cNvPr>
+            <a:endParaRPr lang="en-US" dirty="0"/>
+          </a:p>
+        </p:txBody>
+      </p:sp>
+      <p:sp>
+        <p:nvSpPr>
+          <p:cNvPr id="5" name="Date Placeholder 4"/>
           <p:cNvSpPr>
             <a:spLocks noGrp="1"/>
           </p:cNvSpPr>
@@ -1400,7 +2021,7 @@
           <a:p>
             <a:fld id="{7291F90E-9580-49D2-ADE1-D9E8A25CB8C1}" type="datetimeFigureOut">
               <a:rPr lang="en-US" smtClean="0"/>
-              <a:t>2/29/2024</a:t>
+              <a:t>3/2/2024</a:t>
             </a:fld>
             <a:endParaRPr lang="en-US"/>
           </a:p>
@@ -1408,13 +2029,7 @@
       </p:sp>
       <p:sp>
         <p:nvSpPr>
-          <p:cNvPr id="6" name="Footer Placeholder 5">
-            <a:extLst>
-              <a:ext uri="{FF2B5EF4-FFF2-40B4-BE49-F238E27FC236}">
-                <a16:creationId xmlns:a16="http://schemas.microsoft.com/office/drawing/2014/main" id="{A8A74B38-2332-421D-BEFE-436A0FE51F4E}"/>
-              </a:ext>
-            </a:extLst>
-          </p:cNvPr>
+          <p:cNvPr id="6" name="Footer Placeholder 5"/>
           <p:cNvSpPr>
             <a:spLocks noGrp="1"/>
           </p:cNvSpPr>
@@ -1433,13 +2048,7 @@
       </p:sp>
       <p:sp>
         <p:nvSpPr>
-          <p:cNvPr id="7" name="Slide Number Placeholder 6">
-            <a:extLst>
-              <a:ext uri="{FF2B5EF4-FFF2-40B4-BE49-F238E27FC236}">
-                <a16:creationId xmlns:a16="http://schemas.microsoft.com/office/drawing/2014/main" id="{E10156E3-C5B1-4B77-A8FA-DD358C394A52}"/>
-              </a:ext>
-            </a:extLst>
-          </p:cNvPr>
+          <p:cNvPr id="7" name="Slide Number Placeholder 6"/>
           <p:cNvSpPr>
             <a:spLocks noGrp="1"/>
           </p:cNvSpPr>
@@ -1463,7 +2072,7 @@
     </p:spTree>
     <p:extLst>
       <p:ext uri="{BB962C8B-B14F-4D97-AF65-F5344CB8AC3E}">
-        <p14:creationId xmlns:p14="http://schemas.microsoft.com/office/powerpoint/2010/main" val="3953278148"/>
+        <p14:creationId xmlns:p14="http://schemas.microsoft.com/office/powerpoint/2010/main" val="2439830796"/>
       </p:ext>
     </p:extLst>
   </p:cSld>
@@ -1492,65 +2101,58 @@
       </p:grpSpPr>
       <p:sp>
         <p:nvSpPr>
-          <p:cNvPr id="2" name="Title 1">
-            <a:extLst>
-              <a:ext uri="{FF2B5EF4-FFF2-40B4-BE49-F238E27FC236}">
-                <a16:creationId xmlns:a16="http://schemas.microsoft.com/office/drawing/2014/main" id="{C25A0090-A432-4FC6-9DD1-480EF22712ED}"/>
-              </a:ext>
-            </a:extLst>
-          </p:cNvPr>
+          <p:cNvPr id="10" name="Title 9"/>
           <p:cNvSpPr>
             <a:spLocks noGrp="1"/>
           </p:cNvSpPr>
           <p:nvPr>
             <p:ph type="title"/>
+          </p:nvPr>
+        </p:nvSpPr>
+        <p:spPr/>
+        <p:txBody>
+          <a:bodyPr/>
+          <a:lstStyle/>
+          <a:p>
+            <a:r>
+              <a:rPr lang="en-US"/>
+              <a:t>Click to edit Master title style</a:t>
+            </a:r>
+            <a:endParaRPr lang="en-US" dirty="0"/>
+          </a:p>
+        </p:txBody>
+      </p:sp>
+      <p:sp>
+        <p:nvSpPr>
+          <p:cNvPr id="3" name="Text Placeholder 2"/>
+          <p:cNvSpPr>
+            <a:spLocks noGrp="1"/>
+          </p:cNvSpPr>
+          <p:nvPr>
+            <p:ph type="body" idx="1"/>
           </p:nvPr>
         </p:nvSpPr>
         <p:spPr>
           <a:xfrm>
-            <a:off x="839788" y="365125"/>
-            <a:ext cx="10515600" cy="1325563"/>
+            <a:off x="1261872" y="1713655"/>
+            <a:ext cx="4480560" cy="731520"/>
           </a:xfrm>
         </p:spPr>
         <p:txBody>
-          <a:bodyPr/>
-          <a:lstStyle/>
-          <a:p>
-            <a:r>
-              <a:rPr lang="en-US"/>
-              <a:t>Click to edit Master title style</a:t>
-            </a:r>
-          </a:p>
-        </p:txBody>
-      </p:sp>
-      <p:sp>
-        <p:nvSpPr>
-          <p:cNvPr id="3" name="Text Placeholder 2">
-            <a:extLst>
-              <a:ext uri="{FF2B5EF4-FFF2-40B4-BE49-F238E27FC236}">
-                <a16:creationId xmlns:a16="http://schemas.microsoft.com/office/drawing/2014/main" id="{2C1295D2-1332-49A2-82BA-90C9032ACACF}"/>
-              </a:ext>
-            </a:extLst>
-          </p:cNvPr>
-          <p:cNvSpPr>
-            <a:spLocks noGrp="1"/>
-          </p:cNvSpPr>
-          <p:nvPr>
-            <p:ph type="body" idx="1"/>
-          </p:nvPr>
-        </p:nvSpPr>
-        <p:spPr>
-          <a:xfrm>
-            <a:off x="839788" y="1681163"/>
-            <a:ext cx="5157787" cy="823912"/>
-          </a:xfrm>
-        </p:spPr>
-        <p:txBody>
-          <a:bodyPr anchor="b"/>
+          <a:bodyPr anchor="b">
+            <a:normAutofit/>
+          </a:bodyPr>
           <a:lstStyle>
             <a:lvl1pPr marL="0" indent="0">
+              <a:spcBef>
+                <a:spcPts val="0"/>
+              </a:spcBef>
               <a:buNone/>
-              <a:defRPr sz="2400" b="1"/>
+              <a:defRPr sz="2000" b="0">
+                <a:solidFill>
+                  <a:schemeClr val="tx2"/>
+                </a:solidFill>
+              </a:defRPr>
             </a:lvl1pPr>
             <a:lvl2pPr marL="457200" indent="0">
               <a:buNone/>
@@ -1596,13 +2198,7 @@
       </p:sp>
       <p:sp>
         <p:nvSpPr>
-          <p:cNvPr id="4" name="Content Placeholder 3">
-            <a:extLst>
-              <a:ext uri="{FF2B5EF4-FFF2-40B4-BE49-F238E27FC236}">
-                <a16:creationId xmlns:a16="http://schemas.microsoft.com/office/drawing/2014/main" id="{E7F9CABE-8211-45F7-B121-35AC0A2628F4}"/>
-              </a:ext>
-            </a:extLst>
-          </p:cNvPr>
+          <p:cNvPr id="4" name="Content Placeholder 3"/>
           <p:cNvSpPr>
             <a:spLocks noGrp="1"/>
           </p:cNvSpPr>
@@ -1612,13 +2208,41 @@
         </p:nvSpPr>
         <p:spPr>
           <a:xfrm>
-            <a:off x="839788" y="2505075"/>
-            <a:ext cx="5157787" cy="3684588"/>
+            <a:off x="1261872" y="2507550"/>
+            <a:ext cx="4480560" cy="3664650"/>
           </a:xfrm>
         </p:spPr>
         <p:txBody>
           <a:bodyPr/>
-          <a:lstStyle/>
+          <a:lstStyle>
+            <a:lvl1pPr>
+              <a:defRPr sz="1800"/>
+            </a:lvl1pPr>
+            <a:lvl2pPr>
+              <a:defRPr sz="1600"/>
+            </a:lvl2pPr>
+            <a:lvl3pPr>
+              <a:defRPr sz="1400"/>
+            </a:lvl3pPr>
+            <a:lvl4pPr>
+              <a:defRPr sz="1400"/>
+            </a:lvl4pPr>
+            <a:lvl5pPr>
+              <a:defRPr sz="1400"/>
+            </a:lvl5pPr>
+            <a:lvl6pPr>
+              <a:defRPr sz="1400"/>
+            </a:lvl6pPr>
+            <a:lvl7pPr>
+              <a:defRPr sz="1400"/>
+            </a:lvl7pPr>
+            <a:lvl8pPr>
+              <a:defRPr sz="1400"/>
+            </a:lvl8pPr>
+            <a:lvl9pPr>
+              <a:defRPr sz="1400"/>
+            </a:lvl9pPr>
+          </a:lstStyle>
           <a:p>
             <a:pPr lvl="0"/>
             <a:r>
@@ -1653,18 +2277,13 @@
               <a:rPr lang="en-US"/>
               <a:t>Fifth level</a:t>
             </a:r>
-          </a:p>
-        </p:txBody>
-      </p:sp>
-      <p:sp>
-        <p:nvSpPr>
-          <p:cNvPr id="5" name="Text Placeholder 4">
-            <a:extLst>
-              <a:ext uri="{FF2B5EF4-FFF2-40B4-BE49-F238E27FC236}">
-                <a16:creationId xmlns:a16="http://schemas.microsoft.com/office/drawing/2014/main" id="{9E4B9A63-CB6A-4062-A456-F2CAF04565CB}"/>
-              </a:ext>
-            </a:extLst>
-          </p:cNvPr>
+            <a:endParaRPr lang="en-US" dirty="0"/>
+          </a:p>
+        </p:txBody>
+      </p:sp>
+      <p:sp>
+        <p:nvSpPr>
+          <p:cNvPr id="5" name="Text Placeholder 4"/>
           <p:cNvSpPr>
             <a:spLocks noGrp="1"/>
           </p:cNvSpPr>
@@ -1674,16 +2293,31 @@
         </p:nvSpPr>
         <p:spPr>
           <a:xfrm>
-            <a:off x="6172200" y="1681163"/>
-            <a:ext cx="5183188" cy="823912"/>
+            <a:off x="6126480" y="1713655"/>
+            <a:ext cx="4480560" cy="731520"/>
           </a:xfrm>
         </p:spPr>
         <p:txBody>
-          <a:bodyPr anchor="b"/>
+          <a:bodyPr anchor="b">
+            <a:normAutofit/>
+          </a:bodyPr>
           <a:lstStyle>
             <a:lvl1pPr marL="0" indent="0">
+              <a:lnSpc>
+                <a:spcPct val="95000"/>
+              </a:lnSpc>
+              <a:spcBef>
+                <a:spcPts val="0"/>
+              </a:spcBef>
               <a:buNone/>
-              <a:defRPr sz="2400" b="1"/>
+              <a:defRPr lang="en-US" sz="2000" b="0" kern="1200" dirty="0">
+                <a:solidFill>
+                  <a:schemeClr val="tx2"/>
+                </a:solidFill>
+                <a:latin typeface="+mn-lt"/>
+                <a:ea typeface="+mn-ea"/>
+                <a:cs typeface="+mn-cs"/>
+              </a:defRPr>
             </a:lvl1pPr>
             <a:lvl2pPr marL="457200" indent="0">
               <a:buNone/>
@@ -1719,7 +2353,16 @@
             </a:lvl9pPr>
           </a:lstStyle>
           <a:p>
-            <a:pPr lvl="0"/>
+            <a:pPr marL="0" lvl="0" indent="0" algn="l" defTabSz="914400" rtl="0" eaLnBrk="1" latinLnBrk="0" hangingPunct="1">
+              <a:lnSpc>
+                <a:spcPct val="90000"/>
+              </a:lnSpc>
+              <a:spcBef>
+                <a:spcPts val="2000"/>
+              </a:spcBef>
+              <a:buFontTx/>
+              <a:buNone/>
+            </a:pPr>
             <a:r>
               <a:rPr lang="en-US"/>
               <a:t>Click to edit Master text styles</a:t>
@@ -1729,13 +2372,7 @@
       </p:sp>
       <p:sp>
         <p:nvSpPr>
-          <p:cNvPr id="6" name="Content Placeholder 5">
-            <a:extLst>
-              <a:ext uri="{FF2B5EF4-FFF2-40B4-BE49-F238E27FC236}">
-                <a16:creationId xmlns:a16="http://schemas.microsoft.com/office/drawing/2014/main" id="{9EE07059-793E-46C7-BCFD-2D6407791423}"/>
-              </a:ext>
-            </a:extLst>
-          </p:cNvPr>
+          <p:cNvPr id="6" name="Content Placeholder 5"/>
           <p:cNvSpPr>
             <a:spLocks noGrp="1"/>
           </p:cNvSpPr>
@@ -1745,13 +2382,41 @@
         </p:nvSpPr>
         <p:spPr>
           <a:xfrm>
-            <a:off x="6172200" y="2505075"/>
-            <a:ext cx="5183188" cy="3684588"/>
+            <a:off x="6126480" y="2507550"/>
+            <a:ext cx="4480560" cy="3664650"/>
           </a:xfrm>
         </p:spPr>
         <p:txBody>
           <a:bodyPr/>
-          <a:lstStyle/>
+          <a:lstStyle>
+            <a:lvl1pPr>
+              <a:defRPr sz="1800"/>
+            </a:lvl1pPr>
+            <a:lvl2pPr>
+              <a:defRPr sz="1600"/>
+            </a:lvl2pPr>
+            <a:lvl3pPr>
+              <a:defRPr sz="1400"/>
+            </a:lvl3pPr>
+            <a:lvl4pPr>
+              <a:defRPr sz="1400"/>
+            </a:lvl4pPr>
+            <a:lvl5pPr>
+              <a:defRPr sz="1400"/>
+            </a:lvl5pPr>
+            <a:lvl6pPr>
+              <a:defRPr sz="1400"/>
+            </a:lvl6pPr>
+            <a:lvl7pPr>
+              <a:defRPr sz="1400"/>
+            </a:lvl7pPr>
+            <a:lvl8pPr>
+              <a:defRPr sz="1400"/>
+            </a:lvl8pPr>
+            <a:lvl9pPr>
+              <a:defRPr sz="1400"/>
+            </a:lvl9pPr>
+          </a:lstStyle>
           <a:p>
             <a:pPr lvl="0"/>
             <a:r>
@@ -1786,18 +2451,13 @@
               <a:rPr lang="en-US"/>
               <a:t>Fifth level</a:t>
             </a:r>
-          </a:p>
-        </p:txBody>
-      </p:sp>
-      <p:sp>
-        <p:nvSpPr>
-          <p:cNvPr id="7" name="Date Placeholder 6">
-            <a:extLst>
-              <a:ext uri="{FF2B5EF4-FFF2-40B4-BE49-F238E27FC236}">
-                <a16:creationId xmlns:a16="http://schemas.microsoft.com/office/drawing/2014/main" id="{5F9366C6-98BC-4AE3-BAA9-37D83E18583A}"/>
-              </a:ext>
-            </a:extLst>
-          </p:cNvPr>
+            <a:endParaRPr lang="en-US" dirty="0"/>
+          </a:p>
+        </p:txBody>
+      </p:sp>
+      <p:sp>
+        <p:nvSpPr>
+          <p:cNvPr id="7" name="Date Placeholder 6"/>
           <p:cNvSpPr>
             <a:spLocks noGrp="1"/>
           </p:cNvSpPr>
@@ -1812,7 +2472,7 @@
           <a:p>
             <a:fld id="{7291F90E-9580-49D2-ADE1-D9E8A25CB8C1}" type="datetimeFigureOut">
               <a:rPr lang="en-US" smtClean="0"/>
-              <a:t>2/29/2024</a:t>
+              <a:t>3/2/2024</a:t>
             </a:fld>
             <a:endParaRPr lang="en-US"/>
           </a:p>
@@ -1820,13 +2480,7 @@
       </p:sp>
       <p:sp>
         <p:nvSpPr>
-          <p:cNvPr id="8" name="Footer Placeholder 7">
-            <a:extLst>
-              <a:ext uri="{FF2B5EF4-FFF2-40B4-BE49-F238E27FC236}">
-                <a16:creationId xmlns:a16="http://schemas.microsoft.com/office/drawing/2014/main" id="{0D65FB9E-5DD5-49F9-9E19-95BACA9008FD}"/>
-              </a:ext>
-            </a:extLst>
-          </p:cNvPr>
+          <p:cNvPr id="8" name="Footer Placeholder 7"/>
           <p:cNvSpPr>
             <a:spLocks noGrp="1"/>
           </p:cNvSpPr>
@@ -1845,13 +2499,7 @@
       </p:sp>
       <p:sp>
         <p:nvSpPr>
-          <p:cNvPr id="9" name="Slide Number Placeholder 8">
-            <a:extLst>
-              <a:ext uri="{FF2B5EF4-FFF2-40B4-BE49-F238E27FC236}">
-                <a16:creationId xmlns:a16="http://schemas.microsoft.com/office/drawing/2014/main" id="{A13FA01B-59CA-4985-9E9D-68FA3F9292F3}"/>
-              </a:ext>
-            </a:extLst>
-          </p:cNvPr>
+          <p:cNvPr id="9" name="Slide Number Placeholder 8"/>
           <p:cNvSpPr>
             <a:spLocks noGrp="1"/>
           </p:cNvSpPr>
@@ -1875,7 +2523,7 @@
     </p:spTree>
     <p:extLst>
       <p:ext uri="{BB962C8B-B14F-4D97-AF65-F5344CB8AC3E}">
-        <p14:creationId xmlns:p14="http://schemas.microsoft.com/office/powerpoint/2010/main" val="903084252"/>
+        <p14:creationId xmlns:p14="http://schemas.microsoft.com/office/powerpoint/2010/main" val="618227675"/>
       </p:ext>
     </p:extLst>
   </p:cSld>
@@ -1904,13 +2552,7 @@
       </p:grpSpPr>
       <p:sp>
         <p:nvSpPr>
-          <p:cNvPr id="2" name="Title 1">
-            <a:extLst>
-              <a:ext uri="{FF2B5EF4-FFF2-40B4-BE49-F238E27FC236}">
-                <a16:creationId xmlns:a16="http://schemas.microsoft.com/office/drawing/2014/main" id="{B9CC37AF-28FC-49CF-A0F6-530F2BEFF241}"/>
-              </a:ext>
-            </a:extLst>
-          </p:cNvPr>
+          <p:cNvPr id="6" name="Title 5"/>
           <p:cNvSpPr>
             <a:spLocks noGrp="1"/>
           </p:cNvSpPr>
@@ -1927,18 +2569,13 @@
               <a:rPr lang="en-US"/>
               <a:t>Click to edit Master title style</a:t>
             </a:r>
-          </a:p>
-        </p:txBody>
-      </p:sp>
-      <p:sp>
-        <p:nvSpPr>
-          <p:cNvPr id="3" name="Date Placeholder 2">
-            <a:extLst>
-              <a:ext uri="{FF2B5EF4-FFF2-40B4-BE49-F238E27FC236}">
-                <a16:creationId xmlns:a16="http://schemas.microsoft.com/office/drawing/2014/main" id="{CED576EA-7242-4E04-AB26-61376CB3A5C6}"/>
-              </a:ext>
-            </a:extLst>
-          </p:cNvPr>
+            <a:endParaRPr lang="en-US" dirty="0"/>
+          </a:p>
+        </p:txBody>
+      </p:sp>
+      <p:sp>
+        <p:nvSpPr>
+          <p:cNvPr id="3" name="Date Placeholder 2"/>
           <p:cNvSpPr>
             <a:spLocks noGrp="1"/>
           </p:cNvSpPr>
@@ -1953,7 +2590,7 @@
           <a:p>
             <a:fld id="{7291F90E-9580-49D2-ADE1-D9E8A25CB8C1}" type="datetimeFigureOut">
               <a:rPr lang="en-US" smtClean="0"/>
-              <a:t>2/29/2024</a:t>
+              <a:t>3/2/2024</a:t>
             </a:fld>
             <a:endParaRPr lang="en-US"/>
           </a:p>
@@ -1961,13 +2598,7 @@
       </p:sp>
       <p:sp>
         <p:nvSpPr>
-          <p:cNvPr id="4" name="Footer Placeholder 3">
-            <a:extLst>
-              <a:ext uri="{FF2B5EF4-FFF2-40B4-BE49-F238E27FC236}">
-                <a16:creationId xmlns:a16="http://schemas.microsoft.com/office/drawing/2014/main" id="{5EF4CBC5-0DE5-4542-8D4C-1406CA34B9BD}"/>
-              </a:ext>
-            </a:extLst>
-          </p:cNvPr>
+          <p:cNvPr id="4" name="Footer Placeholder 3"/>
           <p:cNvSpPr>
             <a:spLocks noGrp="1"/>
           </p:cNvSpPr>
@@ -1986,13 +2617,7 @@
       </p:sp>
       <p:sp>
         <p:nvSpPr>
-          <p:cNvPr id="5" name="Slide Number Placeholder 4">
-            <a:extLst>
-              <a:ext uri="{FF2B5EF4-FFF2-40B4-BE49-F238E27FC236}">
-                <a16:creationId xmlns:a16="http://schemas.microsoft.com/office/drawing/2014/main" id="{12A74E44-8738-4F2F-9B0B-0AD4E6D62030}"/>
-              </a:ext>
-            </a:extLst>
-          </p:cNvPr>
+          <p:cNvPr id="5" name="Slide Number Placeholder 4"/>
           <p:cNvSpPr>
             <a:spLocks noGrp="1"/>
           </p:cNvSpPr>
@@ -2016,7 +2641,7 @@
     </p:spTree>
     <p:extLst>
       <p:ext uri="{BB962C8B-B14F-4D97-AF65-F5344CB8AC3E}">
-        <p14:creationId xmlns:p14="http://schemas.microsoft.com/office/powerpoint/2010/main" val="1351445981"/>
+        <p14:creationId xmlns:p14="http://schemas.microsoft.com/office/powerpoint/2010/main" val="1168998852"/>
       </p:ext>
     </p:extLst>
   </p:cSld>
@@ -2045,13 +2670,7 @@
       </p:grpSpPr>
       <p:sp>
         <p:nvSpPr>
-          <p:cNvPr id="2" name="Date Placeholder 1">
-            <a:extLst>
-              <a:ext uri="{FF2B5EF4-FFF2-40B4-BE49-F238E27FC236}">
-                <a16:creationId xmlns:a16="http://schemas.microsoft.com/office/drawing/2014/main" id="{A8CB2C81-5716-469E-8D0A-961A0D077949}"/>
-              </a:ext>
-            </a:extLst>
-          </p:cNvPr>
+          <p:cNvPr id="2" name="Date Placeholder 1"/>
           <p:cNvSpPr>
             <a:spLocks noGrp="1"/>
           </p:cNvSpPr>
@@ -2066,7 +2685,7 @@
           <a:p>
             <a:fld id="{7291F90E-9580-49D2-ADE1-D9E8A25CB8C1}" type="datetimeFigureOut">
               <a:rPr lang="en-US" smtClean="0"/>
-              <a:t>2/29/2024</a:t>
+              <a:t>3/2/2024</a:t>
             </a:fld>
             <a:endParaRPr lang="en-US"/>
           </a:p>
@@ -2074,13 +2693,7 @@
       </p:sp>
       <p:sp>
         <p:nvSpPr>
-          <p:cNvPr id="3" name="Footer Placeholder 2">
-            <a:extLst>
-              <a:ext uri="{FF2B5EF4-FFF2-40B4-BE49-F238E27FC236}">
-                <a16:creationId xmlns:a16="http://schemas.microsoft.com/office/drawing/2014/main" id="{84D90DBF-D5DA-4D6E-8641-D89FE3BDB7C3}"/>
-              </a:ext>
-            </a:extLst>
-          </p:cNvPr>
+          <p:cNvPr id="3" name="Footer Placeholder 2"/>
           <p:cNvSpPr>
             <a:spLocks noGrp="1"/>
           </p:cNvSpPr>
@@ -2099,13 +2712,7 @@
       </p:sp>
       <p:sp>
         <p:nvSpPr>
-          <p:cNvPr id="4" name="Slide Number Placeholder 3">
-            <a:extLst>
-              <a:ext uri="{FF2B5EF4-FFF2-40B4-BE49-F238E27FC236}">
-                <a16:creationId xmlns:a16="http://schemas.microsoft.com/office/drawing/2014/main" id="{5231C4A5-288D-4356-8598-9D5E68E01F9A}"/>
-              </a:ext>
-            </a:extLst>
-          </p:cNvPr>
+          <p:cNvPr id="4" name="Slide Number Placeholder 3"/>
           <p:cNvSpPr>
             <a:spLocks noGrp="1"/>
           </p:cNvSpPr>
@@ -2129,7 +2736,7 @@
     </p:spTree>
     <p:extLst>
       <p:ext uri="{BB962C8B-B14F-4D97-AF65-F5344CB8AC3E}">
-        <p14:creationId xmlns:p14="http://schemas.microsoft.com/office/powerpoint/2010/main" val="1213450731"/>
+        <p14:creationId xmlns:p14="http://schemas.microsoft.com/office/powerpoint/2010/main" val="439930343"/>
       </p:ext>
     </p:extLst>
   </p:cSld>
@@ -2158,13 +2765,7 @@
       </p:grpSpPr>
       <p:sp>
         <p:nvSpPr>
-          <p:cNvPr id="2" name="Title 1">
-            <a:extLst>
-              <a:ext uri="{FF2B5EF4-FFF2-40B4-BE49-F238E27FC236}">
-                <a16:creationId xmlns:a16="http://schemas.microsoft.com/office/drawing/2014/main" id="{CDBB5298-7E52-44BC-8B80-97733DF48D90}"/>
-              </a:ext>
-            </a:extLst>
-          </p:cNvPr>
+          <p:cNvPr id="2" name="Title 1"/>
           <p:cNvSpPr>
             <a:spLocks noGrp="1"/>
           </p:cNvSpPr>
@@ -2174,15 +2775,17 @@
         </p:nvSpPr>
         <p:spPr>
           <a:xfrm>
-            <a:off x="839788" y="457200"/>
-            <a:ext cx="3932237" cy="1600200"/>
+            <a:off x="841248" y="457200"/>
+            <a:ext cx="3200400" cy="1600197"/>
           </a:xfrm>
         </p:spPr>
         <p:txBody>
-          <a:bodyPr anchor="b"/>
+          <a:bodyPr anchor="b">
+            <a:normAutofit/>
+          </a:bodyPr>
           <a:lstStyle>
             <a:lvl1pPr>
-              <a:defRPr sz="3200"/>
+              <a:defRPr sz="3200" b="0" baseline="0"/>
             </a:lvl1pPr>
           </a:lstStyle>
           <a:p>
@@ -2190,18 +2793,13 @@
               <a:rPr lang="en-US"/>
               <a:t>Click to edit Master title style</a:t>
             </a:r>
-          </a:p>
-        </p:txBody>
-      </p:sp>
-      <p:sp>
-        <p:nvSpPr>
-          <p:cNvPr id="3" name="Content Placeholder 2">
-            <a:extLst>
-              <a:ext uri="{FF2B5EF4-FFF2-40B4-BE49-F238E27FC236}">
-                <a16:creationId xmlns:a16="http://schemas.microsoft.com/office/drawing/2014/main" id="{C2983A84-BCAE-4536-ABA4-4F68C8DBCA04}"/>
-              </a:ext>
-            </a:extLst>
-          </p:cNvPr>
+            <a:endParaRPr lang="en-US" dirty="0"/>
+          </a:p>
+        </p:txBody>
+      </p:sp>
+      <p:sp>
+        <p:nvSpPr>
+          <p:cNvPr id="3" name="Content Placeholder 2"/>
           <p:cNvSpPr>
             <a:spLocks noGrp="1"/>
           </p:cNvSpPr>
@@ -2211,39 +2809,39 @@
         </p:nvSpPr>
         <p:spPr>
           <a:xfrm>
-            <a:off x="5183188" y="987425"/>
-            <a:ext cx="6172200" cy="4873625"/>
+            <a:off x="4504267" y="685800"/>
+            <a:ext cx="6079066" cy="5486400"/>
           </a:xfrm>
         </p:spPr>
         <p:txBody>
           <a:bodyPr/>
           <a:lstStyle>
             <a:lvl1pPr>
-              <a:defRPr sz="3200"/>
+              <a:defRPr sz="2000"/>
             </a:lvl1pPr>
             <a:lvl2pPr>
-              <a:defRPr sz="2800"/>
+              <a:defRPr sz="1800"/>
             </a:lvl2pPr>
             <a:lvl3pPr>
-              <a:defRPr sz="2400"/>
+              <a:defRPr sz="1600"/>
             </a:lvl3pPr>
             <a:lvl4pPr>
-              <a:defRPr sz="2000"/>
+              <a:defRPr sz="1400"/>
             </a:lvl4pPr>
             <a:lvl5pPr>
-              <a:defRPr sz="2000"/>
+              <a:defRPr sz="1400"/>
             </a:lvl5pPr>
             <a:lvl6pPr>
-              <a:defRPr sz="2000"/>
+              <a:defRPr sz="1400"/>
             </a:lvl6pPr>
             <a:lvl7pPr>
-              <a:defRPr sz="2000"/>
+              <a:defRPr sz="1400"/>
             </a:lvl7pPr>
             <a:lvl8pPr>
-              <a:defRPr sz="2000"/>
+              <a:defRPr sz="1400"/>
             </a:lvl8pPr>
             <a:lvl9pPr>
-              <a:defRPr sz="2000"/>
+              <a:defRPr sz="1400"/>
             </a:lvl9pPr>
           </a:lstStyle>
           <a:p>
@@ -2280,18 +2878,13 @@
               <a:rPr lang="en-US"/>
               <a:t>Fifth level</a:t>
             </a:r>
-          </a:p>
-        </p:txBody>
-      </p:sp>
-      <p:sp>
-        <p:nvSpPr>
-          <p:cNvPr id="4" name="Text Placeholder 3">
-            <a:extLst>
-              <a:ext uri="{FF2B5EF4-FFF2-40B4-BE49-F238E27FC236}">
-                <a16:creationId xmlns:a16="http://schemas.microsoft.com/office/drawing/2014/main" id="{3A8B347C-BBB0-4A29-90AD-93D4C8940883}"/>
-              </a:ext>
-            </a:extLst>
-          </p:cNvPr>
+            <a:endParaRPr lang="en-US" dirty="0"/>
+          </a:p>
+        </p:txBody>
+      </p:sp>
+      <p:sp>
+        <p:nvSpPr>
+          <p:cNvPr id="4" name="Text Placeholder 3"/>
           <p:cNvSpPr>
             <a:spLocks noGrp="1"/>
           </p:cNvSpPr>
@@ -2301,48 +2894,56 @@
         </p:nvSpPr>
         <p:spPr>
           <a:xfrm>
-            <a:off x="839788" y="2057400"/>
-            <a:ext cx="3932237" cy="3811588"/>
+            <a:off x="841248" y="2099734"/>
+            <a:ext cx="3200400" cy="3810001"/>
           </a:xfrm>
         </p:spPr>
         <p:txBody>
-          <a:bodyPr/>
+          <a:bodyPr>
+            <a:normAutofit/>
+          </a:bodyPr>
           <a:lstStyle>
             <a:lvl1pPr marL="0" indent="0">
+              <a:lnSpc>
+                <a:spcPct val="114000"/>
+              </a:lnSpc>
+              <a:spcBef>
+                <a:spcPts val="800"/>
+              </a:spcBef>
               <a:buNone/>
-              <a:defRPr sz="1600"/>
+              <a:defRPr sz="1300"/>
             </a:lvl1pPr>
             <a:lvl2pPr marL="457200" indent="0">
               <a:buNone/>
-              <a:defRPr sz="1400"/>
+              <a:defRPr sz="1200"/>
             </a:lvl2pPr>
             <a:lvl3pPr marL="914400" indent="0">
               <a:buNone/>
-              <a:defRPr sz="1200"/>
+              <a:defRPr sz="1000"/>
             </a:lvl3pPr>
             <a:lvl4pPr marL="1371600" indent="0">
               <a:buNone/>
-              <a:defRPr sz="1000"/>
+              <a:defRPr sz="900"/>
             </a:lvl4pPr>
             <a:lvl5pPr marL="1828800" indent="0">
               <a:buNone/>
-              <a:defRPr sz="1000"/>
+              <a:defRPr sz="900"/>
             </a:lvl5pPr>
             <a:lvl6pPr marL="2286000" indent="0">
               <a:buNone/>
-              <a:defRPr sz="1000"/>
+              <a:defRPr sz="900"/>
             </a:lvl6pPr>
             <a:lvl7pPr marL="2743200" indent="0">
               <a:buNone/>
-              <a:defRPr sz="1000"/>
+              <a:defRPr sz="900"/>
             </a:lvl7pPr>
             <a:lvl8pPr marL="3200400" indent="0">
               <a:buNone/>
-              <a:defRPr sz="1000"/>
+              <a:defRPr sz="900"/>
             </a:lvl8pPr>
             <a:lvl9pPr marL="3657600" indent="0">
               <a:buNone/>
-              <a:defRPr sz="1000"/>
+              <a:defRPr sz="900"/>
             </a:lvl9pPr>
           </a:lstStyle>
           <a:p>
@@ -2356,13 +2957,7 @@
       </p:sp>
       <p:sp>
         <p:nvSpPr>
-          <p:cNvPr id="5" name="Date Placeholder 4">
-            <a:extLst>
-              <a:ext uri="{FF2B5EF4-FFF2-40B4-BE49-F238E27FC236}">
-                <a16:creationId xmlns:a16="http://schemas.microsoft.com/office/drawing/2014/main" id="{29FBB63A-4344-4B84-BDE2-26868F8A5083}"/>
-              </a:ext>
-            </a:extLst>
-          </p:cNvPr>
+          <p:cNvPr id="5" name="Date Placeholder 4"/>
           <p:cNvSpPr>
             <a:spLocks noGrp="1"/>
           </p:cNvSpPr>
@@ -2377,7 +2972,7 @@
           <a:p>
             <a:fld id="{7291F90E-9580-49D2-ADE1-D9E8A25CB8C1}" type="datetimeFigureOut">
               <a:rPr lang="en-US" smtClean="0"/>
-              <a:t>2/29/2024</a:t>
+              <a:t>3/2/2024</a:t>
             </a:fld>
             <a:endParaRPr lang="en-US"/>
           </a:p>
@@ -2385,13 +2980,7 @@
       </p:sp>
       <p:sp>
         <p:nvSpPr>
-          <p:cNvPr id="6" name="Footer Placeholder 5">
-            <a:extLst>
-              <a:ext uri="{FF2B5EF4-FFF2-40B4-BE49-F238E27FC236}">
-                <a16:creationId xmlns:a16="http://schemas.microsoft.com/office/drawing/2014/main" id="{5A86BB98-5664-42BD-9209-C6BD79B952D8}"/>
-              </a:ext>
-            </a:extLst>
-          </p:cNvPr>
+          <p:cNvPr id="6" name="Footer Placeholder 5"/>
           <p:cNvSpPr>
             <a:spLocks noGrp="1"/>
           </p:cNvSpPr>
@@ -2410,13 +2999,7 @@
       </p:sp>
       <p:sp>
         <p:nvSpPr>
-          <p:cNvPr id="7" name="Slide Number Placeholder 6">
-            <a:extLst>
-              <a:ext uri="{FF2B5EF4-FFF2-40B4-BE49-F238E27FC236}">
-                <a16:creationId xmlns:a16="http://schemas.microsoft.com/office/drawing/2014/main" id="{60D5F104-4943-44C8-A44E-49B76E841895}"/>
-              </a:ext>
-            </a:extLst>
-          </p:cNvPr>
+          <p:cNvPr id="7" name="Slide Number Placeholder 6"/>
           <p:cNvSpPr>
             <a:spLocks noGrp="1"/>
           </p:cNvSpPr>
@@ -2440,7 +3023,7 @@
     </p:spTree>
     <p:extLst>
       <p:ext uri="{BB962C8B-B14F-4D97-AF65-F5344CB8AC3E}">
-        <p14:creationId xmlns:p14="http://schemas.microsoft.com/office/powerpoint/2010/main" val="4034696284"/>
+        <p14:creationId xmlns:p14="http://schemas.microsoft.com/office/powerpoint/2010/main" val="3434936686"/>
       </p:ext>
     </p:extLst>
   </p:cSld>
@@ -2469,31 +3052,69 @@
       </p:grpSpPr>
       <p:sp>
         <p:nvSpPr>
-          <p:cNvPr id="2" name="Title 1">
-            <a:extLst>
-              <a:ext uri="{FF2B5EF4-FFF2-40B4-BE49-F238E27FC236}">
-                <a16:creationId xmlns:a16="http://schemas.microsoft.com/office/drawing/2014/main" id="{520526B4-E397-4825-8B5C-262F39D90E66}"/>
-              </a:ext>
-            </a:extLst>
-          </p:cNvPr>
-          <p:cNvSpPr>
-            <a:spLocks noGrp="1"/>
-          </p:cNvSpPr>
-          <p:nvPr>
-            <p:ph type="title"/>
-          </p:nvPr>
+          <p:cNvPr id="8" name="Rectangle 7"/>
+          <p:cNvSpPr/>
+          <p:nvPr/>
         </p:nvSpPr>
         <p:spPr>
           <a:xfrm>
-            <a:off x="839788" y="457200"/>
-            <a:ext cx="3932237" cy="1600200"/>
+            <a:off x="0" y="5105400"/>
+            <a:ext cx="11292840" cy="1752600"/>
+          </a:xfrm>
+          <a:prstGeom prst="rect">
+            <a:avLst/>
+          </a:prstGeom>
+          <a:solidFill>
+            <a:srgbClr val="000000"/>
+          </a:solidFill>
+          <a:ln>
+            <a:noFill/>
+          </a:ln>
+        </p:spPr>
+        <p:style>
+          <a:lnRef idx="2">
+            <a:schemeClr val="accent1">
+              <a:shade val="50000"/>
+            </a:schemeClr>
+          </a:lnRef>
+          <a:fillRef idx="1">
+            <a:schemeClr val="accent1"/>
+          </a:fillRef>
+          <a:effectRef idx="0">
+            <a:schemeClr val="accent1"/>
+          </a:effectRef>
+          <a:fontRef idx="minor">
+            <a:schemeClr val="lt1"/>
+          </a:fontRef>
+        </p:style>
+      </p:sp>
+      <p:sp>
+        <p:nvSpPr>
+          <p:cNvPr id="2" name="Title 1"/>
+          <p:cNvSpPr>
+            <a:spLocks noGrp="1"/>
+          </p:cNvSpPr>
+          <p:nvPr>
+            <p:ph type="title"/>
+          </p:nvPr>
+        </p:nvSpPr>
+        <p:spPr>
+          <a:xfrm>
+            <a:off x="914400" y="5257800"/>
+            <a:ext cx="9982200" cy="914400"/>
           </a:xfrm>
         </p:spPr>
         <p:txBody>
-          <a:bodyPr anchor="b"/>
+          <a:bodyPr anchor="b">
+            <a:normAutofit/>
+          </a:bodyPr>
           <a:lstStyle>
             <a:lvl1pPr>
-              <a:defRPr sz="3200"/>
+              <a:defRPr sz="2800" b="0">
+                <a:solidFill>
+                  <a:schemeClr val="bg1"/>
+                </a:solidFill>
+              </a:defRPr>
             </a:lvl1pPr>
           </a:lstStyle>
           <a:p>
@@ -2501,20 +3122,15 @@
               <a:rPr lang="en-US"/>
               <a:t>Click to edit Master title style</a:t>
             </a:r>
-          </a:p>
-        </p:txBody>
-      </p:sp>
-      <p:sp>
-        <p:nvSpPr>
-          <p:cNvPr id="3" name="Picture Placeholder 2">
-            <a:extLst>
-              <a:ext uri="{FF2B5EF4-FFF2-40B4-BE49-F238E27FC236}">
-                <a16:creationId xmlns:a16="http://schemas.microsoft.com/office/drawing/2014/main" id="{425CECB1-81A6-48CC-B047-E26BD164E1C6}"/>
-              </a:ext>
-            </a:extLst>
-          </p:cNvPr>
-          <p:cNvSpPr>
-            <a:spLocks noGrp="1"/>
+            <a:endParaRPr lang="en-US" dirty="0"/>
+          </a:p>
+        </p:txBody>
+      </p:sp>
+      <p:sp>
+        <p:nvSpPr>
+          <p:cNvPr id="3" name="Picture Placeholder 2"/>
+          <p:cNvSpPr>
+            <a:spLocks noGrp="1" noChangeAspect="1"/>
           </p:cNvSpPr>
           <p:nvPr>
             <p:ph type="pic" idx="1"/>
@@ -2522,16 +3138,23 @@
         </p:nvSpPr>
         <p:spPr>
           <a:xfrm>
-            <a:off x="5183188" y="987425"/>
-            <a:ext cx="6172200" cy="4873625"/>
+            <a:off x="0" y="0"/>
+            <a:ext cx="11292840" cy="5128923"/>
           </a:xfrm>
+          <a:solidFill>
+            <a:schemeClr val="accent1"/>
+          </a:solidFill>
         </p:spPr>
         <p:txBody>
-          <a:bodyPr/>
+          <a:bodyPr anchor="t"/>
           <a:lstStyle>
             <a:lvl1pPr marL="0" indent="0">
               <a:buNone/>
-              <a:defRPr sz="3200"/>
+              <a:defRPr sz="3200">
+                <a:solidFill>
+                  <a:schemeClr val="bg1"/>
+                </a:solidFill>
+              </a:defRPr>
             </a:lvl1pPr>
             <a:lvl2pPr marL="457200" indent="0">
               <a:buNone/>
@@ -2567,19 +3190,17 @@
             </a:lvl9pPr>
           </a:lstStyle>
           <a:p>
-            <a:endParaRPr lang="en-US"/>
-          </a:p>
-        </p:txBody>
-      </p:sp>
-      <p:sp>
-        <p:nvSpPr>
-          <p:cNvPr id="4" name="Text Placeholder 3">
-            <a:extLst>
-              <a:ext uri="{FF2B5EF4-FFF2-40B4-BE49-F238E27FC236}">
-                <a16:creationId xmlns:a16="http://schemas.microsoft.com/office/drawing/2014/main" id="{0D5C1E04-DA0A-4120-A252-FD2AFA79700E}"/>
-              </a:ext>
-            </a:extLst>
-          </p:cNvPr>
+            <a:r>
+              <a:rPr lang="en-US"/>
+              <a:t>Click icon to add picture</a:t>
+            </a:r>
+            <a:endParaRPr lang="en-US" dirty="0"/>
+          </a:p>
+        </p:txBody>
+      </p:sp>
+      <p:sp>
+        <p:nvSpPr>
+          <p:cNvPr id="4" name="Text Placeholder 3"/>
           <p:cNvSpPr>
             <a:spLocks noGrp="1"/>
           </p:cNvSpPr>
@@ -2589,48 +3210,62 @@
         </p:nvSpPr>
         <p:spPr>
           <a:xfrm>
-            <a:off x="839788" y="2057400"/>
-            <a:ext cx="3932237" cy="3811588"/>
+            <a:off x="914400" y="6108589"/>
+            <a:ext cx="9982200" cy="597011"/>
           </a:xfrm>
         </p:spPr>
         <p:txBody>
-          <a:bodyPr/>
+          <a:bodyPr>
+            <a:normAutofit/>
+          </a:bodyPr>
           <a:lstStyle>
             <a:lvl1pPr marL="0" indent="0">
+              <a:lnSpc>
+                <a:spcPct val="100000"/>
+              </a:lnSpc>
+              <a:spcBef>
+                <a:spcPts val="800"/>
+              </a:spcBef>
               <a:buNone/>
-              <a:defRPr sz="1600"/>
+              <a:defRPr sz="1300">
+                <a:solidFill>
+                  <a:schemeClr val="bg1">
+                    <a:lumMod val="85000"/>
+                  </a:schemeClr>
+                </a:solidFill>
+              </a:defRPr>
             </a:lvl1pPr>
             <a:lvl2pPr marL="457200" indent="0">
               <a:buNone/>
-              <a:defRPr sz="1400"/>
+              <a:defRPr sz="1200"/>
             </a:lvl2pPr>
             <a:lvl3pPr marL="914400" indent="0">
               <a:buNone/>
-              <a:defRPr sz="1200"/>
+              <a:defRPr sz="1000"/>
             </a:lvl3pPr>
             <a:lvl4pPr marL="1371600" indent="0">
               <a:buNone/>
-              <a:defRPr sz="1000"/>
+              <a:defRPr sz="900"/>
             </a:lvl4pPr>
             <a:lvl5pPr marL="1828800" indent="0">
               <a:buNone/>
-              <a:defRPr sz="1000"/>
+              <a:defRPr sz="900"/>
             </a:lvl5pPr>
             <a:lvl6pPr marL="2286000" indent="0">
               <a:buNone/>
-              <a:defRPr sz="1000"/>
+              <a:defRPr sz="900"/>
             </a:lvl6pPr>
             <a:lvl7pPr marL="2743200" indent="0">
               <a:buNone/>
-              <a:defRPr sz="1000"/>
+              <a:defRPr sz="900"/>
             </a:lvl7pPr>
             <a:lvl8pPr marL="3200400" indent="0">
               <a:buNone/>
-              <a:defRPr sz="1000"/>
+              <a:defRPr sz="900"/>
             </a:lvl8pPr>
             <a:lvl9pPr marL="3657600" indent="0">
               <a:buNone/>
-              <a:defRPr sz="1000"/>
+              <a:defRPr sz="900"/>
             </a:lvl9pPr>
           </a:lstStyle>
           <a:p>
@@ -2644,13 +3279,7 @@
       </p:sp>
       <p:sp>
         <p:nvSpPr>
-          <p:cNvPr id="5" name="Date Placeholder 4">
-            <a:extLst>
-              <a:ext uri="{FF2B5EF4-FFF2-40B4-BE49-F238E27FC236}">
-                <a16:creationId xmlns:a16="http://schemas.microsoft.com/office/drawing/2014/main" id="{2C5862CE-A530-4984-A763-C94F18DC4BBE}"/>
-              </a:ext>
-            </a:extLst>
-          </p:cNvPr>
+          <p:cNvPr id="5" name="Date Placeholder 4"/>
           <p:cNvSpPr>
             <a:spLocks noGrp="1"/>
           </p:cNvSpPr>
@@ -2665,7 +3294,7 @@
           <a:p>
             <a:fld id="{7291F90E-9580-49D2-ADE1-D9E8A25CB8C1}" type="datetimeFigureOut">
               <a:rPr lang="en-US" smtClean="0"/>
-              <a:t>2/29/2024</a:t>
+              <a:t>3/2/2024</a:t>
             </a:fld>
             <a:endParaRPr lang="en-US"/>
           </a:p>
@@ -2673,13 +3302,7 @@
       </p:sp>
       <p:sp>
         <p:nvSpPr>
-          <p:cNvPr id="6" name="Footer Placeholder 5">
-            <a:extLst>
-              <a:ext uri="{FF2B5EF4-FFF2-40B4-BE49-F238E27FC236}">
-                <a16:creationId xmlns:a16="http://schemas.microsoft.com/office/drawing/2014/main" id="{20B1F154-6FB9-4000-A1FC-DA53E511F56A}"/>
-              </a:ext>
-            </a:extLst>
-          </p:cNvPr>
+          <p:cNvPr id="6" name="Footer Placeholder 5"/>
           <p:cNvSpPr>
             <a:spLocks noGrp="1"/>
           </p:cNvSpPr>
@@ -2698,13 +3321,7 @@
       </p:sp>
       <p:sp>
         <p:nvSpPr>
-          <p:cNvPr id="7" name="Slide Number Placeholder 6">
-            <a:extLst>
-              <a:ext uri="{FF2B5EF4-FFF2-40B4-BE49-F238E27FC236}">
-                <a16:creationId xmlns:a16="http://schemas.microsoft.com/office/drawing/2014/main" id="{656175B3-8BDC-4652-8D7C-B42ACCE47B59}"/>
-              </a:ext>
-            </a:extLst>
-          </p:cNvPr>
+          <p:cNvPr id="7" name="Slide Number Placeholder 6"/>
           <p:cNvSpPr>
             <a:spLocks noGrp="1"/>
           </p:cNvSpPr>
@@ -2728,7 +3345,7 @@
     </p:spTree>
     <p:extLst>
       <p:ext uri="{BB962C8B-B14F-4D97-AF65-F5344CB8AC3E}">
-        <p14:creationId xmlns:p14="http://schemas.microsoft.com/office/powerpoint/2010/main" val="2717885803"/>
+        <p14:creationId xmlns:p14="http://schemas.microsoft.com/office/powerpoint/2010/main" val="2406633299"/>
       </p:ext>
     </p:extLst>
   </p:cSld>
@@ -2762,31 +3379,65 @@
       </p:grpSpPr>
       <p:sp>
         <p:nvSpPr>
-          <p:cNvPr id="2" name="Title Placeholder 1">
-            <a:extLst>
-              <a:ext uri="{FF2B5EF4-FFF2-40B4-BE49-F238E27FC236}">
-                <a16:creationId xmlns:a16="http://schemas.microsoft.com/office/drawing/2014/main" id="{DCD058A8-FF2A-4D86-A44F-B54ED3C3C7A0}"/>
-              </a:ext>
-            </a:extLst>
-          </p:cNvPr>
-          <p:cNvSpPr>
-            <a:spLocks noGrp="1"/>
-          </p:cNvSpPr>
-          <p:nvPr>
-            <p:ph type="title"/>
-          </p:nvPr>
+          <p:cNvPr id="7" name="Rectangle 6"/>
+          <p:cNvSpPr/>
+          <p:nvPr/>
         </p:nvSpPr>
         <p:spPr>
           <a:xfrm>
-            <a:off x="838200" y="365125"/>
-            <a:ext cx="10515600" cy="1325563"/>
+            <a:off x="11292840" y="0"/>
+            <a:ext cx="914400" cy="6858000"/>
+          </a:xfrm>
+          <a:prstGeom prst="rect">
+            <a:avLst/>
+          </a:prstGeom>
+          <a:solidFill>
+            <a:schemeClr val="tx2">
+              <a:lumMod val="75000"/>
+            </a:schemeClr>
+          </a:solidFill>
+          <a:ln>
+            <a:noFill/>
+          </a:ln>
+        </p:spPr>
+        <p:style>
+          <a:lnRef idx="2">
+            <a:schemeClr val="accent1">
+              <a:shade val="50000"/>
+            </a:schemeClr>
+          </a:lnRef>
+          <a:fillRef idx="1">
+            <a:schemeClr val="accent1"/>
+          </a:fillRef>
+          <a:effectRef idx="0">
+            <a:schemeClr val="accent1"/>
+          </a:effectRef>
+          <a:fontRef idx="minor">
+            <a:schemeClr val="lt1"/>
+          </a:fontRef>
+        </p:style>
+      </p:sp>
+      <p:sp>
+        <p:nvSpPr>
+          <p:cNvPr id="2" name="Title Placeholder 1"/>
+          <p:cNvSpPr>
+            <a:spLocks noGrp="1"/>
+          </p:cNvSpPr>
+          <p:nvPr>
+            <p:ph type="title"/>
+          </p:nvPr>
+        </p:nvSpPr>
+        <p:spPr>
+          <a:xfrm>
+            <a:off x="1261872" y="365760"/>
+            <a:ext cx="9692640" cy="1325562"/>
           </a:xfrm>
           <a:prstGeom prst="rect">
             <a:avLst/>
           </a:prstGeom>
         </p:spPr>
         <p:txBody>
-          <a:bodyPr vert="horz" lIns="91440" tIns="45720" rIns="91440" bIns="45720" rtlCol="0" anchor="ctr">
+          <a:bodyPr vert="horz" lIns="91440" tIns="45720" rIns="91440" bIns="45720" rtlCol="0" anchor="b">
             <a:normAutofit/>
           </a:bodyPr>
           <a:lstStyle/>
@@ -2795,18 +3446,13 @@
               <a:rPr lang="en-US"/>
               <a:t>Click to edit Master title style</a:t>
             </a:r>
-          </a:p>
-        </p:txBody>
-      </p:sp>
-      <p:sp>
-        <p:nvSpPr>
-          <p:cNvPr id="3" name="Text Placeholder 2">
-            <a:extLst>
-              <a:ext uri="{FF2B5EF4-FFF2-40B4-BE49-F238E27FC236}">
-                <a16:creationId xmlns:a16="http://schemas.microsoft.com/office/drawing/2014/main" id="{44F6604F-A216-47D4-B993-7B78741CC472}"/>
-              </a:ext>
-            </a:extLst>
-          </p:cNvPr>
+            <a:endParaRPr lang="en-US" dirty="0"/>
+          </a:p>
+        </p:txBody>
+      </p:sp>
+      <p:sp>
+        <p:nvSpPr>
+          <p:cNvPr id="3" name="Text Placeholder 2"/>
           <p:cNvSpPr>
             <a:spLocks noGrp="1"/>
           </p:cNvSpPr>
@@ -2816,8 +3462,8 @@
         </p:nvSpPr>
         <p:spPr>
           <a:xfrm>
-            <a:off x="838200" y="1825625"/>
-            <a:ext cx="10515600" cy="4351338"/>
+            <a:off x="1261872" y="1828800"/>
+            <a:ext cx="8595360" cy="4351337"/>
           </a:xfrm>
           <a:prstGeom prst="rect">
             <a:avLst/>
@@ -2862,18 +3508,13 @@
               <a:rPr lang="en-US"/>
               <a:t>Fifth level</a:t>
             </a:r>
-          </a:p>
-        </p:txBody>
-      </p:sp>
-      <p:sp>
-        <p:nvSpPr>
-          <p:cNvPr id="4" name="Date Placeholder 3">
-            <a:extLst>
-              <a:ext uri="{FF2B5EF4-FFF2-40B4-BE49-F238E27FC236}">
-                <a16:creationId xmlns:a16="http://schemas.microsoft.com/office/drawing/2014/main" id="{2C45D4DF-CB8D-4227-A4A9-875B5956DDCE}"/>
-              </a:ext>
-            </a:extLst>
-          </p:cNvPr>
+            <a:endParaRPr lang="en-US" dirty="0"/>
+          </a:p>
+        </p:txBody>
+      </p:sp>
+      <p:sp>
+        <p:nvSpPr>
+          <p:cNvPr id="4" name="Date Placeholder 3"/>
           <p:cNvSpPr>
             <a:spLocks noGrp="1"/>
           </p:cNvSpPr>
@@ -2882,9 +3523,9 @@
           </p:nvPr>
         </p:nvSpPr>
         <p:spPr>
-          <a:xfrm>
-            <a:off x="838200" y="6356350"/>
-            <a:ext cx="2743200" cy="365125"/>
+          <a:xfrm rot="16200000">
+            <a:off x="10797542" y="998537"/>
+            <a:ext cx="1904999" cy="365125"/>
           </a:xfrm>
           <a:prstGeom prst="rect">
             <a:avLst/>
@@ -2893,11 +3534,12 @@
         <p:txBody>
           <a:bodyPr vert="horz" lIns="91440" tIns="45720" rIns="91440" bIns="45720" rtlCol="0" anchor="ctr"/>
           <a:lstStyle>
-            <a:lvl1pPr algn="l">
-              <a:defRPr sz="1200">
+            <a:lvl1pPr algn="r">
+              <a:defRPr sz="1050" b="0">
                 <a:solidFill>
-                  <a:schemeClr val="tx1">
-                    <a:tint val="75000"/>
+                  <a:schemeClr val="tx2">
+                    <a:lumMod val="20000"/>
+                    <a:lumOff val="80000"/>
                   </a:schemeClr>
                 </a:solidFill>
               </a:defRPr>
@@ -2906,7 +3548,7 @@
           <a:p>
             <a:fld id="{7291F90E-9580-49D2-ADE1-D9E8A25CB8C1}" type="datetimeFigureOut">
               <a:rPr lang="en-US" smtClean="0"/>
-              <a:t>2/29/2024</a:t>
+              <a:t>3/2/2024</a:t>
             </a:fld>
             <a:endParaRPr lang="en-US"/>
           </a:p>
@@ -2914,13 +3556,7 @@
       </p:sp>
       <p:sp>
         <p:nvSpPr>
-          <p:cNvPr id="5" name="Footer Placeholder 4">
-            <a:extLst>
-              <a:ext uri="{FF2B5EF4-FFF2-40B4-BE49-F238E27FC236}">
-                <a16:creationId xmlns:a16="http://schemas.microsoft.com/office/drawing/2014/main" id="{7A3C481A-D946-40AE-BAA7-10B52FD60839}"/>
-              </a:ext>
-            </a:extLst>
-          </p:cNvPr>
+          <p:cNvPr id="5" name="Footer Placeholder 4"/>
           <p:cNvSpPr>
             <a:spLocks noGrp="1"/>
           </p:cNvSpPr>
@@ -2929,9 +3565,9 @@
           </p:nvPr>
         </p:nvSpPr>
         <p:spPr>
-          <a:xfrm>
-            <a:off x="4038600" y="6356350"/>
-            <a:ext cx="4114800" cy="365125"/>
+          <a:xfrm rot="16200000">
+            <a:off x="9959341" y="4046537"/>
+            <a:ext cx="3581400" cy="365125"/>
           </a:xfrm>
           <a:prstGeom prst="rect">
             <a:avLst/>
@@ -2940,11 +3576,12 @@
         <p:txBody>
           <a:bodyPr vert="horz" lIns="91440" tIns="45720" rIns="91440" bIns="45720" rtlCol="0" anchor="ctr"/>
           <a:lstStyle>
-            <a:lvl1pPr algn="ctr">
-              <a:defRPr sz="1200">
+            <a:lvl1pPr algn="l">
+              <a:defRPr sz="1050">
                 <a:solidFill>
-                  <a:schemeClr val="tx1">
-                    <a:tint val="75000"/>
+                  <a:schemeClr val="tx2">
+                    <a:lumMod val="20000"/>
+                    <a:lumOff val="80000"/>
                   </a:schemeClr>
                 </a:solidFill>
               </a:defRPr>
@@ -2957,13 +3594,7 @@
       </p:sp>
       <p:sp>
         <p:nvSpPr>
-          <p:cNvPr id="6" name="Slide Number Placeholder 5">
-            <a:extLst>
-              <a:ext uri="{FF2B5EF4-FFF2-40B4-BE49-F238E27FC236}">
-                <a16:creationId xmlns:a16="http://schemas.microsoft.com/office/drawing/2014/main" id="{E3E2FAD7-993E-4DC5-9F03-A7694A8F2B18}"/>
-              </a:ext>
-            </a:extLst>
-          </p:cNvPr>
+          <p:cNvPr id="6" name="Slide Number Placeholder 5"/>
           <p:cNvSpPr>
             <a:spLocks noGrp="1"/>
           </p:cNvSpPr>
@@ -2973,21 +3604,24 @@
         </p:nvSpPr>
         <p:spPr>
           <a:xfrm>
-            <a:off x="8610600" y="6356350"/>
-            <a:ext cx="2743200" cy="365125"/>
+            <a:off x="11292840" y="6172200"/>
+            <a:ext cx="914400" cy="593725"/>
           </a:xfrm>
           <a:prstGeom prst="rect">
             <a:avLst/>
           </a:prstGeom>
         </p:spPr>
         <p:txBody>
-          <a:bodyPr vert="horz" lIns="91440" tIns="45720" rIns="91440" bIns="45720" rtlCol="0" anchor="ctr"/>
+          <a:bodyPr vert="horz" lIns="45720" tIns="45720" rIns="45720" bIns="45720" rtlCol="0" anchor="ctr">
+            <a:normAutofit/>
+          </a:bodyPr>
           <a:lstStyle>
-            <a:lvl1pPr algn="r">
-              <a:defRPr sz="1200">
+            <a:lvl1pPr algn="ctr">
+              <a:defRPr sz="3600">
                 <a:solidFill>
-                  <a:schemeClr val="tx1">
-                    <a:tint val="75000"/>
+                  <a:schemeClr val="tx2">
+                    <a:lumMod val="60000"/>
+                    <a:lumOff val="40000"/>
                   </a:schemeClr>
                 </a:solidFill>
               </a:defRPr>
@@ -3005,23 +3639,23 @@
     </p:spTree>
     <p:extLst>
       <p:ext uri="{BB962C8B-B14F-4D97-AF65-F5344CB8AC3E}">
-        <p14:creationId xmlns:p14="http://schemas.microsoft.com/office/powerpoint/2010/main" val="1727462963"/>
+        <p14:creationId xmlns:p14="http://schemas.microsoft.com/office/powerpoint/2010/main" val="2009449552"/>
       </p:ext>
     </p:extLst>
   </p:cSld>
   <p:clrMap bg1="lt1" tx1="dk1" bg2="lt2" tx2="dk2" accent1="accent1" accent2="accent2" accent3="accent3" accent4="accent4" accent5="accent5" accent6="accent6" hlink="hlink" folHlink="folHlink"/>
   <p:sldLayoutIdLst>
-    <p:sldLayoutId id="2147483649" r:id="rId1"/>
-    <p:sldLayoutId id="2147483650" r:id="rId2"/>
-    <p:sldLayoutId id="2147483651" r:id="rId3"/>
-    <p:sldLayoutId id="2147483652" r:id="rId4"/>
-    <p:sldLayoutId id="2147483653" r:id="rId5"/>
-    <p:sldLayoutId id="2147483654" r:id="rId6"/>
-    <p:sldLayoutId id="2147483655" r:id="rId7"/>
-    <p:sldLayoutId id="2147483656" r:id="rId8"/>
-    <p:sldLayoutId id="2147483657" r:id="rId9"/>
-    <p:sldLayoutId id="2147483658" r:id="rId10"/>
-    <p:sldLayoutId id="2147483659" r:id="rId11"/>
+    <p:sldLayoutId id="2147483661" r:id="rId1"/>
+    <p:sldLayoutId id="2147483662" r:id="rId2"/>
+    <p:sldLayoutId id="2147483663" r:id="rId3"/>
+    <p:sldLayoutId id="2147483664" r:id="rId4"/>
+    <p:sldLayoutId id="2147483665" r:id="rId5"/>
+    <p:sldLayoutId id="2147483666" r:id="rId6"/>
+    <p:sldLayoutId id="2147483667" r:id="rId7"/>
+    <p:sldLayoutId id="2147483668" r:id="rId8"/>
+    <p:sldLayoutId id="2147483669" r:id="rId9"/>
+    <p:sldLayoutId id="2147483670" r:id="rId10"/>
+    <p:sldLayoutId id="2147483671" r:id="rId11"/>
   </p:sldLayoutIdLst>
   <p:txStyles>
     <p:titleStyle>
@@ -3033,7 +3667,7 @@
           <a:spcPct val="0"/>
         </a:spcBef>
         <a:buNone/>
-        <a:defRPr sz="4400" kern="1200">
+        <a:defRPr sz="4400" kern="1200" spc="-50" baseline="0">
           <a:solidFill>
             <a:schemeClr val="tx1"/>
           </a:solidFill>
@@ -3044,16 +3678,23 @@
       </a:lvl1pPr>
     </p:titleStyle>
     <p:bodyStyle>
-      <a:lvl1pPr marL="228600" indent="-228600" algn="l" defTabSz="914400" rtl="0" eaLnBrk="1" latinLnBrk="0" hangingPunct="1">
+      <a:lvl1pPr marL="182880" indent="-182880" algn="l" defTabSz="914400" rtl="0" eaLnBrk="1" latinLnBrk="0" hangingPunct="1">
         <a:lnSpc>
-          <a:spcPct val="90000"/>
+          <a:spcPct val="95000"/>
         </a:lnSpc>
         <a:spcBef>
-          <a:spcPts val="1000"/>
+          <a:spcPts val="1400"/>
         </a:spcBef>
-        <a:buFont typeface="Arial" panose="020B0604020202020204" pitchFamily="34" charset="0"/>
+        <a:spcAft>
+          <a:spcPts val="200"/>
+        </a:spcAft>
+        <a:buClr>
+          <a:schemeClr val="accent1"/>
+        </a:buClr>
+        <a:buSzPct val="80000"/>
+        <a:buFont typeface="Arial" pitchFamily="34" charset="0"/>
         <a:buChar char="•"/>
-        <a:defRPr sz="2800" kern="1200">
+        <a:defRPr sz="1800" kern="1200" spc="10" baseline="0">
           <a:solidFill>
             <a:schemeClr val="tx1"/>
           </a:solidFill>
@@ -3062,144 +3703,216 @@
           <a:cs typeface="+mn-cs"/>
         </a:defRPr>
       </a:lvl1pPr>
-      <a:lvl2pPr marL="685800" indent="-228600" algn="l" defTabSz="914400" rtl="0" eaLnBrk="1" latinLnBrk="0" hangingPunct="1">
+      <a:lvl2pPr marL="457200" indent="-182880" algn="l" defTabSz="914400" rtl="0" eaLnBrk="1" latinLnBrk="0" hangingPunct="1">
         <a:lnSpc>
           <a:spcPct val="90000"/>
         </a:lnSpc>
         <a:spcBef>
-          <a:spcPts val="500"/>
+          <a:spcPts val="300"/>
         </a:spcBef>
-        <a:buFont typeface="Arial" panose="020B0604020202020204" pitchFamily="34" charset="0"/>
-        <a:buChar char="•"/>
-        <a:defRPr sz="2400" kern="1200">
+        <a:spcAft>
+          <a:spcPts val="300"/>
+        </a:spcAft>
+        <a:buClr>
+          <a:schemeClr val="accent1"/>
+        </a:buClr>
+        <a:buFont typeface="Wingdings 2" pitchFamily="18" charset="2"/>
+        <a:buChar char=""/>
+        <a:defRPr sz="1600" kern="1200">
           <a:solidFill>
-            <a:schemeClr val="tx1"/>
+            <a:schemeClr val="tx1">
+              <a:lumMod val="85000"/>
+              <a:lumOff val="15000"/>
+            </a:schemeClr>
           </a:solidFill>
           <a:latin typeface="+mn-lt"/>
           <a:ea typeface="+mn-ea"/>
           <a:cs typeface="+mn-cs"/>
         </a:defRPr>
       </a:lvl2pPr>
-      <a:lvl3pPr marL="1143000" indent="-228600" algn="l" defTabSz="914400" rtl="0" eaLnBrk="1" latinLnBrk="0" hangingPunct="1">
+      <a:lvl3pPr marL="731520" indent="-182880" algn="l" defTabSz="914400" rtl="0" eaLnBrk="1" latinLnBrk="0" hangingPunct="1">
         <a:lnSpc>
           <a:spcPct val="90000"/>
         </a:lnSpc>
         <a:spcBef>
-          <a:spcPts val="500"/>
+          <a:spcPts val="300"/>
         </a:spcBef>
-        <a:buFont typeface="Arial" panose="020B0604020202020204" pitchFamily="34" charset="0"/>
-        <a:buChar char="•"/>
-        <a:defRPr sz="2000" kern="1200">
+        <a:spcAft>
+          <a:spcPts val="300"/>
+        </a:spcAft>
+        <a:buClr>
+          <a:schemeClr val="accent1"/>
+        </a:buClr>
+        <a:buFont typeface="Wingdings 2" pitchFamily="18" charset="2"/>
+        <a:buChar char=""/>
+        <a:defRPr sz="1400" kern="1200">
           <a:solidFill>
-            <a:schemeClr val="tx1"/>
+            <a:schemeClr val="tx1">
+              <a:lumMod val="85000"/>
+              <a:lumOff val="15000"/>
+            </a:schemeClr>
           </a:solidFill>
           <a:latin typeface="+mn-lt"/>
           <a:ea typeface="+mn-ea"/>
           <a:cs typeface="+mn-cs"/>
         </a:defRPr>
       </a:lvl3pPr>
-      <a:lvl4pPr marL="1600200" indent="-228600" algn="l" defTabSz="914400" rtl="0" eaLnBrk="1" latinLnBrk="0" hangingPunct="1">
+      <a:lvl4pPr marL="1005840" indent="-182880" algn="l" defTabSz="914400" rtl="0" eaLnBrk="1" latinLnBrk="0" hangingPunct="1">
         <a:lnSpc>
           <a:spcPct val="90000"/>
         </a:lnSpc>
         <a:spcBef>
-          <a:spcPts val="500"/>
+          <a:spcPts val="300"/>
         </a:spcBef>
-        <a:buFont typeface="Arial" panose="020B0604020202020204" pitchFamily="34" charset="0"/>
-        <a:buChar char="•"/>
-        <a:defRPr sz="1800" kern="1200">
+        <a:spcAft>
+          <a:spcPts val="300"/>
+        </a:spcAft>
+        <a:buClr>
+          <a:schemeClr val="accent1"/>
+        </a:buClr>
+        <a:buFont typeface="Wingdings 2" pitchFamily="18" charset="2"/>
+        <a:buChar char=""/>
+        <a:defRPr sz="1400" kern="1200">
           <a:solidFill>
-            <a:schemeClr val="tx1"/>
+            <a:schemeClr val="tx1">
+              <a:lumMod val="85000"/>
+              <a:lumOff val="15000"/>
+            </a:schemeClr>
           </a:solidFill>
           <a:latin typeface="+mn-lt"/>
           <a:ea typeface="+mn-ea"/>
           <a:cs typeface="+mn-cs"/>
         </a:defRPr>
       </a:lvl4pPr>
-      <a:lvl5pPr marL="2057400" indent="-228600" algn="l" defTabSz="914400" rtl="0" eaLnBrk="1" latinLnBrk="0" hangingPunct="1">
+      <a:lvl5pPr marL="1280160" indent="-182880" algn="l" defTabSz="914400" rtl="0" eaLnBrk="1" latinLnBrk="0" hangingPunct="1">
         <a:lnSpc>
           <a:spcPct val="90000"/>
         </a:lnSpc>
         <a:spcBef>
-          <a:spcPts val="500"/>
+          <a:spcPts val="300"/>
         </a:spcBef>
-        <a:buFont typeface="Arial" panose="020B0604020202020204" pitchFamily="34" charset="0"/>
-        <a:buChar char="•"/>
-        <a:defRPr sz="1800" kern="1200">
+        <a:spcAft>
+          <a:spcPts val="300"/>
+        </a:spcAft>
+        <a:buClr>
+          <a:schemeClr val="accent1"/>
+        </a:buClr>
+        <a:buFont typeface="Wingdings 2" pitchFamily="18" charset="2"/>
+        <a:buChar char=""/>
+        <a:defRPr sz="1400" kern="1200">
           <a:solidFill>
-            <a:schemeClr val="tx1"/>
+            <a:schemeClr val="tx1">
+              <a:lumMod val="85000"/>
+              <a:lumOff val="15000"/>
+            </a:schemeClr>
           </a:solidFill>
           <a:latin typeface="+mn-lt"/>
           <a:ea typeface="+mn-ea"/>
           <a:cs typeface="+mn-cs"/>
         </a:defRPr>
       </a:lvl5pPr>
-      <a:lvl6pPr marL="2514600" indent="-228600" algn="l" defTabSz="914400" rtl="0" eaLnBrk="1" latinLnBrk="0" hangingPunct="1">
+      <a:lvl6pPr marL="1600000" indent="-228600" algn="l" defTabSz="914400" rtl="0" eaLnBrk="1" latinLnBrk="0" hangingPunct="1">
         <a:lnSpc>
           <a:spcPct val="90000"/>
         </a:lnSpc>
         <a:spcBef>
-          <a:spcPts val="500"/>
+          <a:spcPts val="300"/>
         </a:spcBef>
-        <a:buFont typeface="Arial" panose="020B0604020202020204" pitchFamily="34" charset="0"/>
-        <a:buChar char="•"/>
-        <a:defRPr sz="1800" kern="1200">
+        <a:spcAft>
+          <a:spcPts val="300"/>
+        </a:spcAft>
+        <a:buClr>
+          <a:schemeClr val="accent1"/>
+        </a:buClr>
+        <a:buFont typeface="Wingdings 2" pitchFamily="18" charset="2"/>
+        <a:buChar char=""/>
+        <a:defRPr sz="1400" kern="1200">
           <a:solidFill>
-            <a:schemeClr val="tx1"/>
+            <a:schemeClr val="tx1">
+              <a:lumMod val="85000"/>
+              <a:lumOff val="15000"/>
+            </a:schemeClr>
           </a:solidFill>
           <a:latin typeface="+mn-lt"/>
           <a:ea typeface="+mn-ea"/>
           <a:cs typeface="+mn-cs"/>
         </a:defRPr>
       </a:lvl6pPr>
-      <a:lvl7pPr marL="2971800" indent="-228600" algn="l" defTabSz="914400" rtl="0" eaLnBrk="1" latinLnBrk="0" hangingPunct="1">
+      <a:lvl7pPr marL="1900000" indent="-228600" algn="l" defTabSz="914400" rtl="0" eaLnBrk="1" latinLnBrk="0" hangingPunct="1">
         <a:lnSpc>
           <a:spcPct val="90000"/>
         </a:lnSpc>
         <a:spcBef>
-          <a:spcPts val="500"/>
+          <a:spcPts val="300"/>
         </a:spcBef>
-        <a:buFont typeface="Arial" panose="020B0604020202020204" pitchFamily="34" charset="0"/>
-        <a:buChar char="•"/>
-        <a:defRPr sz="1800" kern="1200">
+        <a:spcAft>
+          <a:spcPts val="300"/>
+        </a:spcAft>
+        <a:buClr>
+          <a:schemeClr val="accent1"/>
+        </a:buClr>
+        <a:buFont typeface="Wingdings 2" pitchFamily="18" charset="2"/>
+        <a:buChar char=""/>
+        <a:defRPr sz="1400" kern="1200">
           <a:solidFill>
-            <a:schemeClr val="tx1"/>
+            <a:schemeClr val="tx1">
+              <a:lumMod val="85000"/>
+              <a:lumOff val="15000"/>
+            </a:schemeClr>
           </a:solidFill>
           <a:latin typeface="+mn-lt"/>
           <a:ea typeface="+mn-ea"/>
           <a:cs typeface="+mn-cs"/>
         </a:defRPr>
       </a:lvl7pPr>
-      <a:lvl8pPr marL="3429000" indent="-228600" algn="l" defTabSz="914400" rtl="0" eaLnBrk="1" latinLnBrk="0" hangingPunct="1">
+      <a:lvl8pPr marL="2200000" indent="-228600" algn="l" defTabSz="914400" rtl="0" eaLnBrk="1" latinLnBrk="0" hangingPunct="1">
         <a:lnSpc>
           <a:spcPct val="90000"/>
         </a:lnSpc>
         <a:spcBef>
-          <a:spcPts val="500"/>
+          <a:spcPts val="300"/>
         </a:spcBef>
-        <a:buFont typeface="Arial" panose="020B0604020202020204" pitchFamily="34" charset="0"/>
-        <a:buChar char="•"/>
-        <a:defRPr sz="1800" kern="1200">
+        <a:spcAft>
+          <a:spcPts val="300"/>
+        </a:spcAft>
+        <a:buClr>
+          <a:schemeClr val="accent1"/>
+        </a:buClr>
+        <a:buFont typeface="Wingdings 2" pitchFamily="18" charset="2"/>
+        <a:buChar char=""/>
+        <a:defRPr sz="1400" kern="1200">
           <a:solidFill>
-            <a:schemeClr val="tx1"/>
+            <a:schemeClr val="tx1">
+              <a:lumMod val="85000"/>
+              <a:lumOff val="15000"/>
+            </a:schemeClr>
           </a:solidFill>
           <a:latin typeface="+mn-lt"/>
           <a:ea typeface="+mn-ea"/>
           <a:cs typeface="+mn-cs"/>
         </a:defRPr>
       </a:lvl8pPr>
-      <a:lvl9pPr marL="3886200" indent="-228600" algn="l" defTabSz="914400" rtl="0" eaLnBrk="1" latinLnBrk="0" hangingPunct="1">
+      <a:lvl9pPr marL="2500000" indent="-228600" algn="l" defTabSz="914400" rtl="0" eaLnBrk="1" latinLnBrk="0" hangingPunct="1">
         <a:lnSpc>
           <a:spcPct val="90000"/>
         </a:lnSpc>
         <a:spcBef>
-          <a:spcPts val="500"/>
+          <a:spcPts val="300"/>
         </a:spcBef>
-        <a:buFont typeface="Arial" panose="020B0604020202020204" pitchFamily="34" charset="0"/>
-        <a:buChar char="•"/>
-        <a:defRPr sz="1800" kern="1200">
+        <a:spcAft>
+          <a:spcPts val="300"/>
+        </a:spcAft>
+        <a:buClr>
+          <a:schemeClr val="accent1"/>
+        </a:buClr>
+        <a:buFont typeface="Wingdings 2" pitchFamily="18" charset="2"/>
+        <a:buChar char=""/>
+        <a:defRPr sz="1400" kern="1200">
           <a:solidFill>
-            <a:schemeClr val="tx1"/>
+            <a:schemeClr val="tx1">
+              <a:lumMod val="85000"/>
+              <a:lumOff val="15000"/>
+            </a:schemeClr>
           </a:solidFill>
           <a:latin typeface="+mn-lt"/>
           <a:ea typeface="+mn-ea"/>
@@ -3373,7 +4086,10 @@
           <a:bodyPr/>
           <a:lstStyle/>
           <a:p>
-            <a:endParaRPr lang="en-US"/>
+            <a:r>
+              <a:rPr lang="en-US" dirty="0"/>
+              <a:t>03/02</a:t>
+            </a:r>
           </a:p>
         </p:txBody>
       </p:sp>
@@ -3381,6 +4097,844 @@
     <p:extLst>
       <p:ext uri="{BB962C8B-B14F-4D97-AF65-F5344CB8AC3E}">
         <p14:creationId xmlns:p14="http://schemas.microsoft.com/office/powerpoint/2010/main" val="1511095381"/>
+      </p:ext>
+    </p:extLst>
+  </p:cSld>
+  <p:clrMapOvr>
+    <a:masterClrMapping/>
+  </p:clrMapOvr>
+</p:sld>
+</file>
+
+<file path=ppt/slides/slide10.xml><?xml version="1.0" encoding="utf-8"?>
+<p:sld xmlns:a="http://schemas.openxmlformats.org/drawingml/2006/main" xmlns:r="http://schemas.openxmlformats.org/officeDocument/2006/relationships" xmlns:p="http://schemas.openxmlformats.org/presentationml/2006/main">
+  <p:cSld>
+    <p:spTree>
+      <p:nvGrpSpPr>
+        <p:cNvPr id="1" name=""/>
+        <p:cNvGrpSpPr/>
+        <p:nvPr/>
+      </p:nvGrpSpPr>
+      <p:grpSpPr>
+        <a:xfrm>
+          <a:off x="0" y="0"/>
+          <a:ext cx="0" cy="0"/>
+          <a:chOff x="0" y="0"/>
+          <a:chExt cx="0" cy="0"/>
+        </a:xfrm>
+      </p:grpSpPr>
+      <p:sp>
+        <p:nvSpPr>
+          <p:cNvPr id="2" name="Title 1">
+            <a:extLst>
+              <a:ext uri="{FF2B5EF4-FFF2-40B4-BE49-F238E27FC236}">
+                <a16:creationId xmlns:a16="http://schemas.microsoft.com/office/drawing/2014/main" id="{E1F00E56-120B-4A4E-A6D3-BC5F2399463E}"/>
+              </a:ext>
+            </a:extLst>
+          </p:cNvPr>
+          <p:cNvSpPr>
+            <a:spLocks noGrp="1"/>
+          </p:cNvSpPr>
+          <p:nvPr>
+            <p:ph type="title"/>
+          </p:nvPr>
+        </p:nvSpPr>
+        <p:spPr/>
+        <p:txBody>
+          <a:bodyPr/>
+          <a:lstStyle/>
+          <a:p>
+            <a:r>
+              <a:rPr lang="zh-CN" altLang="en-US" dirty="0"/>
+              <a:t>设备跟踪</a:t>
+            </a:r>
+            <a:endParaRPr lang="en-US" dirty="0"/>
+          </a:p>
+        </p:txBody>
+      </p:sp>
+      <p:sp>
+        <p:nvSpPr>
+          <p:cNvPr id="3" name="Content Placeholder 2">
+            <a:extLst>
+              <a:ext uri="{FF2B5EF4-FFF2-40B4-BE49-F238E27FC236}">
+                <a16:creationId xmlns:a16="http://schemas.microsoft.com/office/drawing/2014/main" id="{806387B2-BAB7-4866-AC4B-7CCF8984CB18}"/>
+              </a:ext>
+            </a:extLst>
+          </p:cNvPr>
+          <p:cNvSpPr>
+            <a:spLocks noGrp="1"/>
+          </p:cNvSpPr>
+          <p:nvPr>
+            <p:ph idx="1"/>
+          </p:nvPr>
+        </p:nvSpPr>
+        <p:spPr/>
+        <p:txBody>
+          <a:bodyPr/>
+          <a:lstStyle/>
+          <a:p>
+            <a:r>
+              <a:rPr lang="zh-CN" altLang="en-US" dirty="0"/>
+              <a:t>同一个接入互联网中的设备的</a:t>
+            </a:r>
+            <a:r>
+              <a:rPr lang="en-US" altLang="zh-CN" dirty="0"/>
+              <a:t>IP</a:t>
+            </a:r>
+            <a:r>
+              <a:rPr lang="zh-CN" altLang="en-US" dirty="0"/>
+              <a:t>地址和证书会不断更新，我们能否通过对证书的分析，得出某个设备的所有证书，以得到设备的实时</a:t>
+            </a:r>
+            <a:r>
+              <a:rPr lang="en-US" altLang="zh-CN" dirty="0"/>
+              <a:t>IP</a:t>
+            </a:r>
+            <a:r>
+              <a:rPr lang="zh-CN" altLang="en-US" dirty="0"/>
+              <a:t>地址？</a:t>
+            </a:r>
+            <a:endParaRPr lang="en-US" dirty="0"/>
+          </a:p>
+        </p:txBody>
+      </p:sp>
+    </p:spTree>
+    <p:extLst>
+      <p:ext uri="{BB962C8B-B14F-4D97-AF65-F5344CB8AC3E}">
+        <p14:creationId xmlns:p14="http://schemas.microsoft.com/office/powerpoint/2010/main" val="2768145128"/>
+      </p:ext>
+    </p:extLst>
+  </p:cSld>
+  <p:clrMapOvr>
+    <a:masterClrMapping/>
+  </p:clrMapOvr>
+</p:sld>
+</file>
+
+<file path=ppt/slides/slide11.xml><?xml version="1.0" encoding="utf-8"?>
+<p:sld xmlns:a="http://schemas.openxmlformats.org/drawingml/2006/main" xmlns:r="http://schemas.openxmlformats.org/officeDocument/2006/relationships" xmlns:p="http://schemas.openxmlformats.org/presentationml/2006/main">
+  <p:cSld>
+    <p:spTree>
+      <p:nvGrpSpPr>
+        <p:cNvPr id="1" name=""/>
+        <p:cNvGrpSpPr/>
+        <p:nvPr/>
+      </p:nvGrpSpPr>
+      <p:grpSpPr>
+        <a:xfrm>
+          <a:off x="0" y="0"/>
+          <a:ext cx="0" cy="0"/>
+          <a:chOff x="0" y="0"/>
+          <a:chExt cx="0" cy="0"/>
+        </a:xfrm>
+      </p:grpSpPr>
+      <p:sp>
+        <p:nvSpPr>
+          <p:cNvPr id="2" name="Title 1">
+            <a:extLst>
+              <a:ext uri="{FF2B5EF4-FFF2-40B4-BE49-F238E27FC236}">
+                <a16:creationId xmlns:a16="http://schemas.microsoft.com/office/drawing/2014/main" id="{C1DB552D-1B28-44B4-A16A-80CB3D063977}"/>
+              </a:ext>
+            </a:extLst>
+          </p:cNvPr>
+          <p:cNvSpPr>
+            <a:spLocks noGrp="1"/>
+          </p:cNvSpPr>
+          <p:nvPr>
+            <p:ph type="title"/>
+          </p:nvPr>
+        </p:nvSpPr>
+        <p:spPr/>
+        <p:txBody>
+          <a:bodyPr/>
+          <a:lstStyle/>
+          <a:p>
+            <a:r>
+              <a:rPr lang="zh-CN" altLang="en-US" dirty="0"/>
+              <a:t>网站跟踪</a:t>
+            </a:r>
+            <a:endParaRPr lang="en-US" dirty="0"/>
+          </a:p>
+        </p:txBody>
+      </p:sp>
+      <p:sp>
+        <p:nvSpPr>
+          <p:cNvPr id="3" name="Content Placeholder 2">
+            <a:extLst>
+              <a:ext uri="{FF2B5EF4-FFF2-40B4-BE49-F238E27FC236}">
+                <a16:creationId xmlns:a16="http://schemas.microsoft.com/office/drawing/2014/main" id="{85443041-2873-4FBE-92AD-EAA1759B82ED}"/>
+              </a:ext>
+            </a:extLst>
+          </p:cNvPr>
+          <p:cNvSpPr>
+            <a:spLocks noGrp="1"/>
+          </p:cNvSpPr>
+          <p:nvPr>
+            <p:ph idx="1"/>
+          </p:nvPr>
+        </p:nvSpPr>
+        <p:spPr/>
+        <p:txBody>
+          <a:bodyPr>
+            <a:normAutofit/>
+          </a:bodyPr>
+          <a:lstStyle/>
+          <a:p>
+            <a:r>
+              <a:rPr lang="zh-CN" altLang="en-US" dirty="0"/>
+              <a:t>能否利用证书中的一些特点，跟踪（不法）网站的域名、</a:t>
+            </a:r>
+            <a:r>
+              <a:rPr lang="en-US" altLang="zh-CN" dirty="0"/>
+              <a:t>IP</a:t>
+            </a:r>
+            <a:r>
+              <a:rPr lang="zh-CN" altLang="en-US" dirty="0"/>
+              <a:t>、域名的管理者变化？</a:t>
+            </a:r>
+            <a:endParaRPr lang="en-US" altLang="zh-CN" dirty="0"/>
+          </a:p>
+          <a:p>
+            <a:r>
+              <a:rPr lang="zh-CN" altLang="en-US" dirty="0"/>
+              <a:t>比如</a:t>
+            </a:r>
+            <a:r>
+              <a:rPr lang="en-US" altLang="zh-CN" dirty="0"/>
+              <a:t>2000</a:t>
+            </a:r>
+            <a:r>
+              <a:rPr lang="zh-CN" altLang="en-US" dirty="0"/>
+              <a:t>年证书上面有</a:t>
+            </a:r>
+            <a:r>
+              <a:rPr lang="en-US" altLang="zh-CN" dirty="0"/>
+              <a:t>3</a:t>
+            </a:r>
+            <a:r>
+              <a:rPr lang="zh-CN" altLang="en-US" dirty="0"/>
+              <a:t>个域名，到了</a:t>
+            </a:r>
+            <a:r>
+              <a:rPr lang="en-US" altLang="zh-CN" dirty="0"/>
+              <a:t>2010</a:t>
+            </a:r>
+            <a:r>
+              <a:rPr lang="zh-CN" altLang="en-US" dirty="0"/>
+              <a:t>年证书上只有</a:t>
+            </a:r>
+            <a:r>
+              <a:rPr lang="en-US" altLang="zh-CN" dirty="0"/>
+              <a:t>2</a:t>
+            </a:r>
+            <a:r>
+              <a:rPr lang="zh-CN" altLang="en-US" dirty="0"/>
+              <a:t>个域名，有一个用了另外一张证书，这能否说明域名的管理者发生了变化？或者是机构把域名卖出去了</a:t>
+            </a:r>
+            <a:endParaRPr lang="en-US" altLang="zh-CN" dirty="0"/>
+          </a:p>
+          <a:p>
+            <a:r>
+              <a:rPr lang="zh-CN" altLang="en-US" dirty="0"/>
+              <a:t>挑战：</a:t>
+            </a:r>
+            <a:endParaRPr lang="en-US" altLang="zh-CN" dirty="0"/>
+          </a:p>
+          <a:p>
+            <a:r>
+              <a:rPr lang="en-US" altLang="zh-CN" dirty="0"/>
+              <a:t>1. </a:t>
+            </a:r>
+            <a:r>
+              <a:rPr lang="zh-CN" altLang="en-US" dirty="0"/>
+              <a:t>和设备跟踪类似，但不同的是，设备大多都是自签名，可以根据证书的有效时间和</a:t>
+            </a:r>
+            <a:r>
+              <a:rPr lang="en-US" altLang="zh-CN" dirty="0"/>
+              <a:t>IP</a:t>
+            </a:r>
+            <a:r>
+              <a:rPr lang="zh-CN" altLang="en-US" dirty="0"/>
+              <a:t>相似性跟踪，不法网站更换频繁，证书时间重叠多，域名、</a:t>
+            </a:r>
+            <a:r>
+              <a:rPr lang="en-US" altLang="zh-CN" dirty="0"/>
+              <a:t>IP</a:t>
+            </a:r>
+            <a:r>
+              <a:rPr lang="zh-CN" altLang="en-US" dirty="0"/>
+              <a:t>变化大，且一般不是自签名证书。</a:t>
+            </a:r>
+            <a:endParaRPr lang="en-US" altLang="zh-CN" dirty="0"/>
+          </a:p>
+          <a:p>
+            <a:r>
+              <a:rPr lang="en-US" altLang="zh-CN" dirty="0"/>
+              <a:t>2. CDN</a:t>
+            </a:r>
+            <a:r>
+              <a:rPr lang="zh-CN" altLang="en-US" dirty="0"/>
+              <a:t>的存在使得数据分析存在假阳</a:t>
+            </a:r>
+            <a:endParaRPr lang="en-US" altLang="zh-CN" dirty="0"/>
+          </a:p>
+          <a:p>
+            <a:endParaRPr lang="en-US" dirty="0"/>
+          </a:p>
+        </p:txBody>
+      </p:sp>
+    </p:spTree>
+    <p:extLst>
+      <p:ext uri="{BB962C8B-B14F-4D97-AF65-F5344CB8AC3E}">
+        <p14:creationId xmlns:p14="http://schemas.microsoft.com/office/powerpoint/2010/main" val="1756065616"/>
+      </p:ext>
+    </p:extLst>
+  </p:cSld>
+  <p:clrMapOvr>
+    <a:masterClrMapping/>
+  </p:clrMapOvr>
+</p:sld>
+</file>
+
+<file path=ppt/slides/slide12.xml><?xml version="1.0" encoding="utf-8"?>
+<p:sld xmlns:a="http://schemas.openxmlformats.org/drawingml/2006/main" xmlns:r="http://schemas.openxmlformats.org/officeDocument/2006/relationships" xmlns:p="http://schemas.openxmlformats.org/presentationml/2006/main">
+  <p:cSld>
+    <p:spTree>
+      <p:nvGrpSpPr>
+        <p:cNvPr id="1" name=""/>
+        <p:cNvGrpSpPr/>
+        <p:nvPr/>
+      </p:nvGrpSpPr>
+      <p:grpSpPr>
+        <a:xfrm>
+          <a:off x="0" y="0"/>
+          <a:ext cx="0" cy="0"/>
+          <a:chOff x="0" y="0"/>
+          <a:chExt cx="0" cy="0"/>
+        </a:xfrm>
+      </p:grpSpPr>
+      <p:sp>
+        <p:nvSpPr>
+          <p:cNvPr id="2" name="Title 1">
+            <a:extLst>
+              <a:ext uri="{FF2B5EF4-FFF2-40B4-BE49-F238E27FC236}">
+                <a16:creationId xmlns:a16="http://schemas.microsoft.com/office/drawing/2014/main" id="{C032AF06-F79B-4ED3-A2BD-4B95FED2AA37}"/>
+              </a:ext>
+            </a:extLst>
+          </p:cNvPr>
+          <p:cNvSpPr>
+            <a:spLocks noGrp="1"/>
+          </p:cNvSpPr>
+          <p:nvPr>
+            <p:ph type="title"/>
+          </p:nvPr>
+        </p:nvSpPr>
+        <p:spPr/>
+        <p:txBody>
+          <a:bodyPr/>
+          <a:lstStyle/>
+          <a:p>
+            <a:r>
+              <a:rPr lang="zh-CN" altLang="en-US" dirty="0"/>
+              <a:t>问题</a:t>
+            </a:r>
+            <a:r>
+              <a:rPr lang="en-US" altLang="zh-CN" dirty="0"/>
+              <a:t>2</a:t>
+            </a:r>
+            <a:r>
+              <a:rPr lang="zh-CN" altLang="en-US" dirty="0"/>
+              <a:t>：证书信息泄露</a:t>
+            </a:r>
+            <a:endParaRPr lang="en-US" dirty="0"/>
+          </a:p>
+        </p:txBody>
+      </p:sp>
+      <p:sp>
+        <p:nvSpPr>
+          <p:cNvPr id="3" name="Content Placeholder 2">
+            <a:extLst>
+              <a:ext uri="{FF2B5EF4-FFF2-40B4-BE49-F238E27FC236}">
+                <a16:creationId xmlns:a16="http://schemas.microsoft.com/office/drawing/2014/main" id="{78CB45D0-67EA-41EE-B16C-9B12E5D6E51D}"/>
+              </a:ext>
+            </a:extLst>
+          </p:cNvPr>
+          <p:cNvSpPr>
+            <a:spLocks noGrp="1"/>
+          </p:cNvSpPr>
+          <p:nvPr>
+            <p:ph idx="1"/>
+          </p:nvPr>
+        </p:nvSpPr>
+        <p:spPr/>
+        <p:txBody>
+          <a:bodyPr>
+            <a:normAutofit/>
+          </a:bodyPr>
+          <a:lstStyle/>
+          <a:p>
+            <a:r>
+              <a:rPr lang="zh-CN" altLang="en-US" dirty="0"/>
+              <a:t>如果拥有大量的证书（</a:t>
+            </a:r>
+            <a:r>
+              <a:rPr lang="en-US" altLang="zh-CN" dirty="0"/>
+              <a:t>CT</a:t>
+            </a:r>
+            <a:r>
+              <a:rPr lang="zh-CN" altLang="en-US" dirty="0"/>
+              <a:t>），会有哪些信息暴露？</a:t>
+            </a:r>
+            <a:endParaRPr lang="en-US" altLang="zh-CN" dirty="0"/>
+          </a:p>
+          <a:p>
+            <a:r>
+              <a:rPr lang="en-US" altLang="zh-CN" dirty="0"/>
+              <a:t>1. </a:t>
+            </a:r>
+            <a:r>
+              <a:rPr lang="zh-CN" altLang="en-US" dirty="0"/>
+              <a:t>子域名的泄露</a:t>
+            </a:r>
+          </a:p>
+          <a:p>
+            <a:r>
+              <a:rPr lang="en-US" altLang="zh-CN" dirty="0"/>
+              <a:t>2. </a:t>
+            </a:r>
+            <a:r>
+              <a:rPr lang="zh-CN" altLang="en-US" dirty="0"/>
+              <a:t>用户信息的泄露</a:t>
+            </a:r>
+            <a:endParaRPr lang="en-US" altLang="zh-CN" dirty="0"/>
+          </a:p>
+          <a:p>
+            <a:r>
+              <a:rPr lang="zh-CN" altLang="en-US" dirty="0"/>
+              <a:t>也是一个被研究的问题</a:t>
+            </a:r>
+            <a:endParaRPr lang="en-US" altLang="zh-CN" dirty="0"/>
+          </a:p>
+          <a:p>
+            <a:endParaRPr lang="en-US" altLang="zh-CN" dirty="0"/>
+          </a:p>
+        </p:txBody>
+      </p:sp>
+    </p:spTree>
+    <p:extLst>
+      <p:ext uri="{BB962C8B-B14F-4D97-AF65-F5344CB8AC3E}">
+        <p14:creationId xmlns:p14="http://schemas.microsoft.com/office/powerpoint/2010/main" val="262028827"/>
+      </p:ext>
+    </p:extLst>
+  </p:cSld>
+  <p:clrMapOvr>
+    <a:masterClrMapping/>
+  </p:clrMapOvr>
+</p:sld>
+</file>
+
+<file path=ppt/slides/slide13.xml><?xml version="1.0" encoding="utf-8"?>
+<p:sld xmlns:a="http://schemas.openxmlformats.org/drawingml/2006/main" xmlns:r="http://schemas.openxmlformats.org/officeDocument/2006/relationships" xmlns:p="http://schemas.openxmlformats.org/presentationml/2006/main">
+  <p:cSld>
+    <p:spTree>
+      <p:nvGrpSpPr>
+        <p:cNvPr id="1" name=""/>
+        <p:cNvGrpSpPr/>
+        <p:nvPr/>
+      </p:nvGrpSpPr>
+      <p:grpSpPr>
+        <a:xfrm>
+          <a:off x="0" y="0"/>
+          <a:ext cx="0" cy="0"/>
+          <a:chOff x="0" y="0"/>
+          <a:chExt cx="0" cy="0"/>
+        </a:xfrm>
+      </p:grpSpPr>
+      <p:sp>
+        <p:nvSpPr>
+          <p:cNvPr id="2" name="Title 1">
+            <a:extLst>
+              <a:ext uri="{FF2B5EF4-FFF2-40B4-BE49-F238E27FC236}">
+                <a16:creationId xmlns:a16="http://schemas.microsoft.com/office/drawing/2014/main" id="{3B4263A4-2BCC-45A9-9495-3F6E117A0AB1}"/>
+              </a:ext>
+            </a:extLst>
+          </p:cNvPr>
+          <p:cNvSpPr>
+            <a:spLocks noGrp="1"/>
+          </p:cNvSpPr>
+          <p:nvPr>
+            <p:ph type="title"/>
+          </p:nvPr>
+        </p:nvSpPr>
+        <p:spPr/>
+        <p:txBody>
+          <a:bodyPr/>
+          <a:lstStyle/>
+          <a:p>
+            <a:r>
+              <a:rPr lang="zh-CN" altLang="en-US" dirty="0"/>
+              <a:t>问题</a:t>
+            </a:r>
+            <a:r>
+              <a:rPr lang="en-US" altLang="zh-CN" dirty="0"/>
+              <a:t>3</a:t>
+            </a:r>
+            <a:r>
+              <a:rPr lang="zh-CN" altLang="en-US" dirty="0"/>
+              <a:t>：利用证书寻找信息关系映射</a:t>
+            </a:r>
+            <a:endParaRPr lang="en-US" dirty="0"/>
+          </a:p>
+        </p:txBody>
+      </p:sp>
+      <p:sp>
+        <p:nvSpPr>
+          <p:cNvPr id="3" name="Content Placeholder 2">
+            <a:extLst>
+              <a:ext uri="{FF2B5EF4-FFF2-40B4-BE49-F238E27FC236}">
+                <a16:creationId xmlns:a16="http://schemas.microsoft.com/office/drawing/2014/main" id="{5B451C52-0C5E-419E-BA43-A472C5482EF7}"/>
+              </a:ext>
+            </a:extLst>
+          </p:cNvPr>
+          <p:cNvSpPr>
+            <a:spLocks noGrp="1"/>
+          </p:cNvSpPr>
+          <p:nvPr>
+            <p:ph idx="1"/>
+          </p:nvPr>
+        </p:nvSpPr>
+        <p:spPr/>
+        <p:txBody>
+          <a:bodyPr>
+            <a:normAutofit/>
+          </a:bodyPr>
+          <a:lstStyle/>
+          <a:p>
+            <a:r>
+              <a:rPr lang="zh-CN" altLang="en-US" dirty="0"/>
+              <a:t>类型</a:t>
+            </a:r>
+            <a:r>
+              <a:rPr lang="en-US" altLang="zh-CN" dirty="0"/>
+              <a:t>1</a:t>
+            </a:r>
+            <a:r>
+              <a:rPr lang="zh-CN" altLang="en-US" dirty="0"/>
+              <a:t>：能否通过证书判断域名的组织关系？组织管理？</a:t>
+            </a:r>
+            <a:br>
+              <a:rPr lang="zh-CN" altLang="en-US" dirty="0"/>
+            </a:br>
+            <a:r>
+              <a:rPr lang="zh-CN" altLang="en-US" dirty="0"/>
+              <a:t>通过证书而不是</a:t>
+            </a:r>
+            <a:r>
+              <a:rPr lang="en-US" altLang="zh-CN" dirty="0" err="1"/>
+              <a:t>whois</a:t>
+            </a:r>
+            <a:r>
+              <a:rPr lang="zh-CN" altLang="en-US" dirty="0"/>
+              <a:t>来判断组织关系</a:t>
+            </a:r>
+            <a:endParaRPr lang="en-US" altLang="zh-CN" dirty="0"/>
+          </a:p>
+          <a:p>
+            <a:endParaRPr lang="zh-CN" altLang="en-US" dirty="0"/>
+          </a:p>
+          <a:p>
+            <a:r>
+              <a:rPr lang="zh-CN" altLang="en-US" dirty="0"/>
+              <a:t>类型</a:t>
+            </a:r>
+            <a:r>
+              <a:rPr lang="en-US" altLang="zh-CN" dirty="0"/>
+              <a:t>2</a:t>
+            </a:r>
+            <a:r>
+              <a:rPr lang="zh-CN" altLang="en-US" dirty="0"/>
+              <a:t>：能否利用证书和域名信息协助</a:t>
+            </a:r>
+            <a:r>
+              <a:rPr lang="en-US" altLang="zh-CN" dirty="0"/>
+              <a:t>IP-</a:t>
+            </a:r>
+            <a:r>
+              <a:rPr lang="zh-CN" altLang="en-US" dirty="0"/>
+              <a:t>地理定位？</a:t>
+            </a:r>
+            <a:endParaRPr lang="en-US" altLang="zh-CN" dirty="0"/>
+          </a:p>
+          <a:p>
+            <a:r>
+              <a:rPr lang="zh-CN" altLang="en-US" dirty="0"/>
+              <a:t>证书能否暴露你的当前物理地址？</a:t>
+            </a:r>
+            <a:endParaRPr lang="en-US" altLang="zh-CN" dirty="0"/>
+          </a:p>
+          <a:p>
+            <a:r>
+              <a:rPr lang="zh-CN" altLang="en-US" dirty="0"/>
+              <a:t>难点：</a:t>
+            </a:r>
+            <a:r>
+              <a:rPr lang="en-US" altLang="zh-CN" dirty="0"/>
+              <a:t>1. CDN</a:t>
+            </a:r>
+            <a:r>
+              <a:rPr lang="zh-CN" altLang="en-US" dirty="0"/>
+              <a:t>，</a:t>
+            </a:r>
+            <a:r>
+              <a:rPr lang="en-US" altLang="zh-CN" dirty="0"/>
+              <a:t>2. </a:t>
+            </a:r>
+            <a:r>
+              <a:rPr lang="zh-CN" altLang="en-US" dirty="0"/>
+              <a:t>如何寻找与已知的</a:t>
+            </a:r>
+            <a:r>
+              <a:rPr lang="en-US" altLang="zh-CN" dirty="0"/>
+              <a:t>IP-map</a:t>
+            </a:r>
+            <a:r>
+              <a:rPr lang="zh-CN" altLang="en-US" dirty="0"/>
+              <a:t>的关系，</a:t>
+            </a:r>
+            <a:r>
+              <a:rPr lang="en-US" altLang="zh-CN" dirty="0"/>
+              <a:t>3. </a:t>
+            </a:r>
+            <a:r>
+              <a:rPr lang="zh-CN" altLang="en-US" dirty="0"/>
+              <a:t>不支持</a:t>
+            </a:r>
+            <a:r>
+              <a:rPr lang="en-US" altLang="zh-CN" dirty="0"/>
+              <a:t>https</a:t>
+            </a:r>
+            <a:r>
+              <a:rPr lang="zh-CN" altLang="en-US" dirty="0"/>
+              <a:t>，没有部署证书</a:t>
+            </a:r>
+            <a:endParaRPr lang="en-US" altLang="zh-CN" dirty="0"/>
+          </a:p>
+          <a:p>
+            <a:endParaRPr lang="en-US" altLang="zh-CN" dirty="0"/>
+          </a:p>
+        </p:txBody>
+      </p:sp>
+    </p:spTree>
+    <p:extLst>
+      <p:ext uri="{BB962C8B-B14F-4D97-AF65-F5344CB8AC3E}">
+        <p14:creationId xmlns:p14="http://schemas.microsoft.com/office/powerpoint/2010/main" val="2698041667"/>
+      </p:ext>
+    </p:extLst>
+  </p:cSld>
+  <p:clrMapOvr>
+    <a:masterClrMapping/>
+  </p:clrMapOvr>
+</p:sld>
+</file>
+
+<file path=ppt/slides/slide14.xml><?xml version="1.0" encoding="utf-8"?>
+<p:sld xmlns:a="http://schemas.openxmlformats.org/drawingml/2006/main" xmlns:r="http://schemas.openxmlformats.org/officeDocument/2006/relationships" xmlns:p="http://schemas.openxmlformats.org/presentationml/2006/main">
+  <p:cSld>
+    <p:spTree>
+      <p:nvGrpSpPr>
+        <p:cNvPr id="1" name=""/>
+        <p:cNvGrpSpPr/>
+        <p:nvPr/>
+      </p:nvGrpSpPr>
+      <p:grpSpPr>
+        <a:xfrm>
+          <a:off x="0" y="0"/>
+          <a:ext cx="0" cy="0"/>
+          <a:chOff x="0" y="0"/>
+          <a:chExt cx="0" cy="0"/>
+        </a:xfrm>
+      </p:grpSpPr>
+      <p:sp>
+        <p:nvSpPr>
+          <p:cNvPr id="2" name="Title 1">
+            <a:extLst>
+              <a:ext uri="{FF2B5EF4-FFF2-40B4-BE49-F238E27FC236}">
+                <a16:creationId xmlns:a16="http://schemas.microsoft.com/office/drawing/2014/main" id="{774A2600-AC75-425C-B76A-246F9E27AD56}"/>
+              </a:ext>
+            </a:extLst>
+          </p:cNvPr>
+          <p:cNvSpPr>
+            <a:spLocks noGrp="1"/>
+          </p:cNvSpPr>
+          <p:nvPr>
+            <p:ph type="title"/>
+          </p:nvPr>
+        </p:nvSpPr>
+        <p:spPr/>
+        <p:txBody>
+          <a:bodyPr/>
+          <a:lstStyle/>
+          <a:p>
+            <a:r>
+              <a:rPr lang="zh-CN" altLang="en-US" dirty="0"/>
+              <a:t>问题</a:t>
+            </a:r>
+            <a:r>
+              <a:rPr lang="en-US" altLang="zh-CN" dirty="0"/>
+              <a:t>4</a:t>
+            </a:r>
+            <a:r>
+              <a:rPr lang="zh-CN" altLang="en-US" dirty="0"/>
+              <a:t>：证书与子域名攻击检测</a:t>
+            </a:r>
+            <a:endParaRPr lang="en-US" dirty="0"/>
+          </a:p>
+        </p:txBody>
+      </p:sp>
+      <p:sp>
+        <p:nvSpPr>
+          <p:cNvPr id="3" name="Content Placeholder 2">
+            <a:extLst>
+              <a:ext uri="{FF2B5EF4-FFF2-40B4-BE49-F238E27FC236}">
+                <a16:creationId xmlns:a16="http://schemas.microsoft.com/office/drawing/2014/main" id="{6CA0BEE2-13EB-4D6B-89B3-4C08CDD9B604}"/>
+              </a:ext>
+            </a:extLst>
+          </p:cNvPr>
+          <p:cNvSpPr>
+            <a:spLocks noGrp="1"/>
+          </p:cNvSpPr>
+          <p:nvPr>
+            <p:ph idx="1"/>
+          </p:nvPr>
+        </p:nvSpPr>
+        <p:spPr/>
+        <p:txBody>
+          <a:bodyPr/>
+          <a:lstStyle/>
+          <a:p>
+            <a:r>
+              <a:rPr lang="zh-CN" altLang="en-US" dirty="0"/>
+              <a:t>同一个逻辑区域的证书：</a:t>
+            </a:r>
+          </a:p>
+          <a:p>
+            <a:pPr>
+              <a:buFont typeface="+mj-lt"/>
+              <a:buAutoNum type="arabicPeriod"/>
+            </a:pPr>
+            <a:r>
+              <a:rPr lang="zh-CN" altLang="en-US" dirty="0"/>
+              <a:t>子域名的证书是否相同？如果不同，是否是出现了子域名的接管漏洞、子域名劫持漏洞？</a:t>
+            </a:r>
+          </a:p>
+          <a:p>
+            <a:pPr>
+              <a:buFont typeface="+mj-lt"/>
+              <a:buAutoNum type="arabicPeriod"/>
+            </a:pPr>
+            <a:r>
+              <a:rPr lang="zh-CN" altLang="en-US" dirty="0"/>
+              <a:t>同一个域名下的子域名应该如何去应用证书？</a:t>
+            </a:r>
+          </a:p>
+          <a:p>
+            <a:pPr>
+              <a:buFont typeface="+mj-lt"/>
+              <a:buAutoNum type="arabicPeriod"/>
+            </a:pPr>
+            <a:r>
+              <a:rPr lang="zh-CN" altLang="en-US" dirty="0"/>
+              <a:t>怎么判断这种情况的出现？</a:t>
+            </a:r>
+          </a:p>
+          <a:p>
+            <a:endParaRPr lang="en-US" dirty="0"/>
+          </a:p>
+        </p:txBody>
+      </p:sp>
+    </p:spTree>
+    <p:extLst>
+      <p:ext uri="{BB962C8B-B14F-4D97-AF65-F5344CB8AC3E}">
+        <p14:creationId xmlns:p14="http://schemas.microsoft.com/office/powerpoint/2010/main" val="2967398755"/>
+      </p:ext>
+    </p:extLst>
+  </p:cSld>
+  <p:clrMapOvr>
+    <a:masterClrMapping/>
+  </p:clrMapOvr>
+</p:sld>
+</file>
+
+<file path=ppt/slides/slide15.xml><?xml version="1.0" encoding="utf-8"?>
+<p:sld xmlns:a="http://schemas.openxmlformats.org/drawingml/2006/main" xmlns:r="http://schemas.openxmlformats.org/officeDocument/2006/relationships" xmlns:p="http://schemas.openxmlformats.org/presentationml/2006/main">
+  <p:cSld>
+    <p:spTree>
+      <p:nvGrpSpPr>
+        <p:cNvPr id="1" name=""/>
+        <p:cNvGrpSpPr/>
+        <p:nvPr/>
+      </p:nvGrpSpPr>
+      <p:grpSpPr>
+        <a:xfrm>
+          <a:off x="0" y="0"/>
+          <a:ext cx="0" cy="0"/>
+          <a:chOff x="0" y="0"/>
+          <a:chExt cx="0" cy="0"/>
+        </a:xfrm>
+      </p:grpSpPr>
+      <p:sp>
+        <p:nvSpPr>
+          <p:cNvPr id="2" name="Title 1">
+            <a:extLst>
+              <a:ext uri="{FF2B5EF4-FFF2-40B4-BE49-F238E27FC236}">
+                <a16:creationId xmlns:a16="http://schemas.microsoft.com/office/drawing/2014/main" id="{E320996B-F52D-4C93-A65A-03FC948F00F7}"/>
+              </a:ext>
+            </a:extLst>
+          </p:cNvPr>
+          <p:cNvSpPr>
+            <a:spLocks noGrp="1"/>
+          </p:cNvSpPr>
+          <p:nvPr>
+            <p:ph type="title"/>
+          </p:nvPr>
+        </p:nvSpPr>
+        <p:spPr/>
+        <p:txBody>
+          <a:bodyPr/>
+          <a:lstStyle/>
+          <a:p>
+            <a:endParaRPr lang="en-US"/>
+          </a:p>
+        </p:txBody>
+      </p:sp>
+      <p:sp>
+        <p:nvSpPr>
+          <p:cNvPr id="3" name="Content Placeholder 2">
+            <a:extLst>
+              <a:ext uri="{FF2B5EF4-FFF2-40B4-BE49-F238E27FC236}">
+                <a16:creationId xmlns:a16="http://schemas.microsoft.com/office/drawing/2014/main" id="{C848D6A5-FEB9-4A76-9BCC-2E4521E8AE3A}"/>
+              </a:ext>
+            </a:extLst>
+          </p:cNvPr>
+          <p:cNvSpPr>
+            <a:spLocks noGrp="1"/>
+          </p:cNvSpPr>
+          <p:nvPr>
+            <p:ph idx="1"/>
+          </p:nvPr>
+        </p:nvSpPr>
+        <p:spPr/>
+        <p:txBody>
+          <a:bodyPr/>
+          <a:lstStyle/>
+          <a:p>
+            <a:endParaRPr lang="en-US"/>
+          </a:p>
+        </p:txBody>
+      </p:sp>
+    </p:spTree>
+    <p:extLst>
+      <p:ext uri="{BB962C8B-B14F-4D97-AF65-F5344CB8AC3E}">
+        <p14:creationId xmlns:p14="http://schemas.microsoft.com/office/powerpoint/2010/main" val="1803056372"/>
       </p:ext>
     </p:extLst>
   </p:cSld>
@@ -3412,7 +4966,7 @@
           <p:cNvPr id="2" name="Title 1">
             <a:extLst>
               <a:ext uri="{FF2B5EF4-FFF2-40B4-BE49-F238E27FC236}">
-                <a16:creationId xmlns:a16="http://schemas.microsoft.com/office/drawing/2014/main" id="{838DEC95-B50B-43B6-98E8-B575A09A3F5C}"/>
+                <a16:creationId xmlns:a16="http://schemas.microsoft.com/office/drawing/2014/main" id="{80B28458-CF44-4C3C-B807-5B452FF7A705}"/>
               </a:ext>
             </a:extLst>
           </p:cNvPr>
@@ -3430,7 +4984,7 @@
           <a:p>
             <a:r>
               <a:rPr lang="zh-CN" altLang="en-US" dirty="0"/>
-              <a:t>问题</a:t>
+              <a:t>类比引入</a:t>
             </a:r>
             <a:endParaRPr lang="en-US" dirty="0"/>
           </a:p>
@@ -3441,7 +4995,7 @@
           <p:cNvPr id="3" name="Content Placeholder 2">
             <a:extLst>
               <a:ext uri="{FF2B5EF4-FFF2-40B4-BE49-F238E27FC236}">
-                <a16:creationId xmlns:a16="http://schemas.microsoft.com/office/drawing/2014/main" id="{A5BC6961-0C61-48F1-B3B9-AF0D608C744F}"/>
+                <a16:creationId xmlns:a16="http://schemas.microsoft.com/office/drawing/2014/main" id="{5A4547A7-49C7-4C0D-9E40-3A35D80534C3}"/>
               </a:ext>
             </a:extLst>
           </p:cNvPr>
@@ -3459,28 +5013,7 @@
           <a:p>
             <a:r>
               <a:rPr lang="zh-CN" altLang="en-US" dirty="0"/>
-              <a:t>证书作为互联网中身份验证的载体，其究竟包含了多少信息？</a:t>
-            </a:r>
-            <a:endParaRPr lang="en-US" altLang="zh-CN" dirty="0"/>
-          </a:p>
-          <a:p>
-            <a:r>
-              <a:rPr lang="zh-CN" altLang="en-US" dirty="0"/>
-              <a:t>不光是证书本身的数据信息</a:t>
-            </a:r>
-            <a:endParaRPr lang="en-US" altLang="zh-CN" dirty="0"/>
-          </a:p>
-          <a:p>
-            <a:endParaRPr lang="en-US" dirty="0"/>
-          </a:p>
-          <a:p>
-            <a:r>
-              <a:rPr lang="en-US" altLang="zh-CN" dirty="0"/>
-              <a:t>PKI</a:t>
-            </a:r>
-            <a:r>
-              <a:rPr lang="zh-CN" altLang="en-US" dirty="0"/>
-              <a:t>中证书的关联方：</a:t>
+              <a:t>证书的本质是由</a:t>
             </a:r>
             <a:r>
               <a:rPr lang="en-US" altLang="zh-CN" dirty="0"/>
@@ -3488,30 +5021,30 @@
             </a:r>
             <a:r>
               <a:rPr lang="zh-CN" altLang="en-US" dirty="0"/>
-              <a:t>、网站、用户</a:t>
+              <a:t>签发的数字文档，用来绑定认证使用者身份与其使用的密钥</a:t>
             </a:r>
             <a:endParaRPr lang="en-US" altLang="zh-CN" dirty="0"/>
           </a:p>
           <a:p>
             <a:r>
               <a:rPr lang="zh-CN" altLang="en-US" dirty="0"/>
-              <a:t>证书能够反映出这些主体的什么信息</a:t>
+              <a:t>这就好比身份证，由政府机关签发，用来证明你的公民身份</a:t>
             </a:r>
             <a:endParaRPr lang="en-US" altLang="zh-CN" dirty="0"/>
           </a:p>
           <a:p>
             <a:r>
               <a:rPr lang="zh-CN" altLang="en-US" dirty="0"/>
-              <a:t>能否从中找出关联或者信息的跟踪</a:t>
-            </a:r>
-            <a:endParaRPr lang="en-US" dirty="0"/>
+              <a:t>不妨来做一下类比，将证书类比成身份证：</a:t>
+            </a:r>
+            <a:endParaRPr lang="en-US" altLang="zh-CN" dirty="0"/>
           </a:p>
         </p:txBody>
       </p:sp>
     </p:spTree>
     <p:extLst>
       <p:ext uri="{BB962C8B-B14F-4D97-AF65-F5344CB8AC3E}">
-        <p14:creationId xmlns:p14="http://schemas.microsoft.com/office/powerpoint/2010/main" val="1203042574"/>
+        <p14:creationId xmlns:p14="http://schemas.microsoft.com/office/powerpoint/2010/main" val="956418113"/>
       </p:ext>
     </p:extLst>
   </p:cSld>
@@ -3543,7 +5076,7 @@
           <p:cNvPr id="2" name="Title 1">
             <a:extLst>
               <a:ext uri="{FF2B5EF4-FFF2-40B4-BE49-F238E27FC236}">
-                <a16:creationId xmlns:a16="http://schemas.microsoft.com/office/drawing/2014/main" id="{F02C96C0-487E-4C04-9BE3-F62397E54034}"/>
+                <a16:creationId xmlns:a16="http://schemas.microsoft.com/office/drawing/2014/main" id="{DF65618A-2E31-42E6-A91C-4EDEC611B157}"/>
               </a:ext>
             </a:extLst>
           </p:cNvPr>
@@ -3559,7 +5092,11 @@
           <a:bodyPr/>
           <a:lstStyle/>
           <a:p>
-            <a:endParaRPr lang="en-US"/>
+            <a:r>
+              <a:rPr lang="zh-CN" altLang="en-US" dirty="0"/>
+              <a:t>类比项目</a:t>
+            </a:r>
+            <a:endParaRPr lang="en-US" dirty="0"/>
           </a:p>
         </p:txBody>
       </p:sp>
@@ -3568,7 +5105,7 @@
           <p:cNvPr id="3" name="Content Placeholder 2">
             <a:extLst>
               <a:ext uri="{FF2B5EF4-FFF2-40B4-BE49-F238E27FC236}">
-                <a16:creationId xmlns:a16="http://schemas.microsoft.com/office/drawing/2014/main" id="{854FD727-7564-42D1-87A6-65DF68396886}"/>
+                <a16:creationId xmlns:a16="http://schemas.microsoft.com/office/drawing/2014/main" id="{5A642B85-3106-4E2D-87E5-5747090CA1B6}"/>
               </a:ext>
             </a:extLst>
           </p:cNvPr>
@@ -3584,61 +5121,1504 @@
           <a:bodyPr/>
           <a:lstStyle/>
           <a:p>
-            <a:r>
-              <a:rPr lang="zh-CN" altLang="en-US" dirty="0"/>
-              <a:t>用户证书跟踪用户已经有了一些工作</a:t>
-            </a:r>
-            <a:endParaRPr lang="en-US" altLang="zh-CN" dirty="0"/>
-          </a:p>
-          <a:p>
-            <a:endParaRPr lang="en-US" dirty="0"/>
-          </a:p>
-          <a:p>
-            <a:r>
-              <a:rPr lang="zh-CN" altLang="en-US" dirty="0"/>
-              <a:t>对于</a:t>
-            </a:r>
-            <a:r>
-              <a:rPr lang="en-US" altLang="zh-CN" dirty="0"/>
-              <a:t>CT</a:t>
-            </a:r>
-            <a:r>
-              <a:rPr lang="zh-CN" altLang="en-US" dirty="0"/>
-              <a:t>中的信息暴露也有一些相关工作</a:t>
-            </a:r>
-            <a:endParaRPr lang="en-US" altLang="zh-CN" dirty="0"/>
-          </a:p>
-          <a:p>
-            <a:endParaRPr lang="en-US" dirty="0"/>
-          </a:p>
-          <a:p>
-            <a:r>
-              <a:rPr lang="zh-CN" altLang="en-US" dirty="0"/>
-              <a:t>但是基本没有看到利用证书反向分析（网站行为？）</a:t>
-            </a:r>
-            <a:endParaRPr lang="en-US" altLang="zh-CN" dirty="0"/>
-          </a:p>
-          <a:p>
-            <a:r>
-              <a:rPr lang="zh-CN" altLang="en-US" dirty="0"/>
-              <a:t>这里的网站行为不是指（或者不单单指）</a:t>
-            </a:r>
-            <a:r>
-              <a:rPr lang="en-US" altLang="zh-CN" dirty="0"/>
-              <a:t>TLS</a:t>
-            </a:r>
-            <a:r>
-              <a:rPr lang="zh-CN" altLang="en-US" dirty="0"/>
-              <a:t>配置或者证书的使用是否合规，而是更深入的东西。。。</a:t>
-            </a:r>
-            <a:endParaRPr lang="en-US" dirty="0"/>
-          </a:p>
-        </p:txBody>
-      </p:sp>
+            <a:endParaRPr lang="en-US"/>
+          </a:p>
+        </p:txBody>
+      </p:sp>
+      <p:graphicFrame>
+        <p:nvGraphicFramePr>
+          <p:cNvPr id="4" name="Table 4">
+            <a:extLst>
+              <a:ext uri="{FF2B5EF4-FFF2-40B4-BE49-F238E27FC236}">
+                <a16:creationId xmlns:a16="http://schemas.microsoft.com/office/drawing/2014/main" id="{774E66EF-9F4E-43CD-97A0-4394ECECBF80}"/>
+              </a:ext>
+            </a:extLst>
+          </p:cNvPr>
+          <p:cNvGraphicFramePr>
+            <a:graphicFrameLocks noGrp="1"/>
+          </p:cNvGraphicFramePr>
+          <p:nvPr>
+            <p:extLst>
+              <p:ext uri="{D42A27DB-BD31-4B8C-83A1-F6EECF244321}">
+                <p14:modId xmlns:p14="http://schemas.microsoft.com/office/powerpoint/2010/main" val="3390610357"/>
+              </p:ext>
+            </p:extLst>
+          </p:nvPr>
+        </p:nvGraphicFramePr>
+        <p:xfrm>
+          <a:off x="1495552" y="1828800"/>
+          <a:ext cx="8128000" cy="3869188"/>
+        </p:xfrm>
+        <a:graphic>
+          <a:graphicData uri="http://schemas.openxmlformats.org/drawingml/2006/table">
+            <a:tbl>
+              <a:tblPr firstRow="1" bandRow="1">
+                <a:tableStyleId>{5C22544A-7EE6-4342-B048-85BDC9FD1C3A}</a:tableStyleId>
+              </a:tblPr>
+              <a:tblGrid>
+                <a:gridCol w="4064000">
+                  <a:extLst>
+                    <a:ext uri="{9D8B030D-6E8A-4147-A177-3AD203B41FA5}">
+                      <a16:colId xmlns:a16="http://schemas.microsoft.com/office/drawing/2014/main" val="475976484"/>
+                    </a:ext>
+                  </a:extLst>
+                </a:gridCol>
+                <a:gridCol w="4064000">
+                  <a:extLst>
+                    <a:ext uri="{9D8B030D-6E8A-4147-A177-3AD203B41FA5}">
+                      <a16:colId xmlns:a16="http://schemas.microsoft.com/office/drawing/2014/main" val="1545751574"/>
+                    </a:ext>
+                  </a:extLst>
+                </a:gridCol>
+              </a:tblGrid>
+              <a:tr h="531628">
+                <a:tc>
+                  <a:txBody>
+                    <a:bodyPr/>
+                    <a:lstStyle/>
+                    <a:p>
+                      <a:pPr algn="ctr"/>
+                      <a:r>
+                        <a:rPr lang="zh-CN" altLang="en-US" dirty="0"/>
+                        <a:t>身份证</a:t>
+                      </a:r>
+                      <a:endParaRPr lang="en-US" dirty="0"/>
+                    </a:p>
+                  </a:txBody>
+                  <a:tcPr anchor="ctr"/>
+                </a:tc>
+                <a:tc>
+                  <a:txBody>
+                    <a:bodyPr/>
+                    <a:lstStyle/>
+                    <a:p>
+                      <a:pPr algn="ctr"/>
+                      <a:r>
+                        <a:rPr lang="zh-CN" altLang="en-US" dirty="0"/>
+                        <a:t>证书</a:t>
+                      </a:r>
+                      <a:endParaRPr lang="en-US" dirty="0"/>
+                    </a:p>
+                  </a:txBody>
+                  <a:tcPr anchor="ctr"/>
+                </a:tc>
+                <a:extLst>
+                  <a:ext uri="{0D108BD9-81ED-4DB2-BD59-A6C34878D82A}">
+                    <a16:rowId xmlns:a16="http://schemas.microsoft.com/office/drawing/2014/main" val="1080234308"/>
+                  </a:ext>
+                </a:extLst>
+              </a:tr>
+              <a:tr h="370840">
+                <a:tc>
+                  <a:txBody>
+                    <a:bodyPr/>
+                    <a:lstStyle/>
+                    <a:p>
+                      <a:pPr algn="ctr"/>
+                      <a:r>
+                        <a:rPr lang="zh-CN" altLang="en-US" dirty="0"/>
+                        <a:t>姓名</a:t>
+                      </a:r>
+                      <a:endParaRPr lang="en-US" dirty="0"/>
+                    </a:p>
+                  </a:txBody>
+                  <a:tcPr anchor="ctr"/>
+                </a:tc>
+                <a:tc>
+                  <a:txBody>
+                    <a:bodyPr/>
+                    <a:lstStyle/>
+                    <a:p>
+                      <a:pPr algn="ctr"/>
+                      <a:r>
+                        <a:rPr lang="zh-CN" altLang="en-US" dirty="0"/>
+                        <a:t>主体信息（域名）</a:t>
+                      </a:r>
+                      <a:endParaRPr lang="en-US" dirty="0"/>
+                    </a:p>
+                  </a:txBody>
+                  <a:tcPr anchor="ctr"/>
+                </a:tc>
+                <a:extLst>
+                  <a:ext uri="{0D108BD9-81ED-4DB2-BD59-A6C34878D82A}">
+                    <a16:rowId xmlns:a16="http://schemas.microsoft.com/office/drawing/2014/main" val="2816873086"/>
+                  </a:ext>
+                </a:extLst>
+              </a:tr>
+              <a:tr h="370840">
+                <a:tc>
+                  <a:txBody>
+                    <a:bodyPr/>
+                    <a:lstStyle/>
+                    <a:p>
+                      <a:pPr algn="ctr"/>
+                      <a:r>
+                        <a:rPr lang="zh-CN" altLang="en-US" dirty="0"/>
+                        <a:t>签发地</a:t>
+                      </a:r>
+                      <a:endParaRPr lang="en-US" dirty="0"/>
+                    </a:p>
+                  </a:txBody>
+                  <a:tcPr anchor="ctr"/>
+                </a:tc>
+                <a:tc>
+                  <a:txBody>
+                    <a:bodyPr/>
+                    <a:lstStyle/>
+                    <a:p>
+                      <a:pPr algn="ctr"/>
+                      <a:r>
+                        <a:rPr lang="zh-CN" altLang="en-US" dirty="0"/>
+                        <a:t>签发</a:t>
+                      </a:r>
+                      <a:r>
+                        <a:rPr lang="en-US" altLang="zh-CN" dirty="0"/>
+                        <a:t>CA</a:t>
+                      </a:r>
+                      <a:endParaRPr lang="en-US" dirty="0"/>
+                    </a:p>
+                  </a:txBody>
+                  <a:tcPr anchor="ctr"/>
+                </a:tc>
+                <a:extLst>
+                  <a:ext uri="{0D108BD9-81ED-4DB2-BD59-A6C34878D82A}">
+                    <a16:rowId xmlns:a16="http://schemas.microsoft.com/office/drawing/2014/main" val="4281271028"/>
+                  </a:ext>
+                </a:extLst>
+              </a:tr>
+              <a:tr h="370840">
+                <a:tc>
+                  <a:txBody>
+                    <a:bodyPr/>
+                    <a:lstStyle/>
+                    <a:p>
+                      <a:pPr algn="ctr"/>
+                      <a:r>
+                        <a:rPr lang="zh-CN" altLang="en-US" dirty="0"/>
+                        <a:t>身份证号</a:t>
+                      </a:r>
+                      <a:endParaRPr lang="en-US" dirty="0"/>
+                    </a:p>
+                  </a:txBody>
+                  <a:tcPr anchor="ctr"/>
+                </a:tc>
+                <a:tc>
+                  <a:txBody>
+                    <a:bodyPr/>
+                    <a:lstStyle/>
+                    <a:p>
+                      <a:pPr algn="ctr"/>
+                      <a:r>
+                        <a:rPr lang="zh-CN" altLang="en-US" dirty="0"/>
+                        <a:t>认定的公钥</a:t>
+                      </a:r>
+                      <a:endParaRPr lang="en-US" dirty="0"/>
+                    </a:p>
+                  </a:txBody>
+                  <a:tcPr anchor="ctr"/>
+                </a:tc>
+                <a:extLst>
+                  <a:ext uri="{0D108BD9-81ED-4DB2-BD59-A6C34878D82A}">
+                    <a16:rowId xmlns:a16="http://schemas.microsoft.com/office/drawing/2014/main" val="1955559519"/>
+                  </a:ext>
+                </a:extLst>
+              </a:tr>
+              <a:tr h="370840">
+                <a:tc>
+                  <a:txBody>
+                    <a:bodyPr/>
+                    <a:lstStyle/>
+                    <a:p>
+                      <a:pPr algn="ctr"/>
+                      <a:r>
+                        <a:rPr lang="zh-CN" altLang="en-US" dirty="0"/>
+                        <a:t>现居住地</a:t>
+                      </a:r>
+                      <a:endParaRPr lang="en-US" dirty="0"/>
+                    </a:p>
+                  </a:txBody>
+                  <a:tcPr anchor="ctr"/>
+                </a:tc>
+                <a:tc>
+                  <a:txBody>
+                    <a:bodyPr/>
+                    <a:lstStyle/>
+                    <a:p>
+                      <a:pPr algn="ctr"/>
+                      <a:r>
+                        <a:rPr lang="en-US" altLang="zh-CN" dirty="0"/>
+                        <a:t>——</a:t>
+                      </a:r>
+                      <a:endParaRPr lang="en-US" dirty="0"/>
+                    </a:p>
+                  </a:txBody>
+                  <a:tcPr anchor="ctr"/>
+                </a:tc>
+                <a:extLst>
+                  <a:ext uri="{0D108BD9-81ED-4DB2-BD59-A6C34878D82A}">
+                    <a16:rowId xmlns:a16="http://schemas.microsoft.com/office/drawing/2014/main" val="3955712228"/>
+                  </a:ext>
+                </a:extLst>
+              </a:tr>
+              <a:tr h="370840">
+                <a:tc>
+                  <a:txBody>
+                    <a:bodyPr/>
+                    <a:lstStyle/>
+                    <a:p>
+                      <a:pPr algn="ctr"/>
+                      <a:r>
+                        <a:rPr lang="zh-CN" altLang="en-US" dirty="0"/>
+                        <a:t>使用身份证的人</a:t>
+                      </a:r>
+                      <a:endParaRPr lang="en-US" dirty="0"/>
+                    </a:p>
+                  </a:txBody>
+                  <a:tcPr anchor="ctr"/>
+                </a:tc>
+                <a:tc>
+                  <a:txBody>
+                    <a:bodyPr/>
+                    <a:lstStyle/>
+                    <a:p>
+                      <a:pPr algn="ctr"/>
+                      <a:r>
+                        <a:rPr lang="zh-CN" altLang="en-US" dirty="0"/>
+                        <a:t>使用证书的网站或者设备</a:t>
+                      </a:r>
+                      <a:endParaRPr lang="en-US" dirty="0"/>
+                    </a:p>
+                  </a:txBody>
+                  <a:tcPr anchor="ctr"/>
+                </a:tc>
+                <a:extLst>
+                  <a:ext uri="{0D108BD9-81ED-4DB2-BD59-A6C34878D82A}">
+                    <a16:rowId xmlns:a16="http://schemas.microsoft.com/office/drawing/2014/main" val="2572351493"/>
+                  </a:ext>
+                </a:extLst>
+              </a:tr>
+              <a:tr h="370840">
+                <a:tc>
+                  <a:txBody>
+                    <a:bodyPr/>
+                    <a:lstStyle/>
+                    <a:p>
+                      <a:pPr algn="ctr"/>
+                      <a:r>
+                        <a:rPr lang="zh-CN" altLang="en-US" dirty="0"/>
+                        <a:t>身份信息数据库</a:t>
+                      </a:r>
+                      <a:endParaRPr lang="en-US" dirty="0"/>
+                    </a:p>
+                  </a:txBody>
+                  <a:tcPr anchor="ctr"/>
+                </a:tc>
+                <a:tc>
+                  <a:txBody>
+                    <a:bodyPr/>
+                    <a:lstStyle/>
+                    <a:p>
+                      <a:pPr algn="ctr"/>
+                      <a:r>
+                        <a:rPr lang="en-US" altLang="zh-CN" dirty="0"/>
+                        <a:t>CT</a:t>
+                      </a:r>
+                      <a:r>
+                        <a:rPr lang="zh-CN" altLang="en-US" dirty="0"/>
+                        <a:t>日志、根证书存储</a:t>
+                      </a:r>
+                      <a:endParaRPr lang="en-US" dirty="0"/>
+                    </a:p>
+                  </a:txBody>
+                  <a:tcPr anchor="ctr"/>
+                </a:tc>
+                <a:extLst>
+                  <a:ext uri="{0D108BD9-81ED-4DB2-BD59-A6C34878D82A}">
+                    <a16:rowId xmlns:a16="http://schemas.microsoft.com/office/drawing/2014/main" val="474334686"/>
+                  </a:ext>
+                </a:extLst>
+              </a:tr>
+              <a:tr h="370840">
+                <a:tc>
+                  <a:txBody>
+                    <a:bodyPr/>
+                    <a:lstStyle/>
+                    <a:p>
+                      <a:pPr marL="0" marR="0" lvl="0" indent="0" algn="ctr" defTabSz="914400" rtl="0" eaLnBrk="1" fontAlgn="auto" latinLnBrk="0" hangingPunct="1">
+                        <a:lnSpc>
+                          <a:spcPct val="100000"/>
+                        </a:lnSpc>
+                        <a:spcBef>
+                          <a:spcPts val="0"/>
+                        </a:spcBef>
+                        <a:spcAft>
+                          <a:spcPts val="0"/>
+                        </a:spcAft>
+                        <a:buClrTx/>
+                        <a:buSzTx/>
+                        <a:buFontTx/>
+                        <a:buNone/>
+                        <a:tabLst/>
+                        <a:defRPr/>
+                      </a:pPr>
+                      <a:r>
+                        <a:rPr lang="zh-CN" altLang="en-US" dirty="0"/>
+                        <a:t>身份证现所在地</a:t>
+                      </a:r>
+                      <a:endParaRPr lang="en-US" dirty="0"/>
+                    </a:p>
+                  </a:txBody>
+                  <a:tcPr anchor="ctr"/>
+                </a:tc>
+                <a:tc>
+                  <a:txBody>
+                    <a:bodyPr/>
+                    <a:lstStyle/>
+                    <a:p>
+                      <a:pPr algn="ctr"/>
+                      <a:r>
+                        <a:rPr lang="zh-CN" altLang="en-US" dirty="0"/>
+                        <a:t>域名当前</a:t>
+                      </a:r>
+                      <a:r>
+                        <a:rPr lang="en-US" altLang="zh-CN" dirty="0"/>
+                        <a:t>IP</a:t>
+                      </a:r>
+                      <a:r>
+                        <a:rPr lang="zh-CN" altLang="en-US" dirty="0"/>
+                        <a:t>地址</a:t>
+                      </a:r>
+                      <a:endParaRPr lang="en-US" dirty="0"/>
+                    </a:p>
+                  </a:txBody>
+                  <a:tcPr anchor="ctr"/>
+                </a:tc>
+                <a:extLst>
+                  <a:ext uri="{0D108BD9-81ED-4DB2-BD59-A6C34878D82A}">
+                    <a16:rowId xmlns:a16="http://schemas.microsoft.com/office/drawing/2014/main" val="844269121"/>
+                  </a:ext>
+                </a:extLst>
+              </a:tr>
+              <a:tr h="370840">
+                <a:tc>
+                  <a:txBody>
+                    <a:bodyPr/>
+                    <a:lstStyle/>
+                    <a:p>
+                      <a:pPr algn="ctr"/>
+                      <a:r>
+                        <a:rPr lang="zh-CN" altLang="en-US" dirty="0"/>
+                        <a:t>身份证更换</a:t>
+                      </a:r>
+                      <a:endParaRPr lang="en-US" dirty="0"/>
+                    </a:p>
+                  </a:txBody>
+                  <a:tcPr anchor="ctr"/>
+                </a:tc>
+                <a:tc>
+                  <a:txBody>
+                    <a:bodyPr/>
+                    <a:lstStyle/>
+                    <a:p>
+                      <a:pPr algn="ctr"/>
+                      <a:r>
+                        <a:rPr lang="zh-CN" altLang="en-US" dirty="0"/>
+                        <a:t>证书吊销、签发</a:t>
+                      </a:r>
+                      <a:endParaRPr lang="en-US" dirty="0"/>
+                    </a:p>
+                  </a:txBody>
+                  <a:tcPr anchor="ctr"/>
+                </a:tc>
+                <a:extLst>
+                  <a:ext uri="{0D108BD9-81ED-4DB2-BD59-A6C34878D82A}">
+                    <a16:rowId xmlns:a16="http://schemas.microsoft.com/office/drawing/2014/main" val="1333640486"/>
+                  </a:ext>
+                </a:extLst>
+              </a:tr>
+              <a:tr h="370840">
+                <a:tc>
+                  <a:txBody>
+                    <a:bodyPr/>
+                    <a:lstStyle/>
+                    <a:p>
+                      <a:pPr algn="ctr"/>
+                      <a:r>
+                        <a:rPr lang="zh-CN" altLang="en-US" dirty="0"/>
+                        <a:t>身份证过期</a:t>
+                      </a:r>
+                      <a:endParaRPr lang="en-US" dirty="0"/>
+                    </a:p>
+                  </a:txBody>
+                  <a:tcPr anchor="ctr"/>
+                </a:tc>
+                <a:tc>
+                  <a:txBody>
+                    <a:bodyPr/>
+                    <a:lstStyle/>
+                    <a:p>
+                      <a:pPr algn="ctr"/>
+                      <a:r>
+                        <a:rPr lang="zh-CN" altLang="en-US" dirty="0"/>
+                        <a:t>证书过期</a:t>
+                      </a:r>
+                      <a:endParaRPr lang="en-US" dirty="0"/>
+                    </a:p>
+                  </a:txBody>
+                  <a:tcPr anchor="ctr"/>
+                </a:tc>
+                <a:extLst>
+                  <a:ext uri="{0D108BD9-81ED-4DB2-BD59-A6C34878D82A}">
+                    <a16:rowId xmlns:a16="http://schemas.microsoft.com/office/drawing/2014/main" val="34262517"/>
+                  </a:ext>
+                </a:extLst>
+              </a:tr>
+            </a:tbl>
+          </a:graphicData>
+        </a:graphic>
+      </p:graphicFrame>
     </p:spTree>
     <p:extLst>
       <p:ext uri="{BB962C8B-B14F-4D97-AF65-F5344CB8AC3E}">
-        <p14:creationId xmlns:p14="http://schemas.microsoft.com/office/powerpoint/2010/main" val="3501218232"/>
+        <p14:creationId xmlns:p14="http://schemas.microsoft.com/office/powerpoint/2010/main" val="439488225"/>
+      </p:ext>
+    </p:extLst>
+  </p:cSld>
+  <p:clrMapOvr>
+    <a:masterClrMapping/>
+  </p:clrMapOvr>
+</p:sld>
+</file>
+
+<file path=ppt/slides/slide4.xml><?xml version="1.0" encoding="utf-8"?>
+<p:sld xmlns:a="http://schemas.openxmlformats.org/drawingml/2006/main" xmlns:r="http://schemas.openxmlformats.org/officeDocument/2006/relationships" xmlns:p="http://schemas.openxmlformats.org/presentationml/2006/main">
+  <p:cSld>
+    <p:spTree>
+      <p:nvGrpSpPr>
+        <p:cNvPr id="1" name=""/>
+        <p:cNvGrpSpPr/>
+        <p:nvPr/>
+      </p:nvGrpSpPr>
+      <p:grpSpPr>
+        <a:xfrm>
+          <a:off x="0" y="0"/>
+          <a:ext cx="0" cy="0"/>
+          <a:chOff x="0" y="0"/>
+          <a:chExt cx="0" cy="0"/>
+        </a:xfrm>
+      </p:grpSpPr>
+      <p:sp>
+        <p:nvSpPr>
+          <p:cNvPr id="2" name="Title 1">
+            <a:extLst>
+              <a:ext uri="{FF2B5EF4-FFF2-40B4-BE49-F238E27FC236}">
+                <a16:creationId xmlns:a16="http://schemas.microsoft.com/office/drawing/2014/main" id="{32ED5C72-9E47-490E-9F0B-19C7CB7F28AD}"/>
+              </a:ext>
+            </a:extLst>
+          </p:cNvPr>
+          <p:cNvSpPr>
+            <a:spLocks noGrp="1"/>
+          </p:cNvSpPr>
+          <p:nvPr>
+            <p:ph type="title"/>
+          </p:nvPr>
+        </p:nvSpPr>
+        <p:spPr/>
+        <p:txBody>
+          <a:bodyPr/>
+          <a:lstStyle/>
+          <a:p>
+            <a:r>
+              <a:rPr lang="zh-CN" altLang="en-US" dirty="0"/>
+              <a:t>类比项目</a:t>
+            </a:r>
+            <a:endParaRPr lang="en-US" dirty="0"/>
+          </a:p>
+        </p:txBody>
+      </p:sp>
+      <p:sp>
+        <p:nvSpPr>
+          <p:cNvPr id="3" name="Content Placeholder 2">
+            <a:extLst>
+              <a:ext uri="{FF2B5EF4-FFF2-40B4-BE49-F238E27FC236}">
+                <a16:creationId xmlns:a16="http://schemas.microsoft.com/office/drawing/2014/main" id="{E7BFEA10-A70D-401D-B184-7DD4A5B5D950}"/>
+              </a:ext>
+            </a:extLst>
+          </p:cNvPr>
+          <p:cNvSpPr>
+            <a:spLocks noGrp="1"/>
+          </p:cNvSpPr>
+          <p:nvPr>
+            <p:ph idx="1"/>
+          </p:nvPr>
+        </p:nvSpPr>
+        <p:spPr/>
+        <p:txBody>
+          <a:bodyPr/>
+          <a:lstStyle/>
+          <a:p>
+            <a:endParaRPr lang="en-US"/>
+          </a:p>
+        </p:txBody>
+      </p:sp>
+      <p:graphicFrame>
+        <p:nvGraphicFramePr>
+          <p:cNvPr id="4" name="Table 4">
+            <a:extLst>
+              <a:ext uri="{FF2B5EF4-FFF2-40B4-BE49-F238E27FC236}">
+                <a16:creationId xmlns:a16="http://schemas.microsoft.com/office/drawing/2014/main" id="{03294422-B949-458B-AFAA-8641A575DBAF}"/>
+              </a:ext>
+            </a:extLst>
+          </p:cNvPr>
+          <p:cNvGraphicFramePr>
+            <a:graphicFrameLocks noGrp="1"/>
+          </p:cNvGraphicFramePr>
+          <p:nvPr>
+            <p:extLst>
+              <p:ext uri="{D42A27DB-BD31-4B8C-83A1-F6EECF244321}">
+                <p14:modId xmlns:p14="http://schemas.microsoft.com/office/powerpoint/2010/main" val="4059232611"/>
+              </p:ext>
+            </p:extLst>
+          </p:nvPr>
+        </p:nvGraphicFramePr>
+        <p:xfrm>
+          <a:off x="1495552" y="2143503"/>
+          <a:ext cx="8128000" cy="2570993"/>
+        </p:xfrm>
+        <a:graphic>
+          <a:graphicData uri="http://schemas.openxmlformats.org/drawingml/2006/table">
+            <a:tbl>
+              <a:tblPr firstRow="1" bandRow="1">
+                <a:tableStyleId>{5C22544A-7EE6-4342-B048-85BDC9FD1C3A}</a:tableStyleId>
+              </a:tblPr>
+              <a:tblGrid>
+                <a:gridCol w="4064000">
+                  <a:extLst>
+                    <a:ext uri="{9D8B030D-6E8A-4147-A177-3AD203B41FA5}">
+                      <a16:colId xmlns:a16="http://schemas.microsoft.com/office/drawing/2014/main" val="2940060278"/>
+                    </a:ext>
+                  </a:extLst>
+                </a:gridCol>
+                <a:gridCol w="4064000">
+                  <a:extLst>
+                    <a:ext uri="{9D8B030D-6E8A-4147-A177-3AD203B41FA5}">
+                      <a16:colId xmlns:a16="http://schemas.microsoft.com/office/drawing/2014/main" val="402073316"/>
+                    </a:ext>
+                  </a:extLst>
+                </a:gridCol>
+              </a:tblGrid>
+              <a:tr h="549153">
+                <a:tc>
+                  <a:txBody>
+                    <a:bodyPr/>
+                    <a:lstStyle/>
+                    <a:p>
+                      <a:pPr algn="ctr"/>
+                      <a:r>
+                        <a:rPr lang="zh-CN" altLang="en-US" dirty="0"/>
+                        <a:t>身份证</a:t>
+                      </a:r>
+                      <a:endParaRPr lang="en-US" dirty="0"/>
+                    </a:p>
+                  </a:txBody>
+                  <a:tcPr anchor="ctr"/>
+                </a:tc>
+                <a:tc>
+                  <a:txBody>
+                    <a:bodyPr/>
+                    <a:lstStyle/>
+                    <a:p>
+                      <a:pPr algn="ctr"/>
+                      <a:r>
+                        <a:rPr lang="zh-CN" altLang="en-US" dirty="0"/>
+                        <a:t>证书</a:t>
+                      </a:r>
+                      <a:endParaRPr lang="en-US" dirty="0"/>
+                    </a:p>
+                  </a:txBody>
+                  <a:tcPr anchor="ctr"/>
+                </a:tc>
+                <a:extLst>
+                  <a:ext uri="{0D108BD9-81ED-4DB2-BD59-A6C34878D82A}">
+                    <a16:rowId xmlns:a16="http://schemas.microsoft.com/office/drawing/2014/main" val="571093148"/>
+                  </a:ext>
+                </a:extLst>
+              </a:tr>
+              <a:tr h="370840">
+                <a:tc>
+                  <a:txBody>
+                    <a:bodyPr/>
+                    <a:lstStyle/>
+                    <a:p>
+                      <a:pPr algn="ctr"/>
+                      <a:r>
+                        <a:rPr lang="zh-CN" altLang="en-US" dirty="0"/>
+                        <a:t>人口普查：统计当前身处某个区域所有人的身份信息</a:t>
+                      </a:r>
+                      <a:endParaRPr lang="en-US" dirty="0"/>
+                    </a:p>
+                  </a:txBody>
+                  <a:tcPr anchor="ctr"/>
+                </a:tc>
+                <a:tc>
+                  <a:txBody>
+                    <a:bodyPr/>
+                    <a:lstStyle/>
+                    <a:p>
+                      <a:pPr algn="ctr"/>
+                      <a:r>
+                        <a:rPr lang="zh-CN" altLang="en-US" dirty="0"/>
+                        <a:t>根据</a:t>
+                      </a:r>
+                      <a:r>
+                        <a:rPr lang="en-US" altLang="zh-CN" dirty="0"/>
+                        <a:t>IP</a:t>
+                      </a:r>
+                      <a:r>
+                        <a:rPr lang="zh-CN" altLang="en-US" dirty="0"/>
+                        <a:t>区块扫描证书</a:t>
+                      </a:r>
+                      <a:endParaRPr lang="en-US" dirty="0"/>
+                    </a:p>
+                  </a:txBody>
+                  <a:tcPr anchor="ctr"/>
+                </a:tc>
+                <a:extLst>
+                  <a:ext uri="{0D108BD9-81ED-4DB2-BD59-A6C34878D82A}">
+                    <a16:rowId xmlns:a16="http://schemas.microsoft.com/office/drawing/2014/main" val="1650620775"/>
+                  </a:ext>
+                </a:extLst>
+              </a:tr>
+              <a:tr h="370840">
+                <a:tc>
+                  <a:txBody>
+                    <a:bodyPr/>
+                    <a:lstStyle/>
+                    <a:p>
+                      <a:pPr marL="0" marR="0" lvl="0" indent="0" algn="ctr" defTabSz="914400" rtl="0" eaLnBrk="1" fontAlgn="auto" latinLnBrk="0" hangingPunct="1">
+                        <a:lnSpc>
+                          <a:spcPct val="100000"/>
+                        </a:lnSpc>
+                        <a:spcBef>
+                          <a:spcPts val="0"/>
+                        </a:spcBef>
+                        <a:spcAft>
+                          <a:spcPts val="0"/>
+                        </a:spcAft>
+                        <a:buClrTx/>
+                        <a:buSzTx/>
+                        <a:buFontTx/>
+                        <a:buNone/>
+                        <a:tabLst/>
+                        <a:defRPr/>
+                      </a:pPr>
+                      <a:r>
+                        <a:rPr lang="zh-CN" altLang="en-US" dirty="0"/>
+                        <a:t>社会关系：统计与某人交往密切的人的身份信息</a:t>
+                      </a:r>
+                      <a:endParaRPr lang="en-US" altLang="zh-CN" dirty="0"/>
+                    </a:p>
+                  </a:txBody>
+                  <a:tcPr anchor="ctr"/>
+                </a:tc>
+                <a:tc>
+                  <a:txBody>
+                    <a:bodyPr/>
+                    <a:lstStyle/>
+                    <a:p>
+                      <a:pPr algn="ctr"/>
+                      <a:r>
+                        <a:rPr lang="zh-CN" altLang="en-US" dirty="0"/>
+                        <a:t>根据域名关系扫描证书</a:t>
+                      </a:r>
+                      <a:endParaRPr lang="en-US" dirty="0"/>
+                    </a:p>
+                  </a:txBody>
+                  <a:tcPr anchor="ctr"/>
+                </a:tc>
+                <a:extLst>
+                  <a:ext uri="{0D108BD9-81ED-4DB2-BD59-A6C34878D82A}">
+                    <a16:rowId xmlns:a16="http://schemas.microsoft.com/office/drawing/2014/main" val="3716102919"/>
+                  </a:ext>
+                </a:extLst>
+              </a:tr>
+              <a:tr h="370840">
+                <a:tc>
+                  <a:txBody>
+                    <a:bodyPr/>
+                    <a:lstStyle/>
+                    <a:p>
+                      <a:pPr algn="ctr"/>
+                      <a:r>
+                        <a:rPr lang="zh-CN" altLang="en-US" dirty="0"/>
+                        <a:t>统计一个人的行程轨迹</a:t>
+                      </a:r>
+                      <a:endParaRPr lang="en-US" dirty="0"/>
+                    </a:p>
+                  </a:txBody>
+                  <a:tcPr anchor="ctr"/>
+                </a:tc>
+                <a:tc>
+                  <a:txBody>
+                    <a:bodyPr/>
+                    <a:lstStyle/>
+                    <a:p>
+                      <a:pPr algn="ctr"/>
+                      <a:r>
+                        <a:rPr lang="zh-CN" altLang="en-US" dirty="0"/>
+                        <a:t>记录域名的</a:t>
+                      </a:r>
+                      <a:r>
+                        <a:rPr lang="en-US" altLang="zh-CN" dirty="0"/>
+                        <a:t>IP</a:t>
+                      </a:r>
+                      <a:r>
+                        <a:rPr lang="zh-CN" altLang="en-US" dirty="0"/>
+                        <a:t>地址变化</a:t>
+                      </a:r>
+                      <a:endParaRPr lang="en-US" dirty="0"/>
+                    </a:p>
+                  </a:txBody>
+                  <a:tcPr anchor="ctr"/>
+                </a:tc>
+                <a:extLst>
+                  <a:ext uri="{0D108BD9-81ED-4DB2-BD59-A6C34878D82A}">
+                    <a16:rowId xmlns:a16="http://schemas.microsoft.com/office/drawing/2014/main" val="1869480126"/>
+                  </a:ext>
+                </a:extLst>
+              </a:tr>
+              <a:tr h="370840">
+                <a:tc>
+                  <a:txBody>
+                    <a:bodyPr/>
+                    <a:lstStyle/>
+                    <a:p>
+                      <a:pPr algn="ctr"/>
+                      <a:r>
+                        <a:rPr lang="zh-CN" altLang="en-US" dirty="0"/>
+                        <a:t>统计一个人的身份证签发地变更</a:t>
+                      </a:r>
+                      <a:endParaRPr lang="en-US" dirty="0"/>
+                    </a:p>
+                  </a:txBody>
+                  <a:tcPr anchor="ctr"/>
+                </a:tc>
+                <a:tc>
+                  <a:txBody>
+                    <a:bodyPr/>
+                    <a:lstStyle/>
+                    <a:p>
+                      <a:pPr algn="ctr"/>
+                      <a:r>
+                        <a:rPr lang="zh-CN" altLang="en-US" dirty="0"/>
+                        <a:t>统计域名的证书签署</a:t>
+                      </a:r>
+                      <a:r>
+                        <a:rPr lang="en-US" altLang="zh-CN" dirty="0"/>
+                        <a:t>CA</a:t>
+                      </a:r>
+                      <a:r>
+                        <a:rPr lang="zh-CN" altLang="en-US" dirty="0"/>
+                        <a:t>变化</a:t>
+                      </a:r>
+                      <a:endParaRPr lang="en-US" dirty="0"/>
+                    </a:p>
+                  </a:txBody>
+                  <a:tcPr anchor="ctr"/>
+                </a:tc>
+                <a:extLst>
+                  <a:ext uri="{0D108BD9-81ED-4DB2-BD59-A6C34878D82A}">
+                    <a16:rowId xmlns:a16="http://schemas.microsoft.com/office/drawing/2014/main" val="693181574"/>
+                  </a:ext>
+                </a:extLst>
+              </a:tr>
+            </a:tbl>
+          </a:graphicData>
+        </a:graphic>
+      </p:graphicFrame>
+    </p:spTree>
+    <p:extLst>
+      <p:ext uri="{BB962C8B-B14F-4D97-AF65-F5344CB8AC3E}">
+        <p14:creationId xmlns:p14="http://schemas.microsoft.com/office/powerpoint/2010/main" val="2541552434"/>
+      </p:ext>
+    </p:extLst>
+  </p:cSld>
+  <p:clrMapOvr>
+    <a:masterClrMapping/>
+  </p:clrMapOvr>
+</p:sld>
+</file>
+
+<file path=ppt/slides/slide5.xml><?xml version="1.0" encoding="utf-8"?>
+<p:sld xmlns:a="http://schemas.openxmlformats.org/drawingml/2006/main" xmlns:r="http://schemas.openxmlformats.org/officeDocument/2006/relationships" xmlns:p="http://schemas.openxmlformats.org/presentationml/2006/main">
+  <p:cSld>
+    <p:spTree>
+      <p:nvGrpSpPr>
+        <p:cNvPr id="1" name=""/>
+        <p:cNvGrpSpPr/>
+        <p:nvPr/>
+      </p:nvGrpSpPr>
+      <p:grpSpPr>
+        <a:xfrm>
+          <a:off x="0" y="0"/>
+          <a:ext cx="0" cy="0"/>
+          <a:chOff x="0" y="0"/>
+          <a:chExt cx="0" cy="0"/>
+        </a:xfrm>
+      </p:grpSpPr>
+      <p:sp>
+        <p:nvSpPr>
+          <p:cNvPr id="2" name="Title 1">
+            <a:extLst>
+              <a:ext uri="{FF2B5EF4-FFF2-40B4-BE49-F238E27FC236}">
+                <a16:creationId xmlns:a16="http://schemas.microsoft.com/office/drawing/2014/main" id="{8E697764-BDAD-476B-B200-B97CA6D2BEC9}"/>
+              </a:ext>
+            </a:extLst>
+          </p:cNvPr>
+          <p:cNvSpPr>
+            <a:spLocks noGrp="1"/>
+          </p:cNvSpPr>
+          <p:nvPr>
+            <p:ph type="title"/>
+          </p:nvPr>
+        </p:nvSpPr>
+        <p:spPr/>
+        <p:txBody>
+          <a:bodyPr/>
+          <a:lstStyle/>
+          <a:p>
+            <a:r>
+              <a:rPr lang="zh-CN" altLang="en-US" dirty="0"/>
+              <a:t>类比的目的</a:t>
+            </a:r>
+            <a:endParaRPr lang="en-US" dirty="0"/>
+          </a:p>
+        </p:txBody>
+      </p:sp>
+      <p:sp>
+        <p:nvSpPr>
+          <p:cNvPr id="3" name="Content Placeholder 2">
+            <a:extLst>
+              <a:ext uri="{FF2B5EF4-FFF2-40B4-BE49-F238E27FC236}">
+                <a16:creationId xmlns:a16="http://schemas.microsoft.com/office/drawing/2014/main" id="{F5899274-5194-4505-AA4D-92B22A246685}"/>
+              </a:ext>
+            </a:extLst>
+          </p:cNvPr>
+          <p:cNvSpPr>
+            <a:spLocks noGrp="1"/>
+          </p:cNvSpPr>
+          <p:nvPr>
+            <p:ph idx="1"/>
+          </p:nvPr>
+        </p:nvSpPr>
+        <p:spPr/>
+        <p:txBody>
+          <a:bodyPr/>
+          <a:lstStyle/>
+          <a:p>
+            <a:r>
+              <a:rPr lang="zh-CN" altLang="en-US" dirty="0"/>
+              <a:t>我们能通过身份证获取很多信息：</a:t>
+            </a:r>
+            <a:endParaRPr lang="en-US" altLang="zh-CN" dirty="0"/>
+          </a:p>
+          <a:p>
+            <a:r>
+              <a:rPr lang="zh-CN" altLang="en-US" dirty="0"/>
+              <a:t>个人身份信息、家庭社交关系、出行轨迹、当前可能所在地等等</a:t>
+            </a:r>
+            <a:endParaRPr lang="en-US" altLang="zh-CN" dirty="0"/>
+          </a:p>
+          <a:p>
+            <a:r>
+              <a:rPr lang="zh-CN" altLang="en-US" dirty="0"/>
+              <a:t>所以我们或许可以用相似的方式从证书中获取信息（</a:t>
+            </a:r>
+            <a:r>
+              <a:rPr lang="en-US" altLang="zh-CN" dirty="0"/>
+              <a:t>PKI</a:t>
+            </a:r>
+            <a:r>
+              <a:rPr lang="zh-CN" altLang="en-US" dirty="0"/>
+              <a:t>、互联网其他领域）</a:t>
+            </a:r>
+            <a:endParaRPr lang="en-US" altLang="zh-CN" dirty="0"/>
+          </a:p>
+          <a:p>
+            <a:r>
+              <a:rPr lang="zh-CN" altLang="en-US" dirty="0"/>
+              <a:t>证书和身份证有一定的区别：</a:t>
+            </a:r>
+            <a:endParaRPr lang="en-US" altLang="zh-CN" dirty="0"/>
+          </a:p>
+          <a:p>
+            <a:r>
+              <a:rPr lang="en-US" altLang="zh-CN" dirty="0"/>
+              <a:t>1. </a:t>
+            </a:r>
+            <a:r>
+              <a:rPr lang="zh-CN" altLang="en-US" dirty="0"/>
+              <a:t>一张身份证对应一个人，但是一个证书可能对应多个域名或者是通配符域名</a:t>
+            </a:r>
+            <a:endParaRPr lang="en-US" altLang="zh-CN" dirty="0"/>
+          </a:p>
+          <a:p>
+            <a:r>
+              <a:rPr lang="en-US" altLang="zh-CN" dirty="0"/>
+              <a:t>2. </a:t>
+            </a:r>
+            <a:r>
+              <a:rPr lang="zh-CN" altLang="en-US" dirty="0"/>
+              <a:t>一个人只有一个身份证编号，但是一个域名可以用多个密钥的证书</a:t>
+            </a:r>
+            <a:endParaRPr lang="en-US" altLang="zh-CN" dirty="0"/>
+          </a:p>
+          <a:p>
+            <a:r>
+              <a:rPr lang="en-US" altLang="zh-CN" dirty="0"/>
+              <a:t>3. </a:t>
+            </a:r>
+            <a:r>
+              <a:rPr lang="zh-CN" altLang="en-US" dirty="0"/>
+              <a:t>证书有链式验证关系，身份证没有</a:t>
+            </a:r>
+            <a:endParaRPr lang="en-US" altLang="zh-CN" dirty="0"/>
+          </a:p>
+          <a:p>
+            <a:endParaRPr lang="en-US" dirty="0"/>
+          </a:p>
+        </p:txBody>
+      </p:sp>
+    </p:spTree>
+    <p:extLst>
+      <p:ext uri="{BB962C8B-B14F-4D97-AF65-F5344CB8AC3E}">
+        <p14:creationId xmlns:p14="http://schemas.microsoft.com/office/powerpoint/2010/main" val="566308878"/>
+      </p:ext>
+    </p:extLst>
+  </p:cSld>
+  <p:clrMapOvr>
+    <a:masterClrMapping/>
+  </p:clrMapOvr>
+</p:sld>
+</file>
+
+<file path=ppt/slides/slide6.xml><?xml version="1.0" encoding="utf-8"?>
+<p:sld xmlns:a="http://schemas.openxmlformats.org/drawingml/2006/main" xmlns:r="http://schemas.openxmlformats.org/officeDocument/2006/relationships" xmlns:p="http://schemas.openxmlformats.org/presentationml/2006/main">
+  <p:cSld>
+    <p:spTree>
+      <p:nvGrpSpPr>
+        <p:cNvPr id="1" name=""/>
+        <p:cNvGrpSpPr/>
+        <p:nvPr/>
+      </p:nvGrpSpPr>
+      <p:grpSpPr>
+        <a:xfrm>
+          <a:off x="0" y="0"/>
+          <a:ext cx="0" cy="0"/>
+          <a:chOff x="0" y="0"/>
+          <a:chExt cx="0" cy="0"/>
+        </a:xfrm>
+      </p:grpSpPr>
+      <p:sp>
+        <p:nvSpPr>
+          <p:cNvPr id="2" name="Title 1">
+            <a:extLst>
+              <a:ext uri="{FF2B5EF4-FFF2-40B4-BE49-F238E27FC236}">
+                <a16:creationId xmlns:a16="http://schemas.microsoft.com/office/drawing/2014/main" id="{24B8F4AF-6D4E-4927-BB2A-AF559A7973DF}"/>
+              </a:ext>
+            </a:extLst>
+          </p:cNvPr>
+          <p:cNvSpPr>
+            <a:spLocks noGrp="1"/>
+          </p:cNvSpPr>
+          <p:nvPr>
+            <p:ph type="title"/>
+          </p:nvPr>
+        </p:nvSpPr>
+        <p:spPr/>
+        <p:txBody>
+          <a:bodyPr/>
+          <a:lstStyle/>
+          <a:p>
+            <a:r>
+              <a:rPr lang="zh-CN" altLang="en-US" dirty="0"/>
+              <a:t>能够进行信息挖掘的证书类型</a:t>
+            </a:r>
+            <a:endParaRPr lang="en-US" dirty="0"/>
+          </a:p>
+        </p:txBody>
+      </p:sp>
+      <p:sp>
+        <p:nvSpPr>
+          <p:cNvPr id="3" name="Content Placeholder 2">
+            <a:extLst>
+              <a:ext uri="{FF2B5EF4-FFF2-40B4-BE49-F238E27FC236}">
+                <a16:creationId xmlns:a16="http://schemas.microsoft.com/office/drawing/2014/main" id="{C742F0A2-7447-45DF-83DC-9B33AACFC656}"/>
+              </a:ext>
+            </a:extLst>
+          </p:cNvPr>
+          <p:cNvSpPr>
+            <a:spLocks noGrp="1"/>
+          </p:cNvSpPr>
+          <p:nvPr>
+            <p:ph idx="1"/>
+          </p:nvPr>
+        </p:nvSpPr>
+        <p:spPr/>
+        <p:txBody>
+          <a:bodyPr>
+            <a:normAutofit/>
+          </a:bodyPr>
+          <a:lstStyle/>
+          <a:p>
+            <a:r>
+              <a:rPr lang="zh-CN" altLang="en-US" dirty="0"/>
+              <a:t>按照拥有证书的主体进行分类：</a:t>
+            </a:r>
+            <a:endParaRPr lang="en-US" altLang="zh-CN" dirty="0"/>
+          </a:p>
+          <a:p>
+            <a:r>
+              <a:rPr lang="en-US" altLang="zh-CN" dirty="0"/>
+              <a:t>1. </a:t>
+            </a:r>
+            <a:r>
+              <a:rPr lang="zh-CN" altLang="en-US" dirty="0"/>
+              <a:t>终端证书（网站、设备）</a:t>
+            </a:r>
+            <a:endParaRPr lang="en-US" altLang="zh-CN" dirty="0"/>
+          </a:p>
+          <a:p>
+            <a:r>
+              <a:rPr lang="en-US" altLang="zh-CN" dirty="0"/>
+              <a:t>2. </a:t>
+            </a:r>
+            <a:r>
+              <a:rPr lang="zh-CN" altLang="en-US" dirty="0"/>
+              <a:t>客户端证书（网络用户）</a:t>
+            </a:r>
+            <a:endParaRPr lang="en-US" dirty="0"/>
+          </a:p>
+          <a:p>
+            <a:endParaRPr lang="en-US" altLang="zh-CN" dirty="0"/>
+          </a:p>
+          <a:p>
+            <a:r>
+              <a:rPr lang="zh-CN" altLang="en-US" dirty="0"/>
+              <a:t>按照搜集方式分类：</a:t>
+            </a:r>
+            <a:endParaRPr lang="en-US" altLang="zh-CN" dirty="0"/>
+          </a:p>
+          <a:p>
+            <a:r>
+              <a:rPr lang="en-US" altLang="zh-CN" dirty="0"/>
+              <a:t>1. </a:t>
+            </a:r>
+            <a:r>
+              <a:rPr lang="zh-CN" altLang="en-US" dirty="0"/>
+              <a:t>域名主动扫描</a:t>
+            </a:r>
+            <a:endParaRPr lang="en-US" altLang="zh-CN" dirty="0"/>
+          </a:p>
+          <a:p>
+            <a:r>
+              <a:rPr lang="en-US" altLang="zh-CN" dirty="0"/>
+              <a:t>2. IP</a:t>
+            </a:r>
+            <a:r>
+              <a:rPr lang="zh-CN" altLang="en-US" dirty="0"/>
+              <a:t>主动扫描</a:t>
+            </a:r>
+            <a:endParaRPr lang="en-US" altLang="zh-CN" dirty="0"/>
+          </a:p>
+          <a:p>
+            <a:r>
+              <a:rPr lang="en-US" altLang="zh-CN" dirty="0"/>
+              <a:t>3. </a:t>
+            </a:r>
+            <a:r>
+              <a:rPr lang="zh-CN" altLang="en-US" dirty="0"/>
+              <a:t>被动监听</a:t>
+            </a:r>
+            <a:endParaRPr lang="en-US" altLang="zh-CN" dirty="0"/>
+          </a:p>
+          <a:p>
+            <a:r>
+              <a:rPr lang="en-US" altLang="zh-CN" dirty="0"/>
+              <a:t>4. CT</a:t>
+            </a:r>
+            <a:r>
+              <a:rPr lang="zh-CN" altLang="en-US" dirty="0"/>
+              <a:t>日志</a:t>
+            </a:r>
+            <a:endParaRPr lang="en-US" dirty="0"/>
+          </a:p>
+        </p:txBody>
+      </p:sp>
+    </p:spTree>
+    <p:extLst>
+      <p:ext uri="{BB962C8B-B14F-4D97-AF65-F5344CB8AC3E}">
+        <p14:creationId xmlns:p14="http://schemas.microsoft.com/office/powerpoint/2010/main" val="3669065624"/>
+      </p:ext>
+    </p:extLst>
+  </p:cSld>
+  <p:clrMapOvr>
+    <a:masterClrMapping/>
+  </p:clrMapOvr>
+</p:sld>
+</file>
+
+<file path=ppt/slides/slide7.xml><?xml version="1.0" encoding="utf-8"?>
+<p:sld xmlns:a="http://schemas.openxmlformats.org/drawingml/2006/main" xmlns:r="http://schemas.openxmlformats.org/officeDocument/2006/relationships" xmlns:p="http://schemas.openxmlformats.org/presentationml/2006/main">
+  <p:cSld>
+    <p:spTree>
+      <p:nvGrpSpPr>
+        <p:cNvPr id="1" name=""/>
+        <p:cNvGrpSpPr/>
+        <p:nvPr/>
+      </p:nvGrpSpPr>
+      <p:grpSpPr>
+        <a:xfrm>
+          <a:off x="0" y="0"/>
+          <a:ext cx="0" cy="0"/>
+          <a:chOff x="0" y="0"/>
+          <a:chExt cx="0" cy="0"/>
+        </a:xfrm>
+      </p:grpSpPr>
+      <p:sp>
+        <p:nvSpPr>
+          <p:cNvPr id="2" name="Title 1">
+            <a:extLst>
+              <a:ext uri="{FF2B5EF4-FFF2-40B4-BE49-F238E27FC236}">
+                <a16:creationId xmlns:a16="http://schemas.microsoft.com/office/drawing/2014/main" id="{838DEC95-B50B-43B6-98E8-B575A09A3F5C}"/>
+              </a:ext>
+            </a:extLst>
+          </p:cNvPr>
+          <p:cNvSpPr>
+            <a:spLocks noGrp="1"/>
+          </p:cNvSpPr>
+          <p:nvPr>
+            <p:ph type="title"/>
+          </p:nvPr>
+        </p:nvSpPr>
+        <p:spPr/>
+        <p:txBody>
+          <a:bodyPr/>
+          <a:lstStyle/>
+          <a:p>
+            <a:r>
+              <a:rPr lang="zh-CN" altLang="en-US" dirty="0"/>
+              <a:t>问题描述</a:t>
+            </a:r>
+            <a:endParaRPr lang="en-US" dirty="0"/>
+          </a:p>
+        </p:txBody>
+      </p:sp>
+      <p:sp>
+        <p:nvSpPr>
+          <p:cNvPr id="3" name="Content Placeholder 2">
+            <a:extLst>
+              <a:ext uri="{FF2B5EF4-FFF2-40B4-BE49-F238E27FC236}">
+                <a16:creationId xmlns:a16="http://schemas.microsoft.com/office/drawing/2014/main" id="{A5BC6961-0C61-48F1-B3B9-AF0D608C744F}"/>
+              </a:ext>
+            </a:extLst>
+          </p:cNvPr>
+          <p:cNvSpPr>
+            <a:spLocks noGrp="1"/>
+          </p:cNvSpPr>
+          <p:nvPr>
+            <p:ph idx="1"/>
+          </p:nvPr>
+        </p:nvSpPr>
+        <p:spPr/>
+        <p:txBody>
+          <a:bodyPr/>
+          <a:lstStyle/>
+          <a:p>
+            <a:r>
+              <a:rPr lang="zh-CN" altLang="en-US" dirty="0"/>
+              <a:t>证书作为互联网中身份验证的载体，其究竟包含了多少信息？</a:t>
+            </a:r>
+            <a:endParaRPr lang="en-US" altLang="zh-CN" dirty="0"/>
+          </a:p>
+          <a:p>
+            <a:r>
+              <a:rPr lang="en-US" altLang="zh-CN" dirty="0"/>
+              <a:t>1. </a:t>
+            </a:r>
+            <a:r>
+              <a:rPr lang="zh-CN" altLang="en-US" dirty="0"/>
+              <a:t>我们能从证书本身挖掘出什么信息？</a:t>
+            </a:r>
+            <a:endParaRPr lang="en-US" altLang="zh-CN" dirty="0"/>
+          </a:p>
+          <a:p>
+            <a:r>
+              <a:rPr lang="en-US" altLang="zh-CN" dirty="0"/>
+              <a:t>2. </a:t>
+            </a:r>
+            <a:r>
+              <a:rPr lang="zh-CN" altLang="en-US" dirty="0"/>
+              <a:t>我们能否将证书与其他信息进行结合，发掘出什么有效信息？</a:t>
+            </a:r>
+            <a:endParaRPr lang="en-US" altLang="zh-CN" dirty="0"/>
+          </a:p>
+          <a:p>
+            <a:endParaRPr lang="en-US" altLang="zh-CN" dirty="0"/>
+          </a:p>
+        </p:txBody>
+      </p:sp>
+    </p:spTree>
+    <p:extLst>
+      <p:ext uri="{BB962C8B-B14F-4D97-AF65-F5344CB8AC3E}">
+        <p14:creationId xmlns:p14="http://schemas.microsoft.com/office/powerpoint/2010/main" val="1203042574"/>
+      </p:ext>
+    </p:extLst>
+  </p:cSld>
+  <p:clrMapOvr>
+    <a:masterClrMapping/>
+  </p:clrMapOvr>
+</p:sld>
+</file>
+
+<file path=ppt/slides/slide8.xml><?xml version="1.0" encoding="utf-8"?>
+<p:sld xmlns:a="http://schemas.openxmlformats.org/drawingml/2006/main" xmlns:r="http://schemas.openxmlformats.org/officeDocument/2006/relationships" xmlns:p="http://schemas.openxmlformats.org/presentationml/2006/main">
+  <p:cSld>
+    <p:spTree>
+      <p:nvGrpSpPr>
+        <p:cNvPr id="1" name=""/>
+        <p:cNvGrpSpPr/>
+        <p:nvPr/>
+      </p:nvGrpSpPr>
+      <p:grpSpPr>
+        <a:xfrm>
+          <a:off x="0" y="0"/>
+          <a:ext cx="0" cy="0"/>
+          <a:chOff x="0" y="0"/>
+          <a:chExt cx="0" cy="0"/>
+        </a:xfrm>
+      </p:grpSpPr>
+      <p:sp>
+        <p:nvSpPr>
+          <p:cNvPr id="2" name="Title 1">
+            <a:extLst>
+              <a:ext uri="{FF2B5EF4-FFF2-40B4-BE49-F238E27FC236}">
+                <a16:creationId xmlns:a16="http://schemas.microsoft.com/office/drawing/2014/main" id="{412C2168-DF01-4083-AC8C-2313D140C700}"/>
+              </a:ext>
+            </a:extLst>
+          </p:cNvPr>
+          <p:cNvSpPr>
+            <a:spLocks noGrp="1"/>
+          </p:cNvSpPr>
+          <p:nvPr>
+            <p:ph type="title"/>
+          </p:nvPr>
+        </p:nvSpPr>
+        <p:spPr/>
+        <p:txBody>
+          <a:bodyPr/>
+          <a:lstStyle/>
+          <a:p>
+            <a:r>
+              <a:rPr lang="zh-CN" altLang="en-US" dirty="0"/>
+              <a:t>问题</a:t>
+            </a:r>
+            <a:r>
+              <a:rPr lang="en-US" altLang="zh-CN" dirty="0"/>
+              <a:t>1</a:t>
+            </a:r>
+            <a:r>
+              <a:rPr lang="zh-CN" altLang="en-US" dirty="0"/>
+              <a:t>：主体跟踪</a:t>
+            </a:r>
+            <a:endParaRPr lang="en-US" dirty="0"/>
+          </a:p>
+        </p:txBody>
+      </p:sp>
+      <p:sp>
+        <p:nvSpPr>
+          <p:cNvPr id="3" name="Content Placeholder 2">
+            <a:extLst>
+              <a:ext uri="{FF2B5EF4-FFF2-40B4-BE49-F238E27FC236}">
+                <a16:creationId xmlns:a16="http://schemas.microsoft.com/office/drawing/2014/main" id="{662930E7-F319-4C70-BB81-7833B196B367}"/>
+              </a:ext>
+            </a:extLst>
+          </p:cNvPr>
+          <p:cNvSpPr>
+            <a:spLocks noGrp="1"/>
+          </p:cNvSpPr>
+          <p:nvPr>
+            <p:ph idx="1"/>
+          </p:nvPr>
+        </p:nvSpPr>
+        <p:spPr/>
+        <p:txBody>
+          <a:bodyPr>
+            <a:normAutofit/>
+          </a:bodyPr>
+          <a:lstStyle/>
+          <a:p>
+            <a:r>
+              <a:rPr lang="zh-CN" altLang="en-US" dirty="0"/>
+              <a:t>类型</a:t>
+            </a:r>
+            <a:r>
+              <a:rPr lang="en-US" altLang="zh-CN" dirty="0"/>
+              <a:t>1</a:t>
+            </a:r>
+            <a:r>
+              <a:rPr lang="zh-CN" altLang="en-US" dirty="0"/>
+              <a:t>：用户跟踪</a:t>
+            </a:r>
+            <a:endParaRPr lang="en-US" altLang="zh-CN" dirty="0"/>
+          </a:p>
+          <a:p>
+            <a:r>
+              <a:rPr lang="zh-CN" altLang="en-US" dirty="0"/>
+              <a:t>类型</a:t>
+            </a:r>
+            <a:r>
+              <a:rPr lang="en-US" altLang="zh-CN" dirty="0"/>
+              <a:t>2</a:t>
+            </a:r>
+            <a:r>
+              <a:rPr lang="zh-CN" altLang="en-US" dirty="0"/>
+              <a:t>：设备跟踪</a:t>
+            </a:r>
+            <a:endParaRPr lang="en-US" altLang="zh-CN" dirty="0"/>
+          </a:p>
+          <a:p>
+            <a:r>
+              <a:rPr lang="zh-CN" altLang="en-US" dirty="0"/>
+              <a:t>类型</a:t>
+            </a:r>
+            <a:r>
+              <a:rPr lang="en-US" altLang="zh-CN" dirty="0"/>
+              <a:t>3</a:t>
+            </a:r>
+            <a:r>
+              <a:rPr lang="zh-CN" altLang="en-US" dirty="0"/>
+              <a:t>：网站（管理）跟踪</a:t>
+            </a:r>
+            <a:endParaRPr lang="en-US" altLang="zh-CN" dirty="0"/>
+          </a:p>
+          <a:p>
+            <a:endParaRPr lang="en-US" altLang="zh-CN" dirty="0"/>
+          </a:p>
+          <a:p>
+            <a:endParaRPr lang="en-US" dirty="0"/>
+          </a:p>
+        </p:txBody>
+      </p:sp>
+    </p:spTree>
+    <p:extLst>
+      <p:ext uri="{BB962C8B-B14F-4D97-AF65-F5344CB8AC3E}">
+        <p14:creationId xmlns:p14="http://schemas.microsoft.com/office/powerpoint/2010/main" val="2551410198"/>
+      </p:ext>
+    </p:extLst>
+  </p:cSld>
+  <p:clrMapOvr>
+    <a:masterClrMapping/>
+  </p:clrMapOvr>
+</p:sld>
+</file>
+
+<file path=ppt/slides/slide9.xml><?xml version="1.0" encoding="utf-8"?>
+<p:sld xmlns:a="http://schemas.openxmlformats.org/drawingml/2006/main" xmlns:r="http://schemas.openxmlformats.org/officeDocument/2006/relationships" xmlns:p="http://schemas.openxmlformats.org/presentationml/2006/main">
+  <p:cSld>
+    <p:spTree>
+      <p:nvGrpSpPr>
+        <p:cNvPr id="1" name=""/>
+        <p:cNvGrpSpPr/>
+        <p:nvPr/>
+      </p:nvGrpSpPr>
+      <p:grpSpPr>
+        <a:xfrm>
+          <a:off x="0" y="0"/>
+          <a:ext cx="0" cy="0"/>
+          <a:chOff x="0" y="0"/>
+          <a:chExt cx="0" cy="0"/>
+        </a:xfrm>
+      </p:grpSpPr>
+      <p:sp>
+        <p:nvSpPr>
+          <p:cNvPr id="2" name="Title 1">
+            <a:extLst>
+              <a:ext uri="{FF2B5EF4-FFF2-40B4-BE49-F238E27FC236}">
+                <a16:creationId xmlns:a16="http://schemas.microsoft.com/office/drawing/2014/main" id="{50CF44DB-D362-424A-9F03-556C1A5F3B84}"/>
+              </a:ext>
+            </a:extLst>
+          </p:cNvPr>
+          <p:cNvSpPr>
+            <a:spLocks noGrp="1"/>
+          </p:cNvSpPr>
+          <p:nvPr>
+            <p:ph type="title"/>
+          </p:nvPr>
+        </p:nvSpPr>
+        <p:spPr/>
+        <p:txBody>
+          <a:bodyPr/>
+          <a:lstStyle/>
+          <a:p>
+            <a:r>
+              <a:rPr lang="zh-CN" altLang="en-US" dirty="0"/>
+              <a:t>用户跟踪</a:t>
+            </a:r>
+            <a:endParaRPr lang="en-US" dirty="0"/>
+          </a:p>
+        </p:txBody>
+      </p:sp>
+      <p:sp>
+        <p:nvSpPr>
+          <p:cNvPr id="3" name="Content Placeholder 2">
+            <a:extLst>
+              <a:ext uri="{FF2B5EF4-FFF2-40B4-BE49-F238E27FC236}">
+                <a16:creationId xmlns:a16="http://schemas.microsoft.com/office/drawing/2014/main" id="{74EE41B5-A752-43A8-9530-8404BC811C60}"/>
+              </a:ext>
+            </a:extLst>
+          </p:cNvPr>
+          <p:cNvSpPr>
+            <a:spLocks noGrp="1"/>
+          </p:cNvSpPr>
+          <p:nvPr>
+            <p:ph idx="1"/>
+          </p:nvPr>
+        </p:nvSpPr>
+        <p:spPr/>
+        <p:txBody>
+          <a:bodyPr/>
+          <a:lstStyle/>
+          <a:p>
+            <a:r>
+              <a:rPr lang="zh-CN" altLang="en-US" dirty="0"/>
+              <a:t>这是一个已经被研究的问题</a:t>
+            </a:r>
+            <a:endParaRPr lang="en-US" altLang="zh-CN" dirty="0"/>
+          </a:p>
+          <a:p>
+            <a:r>
+              <a:rPr lang="zh-CN" altLang="en-US" dirty="0"/>
+              <a:t>问题描述：</a:t>
+            </a:r>
+            <a:endParaRPr lang="en-US" altLang="zh-CN" dirty="0"/>
+          </a:p>
+          <a:p>
+            <a:r>
+              <a:rPr lang="zh-CN" altLang="en-US" dirty="0"/>
+              <a:t>我们能否通过在网络中获取用于身份验证的用户端证书，通过分析得出用户的具体位置和具体设备？</a:t>
+            </a:r>
+            <a:endParaRPr lang="en-US" altLang="zh-CN" dirty="0"/>
+          </a:p>
+          <a:p>
+            <a:endParaRPr lang="en-US" altLang="zh-CN" dirty="0"/>
+          </a:p>
+        </p:txBody>
+      </p:sp>
+    </p:spTree>
+    <p:extLst>
+      <p:ext uri="{BB962C8B-B14F-4D97-AF65-F5344CB8AC3E}">
+        <p14:creationId xmlns:p14="http://schemas.microsoft.com/office/powerpoint/2010/main" val="2394198361"/>
       </p:ext>
     </p:extLst>
   </p:cSld>
@@ -3649,6 +6629,259 @@
 </file>
 
 <file path=ppt/theme/theme1.xml><?xml version="1.0" encoding="utf-8"?>
+<a:theme xmlns:a="http://schemas.openxmlformats.org/drawingml/2006/main" name="View">
+  <a:themeElements>
+    <a:clrScheme name="View">
+      <a:dk1>
+        <a:srgbClr val="000000"/>
+      </a:dk1>
+      <a:lt1>
+        <a:srgbClr val="FFFFFF"/>
+      </a:lt1>
+      <a:dk2>
+        <a:srgbClr val="46464A"/>
+      </a:dk2>
+      <a:lt2>
+        <a:srgbClr val="D6D3CC"/>
+      </a:lt2>
+      <a:accent1>
+        <a:srgbClr val="6F6F74"/>
+      </a:accent1>
+      <a:accent2>
+        <a:srgbClr val="92A9B9"/>
+      </a:accent2>
+      <a:accent3>
+        <a:srgbClr val="A7B789"/>
+      </a:accent3>
+      <a:accent4>
+        <a:srgbClr val="B9A489"/>
+      </a:accent4>
+      <a:accent5>
+        <a:srgbClr val="8D6374"/>
+      </a:accent5>
+      <a:accent6>
+        <a:srgbClr val="9B7362"/>
+      </a:accent6>
+      <a:hlink>
+        <a:srgbClr val="67AABF"/>
+      </a:hlink>
+      <a:folHlink>
+        <a:srgbClr val="ABAFA5"/>
+      </a:folHlink>
+    </a:clrScheme>
+    <a:fontScheme name="View">
+      <a:majorFont>
+        <a:latin typeface="Century Schoolbook" panose="02040604050505020304"/>
+        <a:ea typeface=""/>
+        <a:cs typeface=""/>
+        <a:font script="Jpan" typeface="ＭＳ ゴシック"/>
+        <a:font script="Hang" typeface="맑은 고딕"/>
+        <a:font script="Hans" typeface="宋体"/>
+        <a:font script="Hant" typeface="新細明體"/>
+        <a:font script="Arab" typeface="Tahoma"/>
+        <a:font script="Hebr" typeface="Gisha"/>
+        <a:font script="Thai" typeface="DilleniaUPC"/>
+        <a:font script="Ethi" typeface="Nyala"/>
+        <a:font script="Beng" typeface="Vrinda"/>
+        <a:font script="Gujr" typeface="Shruti"/>
+        <a:font script="Khmr" typeface="DaunPenh"/>
+        <a:font script="Knda" typeface="Tunga"/>
+        <a:font script="Guru" typeface="Raavi"/>
+        <a:font script="Cans" typeface="Euphemia"/>
+        <a:font script="Cher" typeface="Plantagenet Cherokee"/>
+        <a:font script="Yiii" typeface="Microsoft Yi Baiti"/>
+        <a:font script="Tibt" typeface="Microsoft Himalaya"/>
+        <a:font script="Thaa" typeface="MV Boli"/>
+        <a:font script="Deva" typeface="Mangal"/>
+        <a:font script="Telu" typeface="Gautami"/>
+        <a:font script="Taml" typeface="Latha"/>
+        <a:font script="Syrc" typeface="Estrangelo Edessa"/>
+        <a:font script="Orya" typeface="Kalinga"/>
+        <a:font script="Mlym" typeface="Kartika"/>
+        <a:font script="Laoo" typeface="DokChampa"/>
+        <a:font script="Sinh" typeface="Iskoola Pota"/>
+        <a:font script="Mong" typeface="Mongolian Baiti"/>
+        <a:font script="Viet" typeface="Tahoma"/>
+        <a:font script="Uigh" typeface="Microsoft Uighur"/>
+        <a:font script="Geor" typeface="Sylfaen"/>
+      </a:majorFont>
+      <a:minorFont>
+        <a:latin typeface="Century Schoolbook" panose="02040604050505020304"/>
+        <a:ea typeface=""/>
+        <a:cs typeface=""/>
+        <a:font script="Jpan" typeface="ＭＳ ゴシック"/>
+        <a:font script="Hang" typeface="맑은 고딕"/>
+        <a:font script="Hans" typeface="宋体"/>
+        <a:font script="Hant" typeface="新細明體"/>
+        <a:font script="Arab" typeface="Tahoma"/>
+        <a:font script="Hebr" typeface="Gisha"/>
+        <a:font script="Thai" typeface="DilleniaUPC"/>
+        <a:font script="Ethi" typeface="Nyala"/>
+        <a:font script="Beng" typeface="Vrinda"/>
+        <a:font script="Gujr" typeface="Shruti"/>
+        <a:font script="Khmr" typeface="DaunPenh"/>
+        <a:font script="Knda" typeface="Tunga"/>
+        <a:font script="Guru" typeface="Raavi"/>
+        <a:font script="Cans" typeface="Euphemia"/>
+        <a:font script="Cher" typeface="Plantagenet Cherokee"/>
+        <a:font script="Yiii" typeface="Microsoft Yi Baiti"/>
+        <a:font script="Tibt" typeface="Microsoft Himalaya"/>
+        <a:font script="Thaa" typeface="MV Boli"/>
+        <a:font script="Deva" typeface="Mangal"/>
+        <a:font script="Telu" typeface="Gautami"/>
+        <a:font script="Taml" typeface="Latha"/>
+        <a:font script="Syrc" typeface="Estrangelo Edessa"/>
+        <a:font script="Orya" typeface="Kalinga"/>
+        <a:font script="Mlym" typeface="Kartika"/>
+        <a:font script="Laoo" typeface="DokChampa"/>
+        <a:font script="Sinh" typeface="Iskoola Pota"/>
+        <a:font script="Mong" typeface="Mongolian Baiti"/>
+        <a:font script="Viet" typeface="Verdana"/>
+        <a:font script="Uigh" typeface="Microsoft Uighur"/>
+        <a:font script="Geor" typeface="Sylfaen"/>
+      </a:minorFont>
+    </a:fontScheme>
+    <a:fmtScheme name="View">
+      <a:fillStyleLst>
+        <a:solidFill>
+          <a:schemeClr val="phClr"/>
+        </a:solidFill>
+        <a:solidFill>
+          <a:schemeClr val="phClr">
+            <a:tint val="60000"/>
+            <a:satMod val="120000"/>
+          </a:schemeClr>
+        </a:solidFill>
+        <a:solidFill>
+          <a:schemeClr val="phClr">
+            <a:shade val="75000"/>
+            <a:satMod val="160000"/>
+          </a:schemeClr>
+        </a:solidFill>
+      </a:fillStyleLst>
+      <a:lnStyleLst>
+        <a:ln w="9525" cap="flat" cmpd="sng" algn="ctr">
+          <a:solidFill>
+            <a:schemeClr val="phClr"/>
+          </a:solidFill>
+          <a:prstDash val="solid"/>
+        </a:ln>
+        <a:ln w="13970" cap="flat" cmpd="sng" algn="ctr">
+          <a:solidFill>
+            <a:schemeClr val="phClr"/>
+          </a:solidFill>
+          <a:prstDash val="solid"/>
+        </a:ln>
+        <a:ln w="17145" cap="flat" cmpd="sng" algn="ctr">
+          <a:solidFill>
+            <a:schemeClr val="phClr">
+              <a:shade val="95000"/>
+              <a:alpha val="95000"/>
+              <a:satMod val="150000"/>
+            </a:schemeClr>
+          </a:solidFill>
+          <a:prstDash val="solid"/>
+        </a:ln>
+      </a:lnStyleLst>
+      <a:effectStyleLst>
+        <a:effectStyle>
+          <a:effectLst/>
+        </a:effectStyle>
+        <a:effectStyle>
+          <a:effectLst>
+            <a:outerShdw blurRad="50800" dist="15240" dir="5400000" algn="tl" rotWithShape="0">
+              <a:srgbClr val="000000">
+                <a:alpha val="75000"/>
+              </a:srgbClr>
+            </a:outerShdw>
+          </a:effectLst>
+          <a:scene3d>
+            <a:camera prst="orthographicFront">
+              <a:rot lat="0" lon="0" rev="0"/>
+            </a:camera>
+            <a:lightRig rig="brightRoom" dir="tl"/>
+          </a:scene3d>
+          <a:sp3d contourW="9525" prstMaterial="flat">
+            <a:bevelT w="0" h="0" prst="coolSlant"/>
+            <a:contourClr>
+              <a:schemeClr val="phClr">
+                <a:shade val="35000"/>
+                <a:satMod val="130000"/>
+              </a:schemeClr>
+            </a:contourClr>
+          </a:sp3d>
+        </a:effectStyle>
+        <a:effectStyle>
+          <a:effectLst>
+            <a:outerShdw blurRad="76200" dist="25400" dir="5400000" algn="tl" rotWithShape="0">
+              <a:srgbClr val="000000">
+                <a:alpha val="55000"/>
+              </a:srgbClr>
+            </a:outerShdw>
+          </a:effectLst>
+          <a:scene3d>
+            <a:camera prst="orthographicFront">
+              <a:rot lat="0" lon="0" rev="0"/>
+            </a:camera>
+            <a:lightRig rig="brightRoom" dir="tl"/>
+          </a:scene3d>
+          <a:sp3d contourW="19050" prstMaterial="flat">
+            <a:bevelT w="0" h="0" prst="coolSlant"/>
+            <a:contourClr>
+              <a:schemeClr val="phClr">
+                <a:shade val="25000"/>
+                <a:satMod val="140000"/>
+              </a:schemeClr>
+            </a:contourClr>
+          </a:sp3d>
+        </a:effectStyle>
+      </a:effectStyleLst>
+      <a:bgFillStyleLst>
+        <a:solidFill>
+          <a:schemeClr val="phClr"/>
+        </a:solidFill>
+        <a:solidFill>
+          <a:schemeClr val="phClr">
+            <a:tint val="95000"/>
+            <a:satMod val="170000"/>
+          </a:schemeClr>
+        </a:solidFill>
+        <a:gradFill rotWithShape="1">
+          <a:gsLst>
+            <a:gs pos="0">
+              <a:schemeClr val="phClr">
+                <a:tint val="94000"/>
+                <a:shade val="98000"/>
+                <a:satMod val="130000"/>
+                <a:lumMod val="102000"/>
+              </a:schemeClr>
+            </a:gs>
+            <a:gs pos="100000">
+              <a:schemeClr val="phClr">
+                <a:tint val="98000"/>
+                <a:shade val="78000"/>
+                <a:satMod val="140000"/>
+              </a:schemeClr>
+            </a:gs>
+          </a:gsLst>
+          <a:path path="circle">
+            <a:fillToRect l="100000" t="100000" r="100000" b="100000"/>
+          </a:path>
+        </a:gradFill>
+      </a:bgFillStyleLst>
+    </a:fmtScheme>
+  </a:themeElements>
+  <a:objectDefaults/>
+  <a:extraClrSchemeLst/>
+  <a:extLst>
+    <a:ext uri="{05A4C25C-085E-4340-85A3-A5531E510DB2}">
+      <thm15:themeFamily xmlns:thm15="http://schemas.microsoft.com/office/thememl/2012/main" name="View" id="{BA0EB5A6-F2D4-4F82-977B-64ADEE4A2A69}" vid="{3969A8A2-35DB-4E3B-8885-16FD20568674}"/>
+    </a:ext>
+  </a:extLst>
+</a:theme>
+</file>
+
+<file path=ppt/theme/theme2.xml><?xml version="1.0" encoding="utf-8"?>
 <a:theme xmlns:a="http://schemas.openxmlformats.org/drawingml/2006/main" name="Office Theme">
   <a:themeElements>
     <a:clrScheme name="Office">
